--- a/doc_templates/presentations/PowerPoint/template.pptx
+++ b/doc_templates/presentations/PowerPoint/template.pptx
@@ -4,7 +4,17 @@
   <p:sldMasterIdLst>
     <p:sldMasterId id="2147483648" r:id="rId1"/>
   </p:sldMasterIdLst>
-  <p:sldSz cx="9144000" cy="6858000" type="screen4x3"/>
+  <p:notesMasterIdLst>
+    <p:notesMasterId r:id="rId4"/>
+  </p:notesMasterIdLst>
+  <p:handoutMasterIdLst>
+    <p:handoutMasterId r:id="rId5"/>
+  </p:handoutMasterIdLst>
+  <p:sldIdLst>
+    <p:sldId id="257" r:id="rId2"/>
+    <p:sldId id="258" r:id="rId3"/>
+  </p:sldIdLst>
+  <p:sldSz cx="9144000" cy="5143500" type="screen16x9"/>
   <p:notesSz cx="6858000" cy="9144000"/>
   <p:defaultTextStyle>
     <a:defPPr>
@@ -104,8 +114,523 @@
 </p:presentation>
 </file>
 
+<file path=ppt/handoutMasters/handoutMaster1.xml><?xml version="1.0" encoding="utf-8"?>
+<p:handoutMaster xmlns:a="http://schemas.openxmlformats.org/drawingml/2006/main" xmlns:r="http://schemas.openxmlformats.org/officeDocument/2006/relationships" xmlns:p="http://schemas.openxmlformats.org/presentationml/2006/main">
+  <p:cSld>
+    <p:bg>
+      <p:bgRef idx="1001">
+        <a:schemeClr val="bg1"/>
+      </p:bgRef>
+    </p:bg>
+    <p:spTree>
+      <p:nvGrpSpPr>
+        <p:cNvPr id="1" name=""/>
+        <p:cNvGrpSpPr/>
+        <p:nvPr/>
+      </p:nvGrpSpPr>
+      <p:grpSpPr>
+        <a:xfrm>
+          <a:off x="0" y="0"/>
+          <a:ext cx="0" cy="0"/>
+          <a:chOff x="0" y="0"/>
+          <a:chExt cx="0" cy="0"/>
+        </a:xfrm>
+      </p:grpSpPr>
+      <p:sp>
+        <p:nvSpPr>
+          <p:cNvPr id="2" name="Espaço Reservado para Cabeçalho 1"/>
+          <p:cNvSpPr>
+            <a:spLocks noGrp="1"/>
+          </p:cNvSpPr>
+          <p:nvPr>
+            <p:ph type="hdr" sz="quarter"/>
+          </p:nvPr>
+        </p:nvSpPr>
+        <p:spPr>
+          <a:xfrm>
+            <a:off x="0" y="0"/>
+            <a:ext cx="2971800" cy="457200"/>
+          </a:xfrm>
+          <a:prstGeom prst="rect">
+            <a:avLst/>
+          </a:prstGeom>
+        </p:spPr>
+        <p:txBody>
+          <a:bodyPr vert="horz" lIns="91440" tIns="45720" rIns="91440" bIns="45720" rtlCol="0"/>
+          <a:lstStyle>
+            <a:lvl1pPr algn="l">
+              <a:defRPr sz="1200"/>
+            </a:lvl1pPr>
+          </a:lstStyle>
+          <a:p>
+            <a:endParaRPr lang="pt-BR"/>
+          </a:p>
+        </p:txBody>
+      </p:sp>
+      <p:sp>
+        <p:nvSpPr>
+          <p:cNvPr id="3" name="Espaço Reservado para Data 2"/>
+          <p:cNvSpPr>
+            <a:spLocks noGrp="1"/>
+          </p:cNvSpPr>
+          <p:nvPr>
+            <p:ph type="dt" sz="quarter" idx="1"/>
+          </p:nvPr>
+        </p:nvSpPr>
+        <p:spPr>
+          <a:xfrm>
+            <a:off x="3884613" y="0"/>
+            <a:ext cx="2971800" cy="457200"/>
+          </a:xfrm>
+          <a:prstGeom prst="rect">
+            <a:avLst/>
+          </a:prstGeom>
+        </p:spPr>
+        <p:txBody>
+          <a:bodyPr vert="horz" lIns="91440" tIns="45720" rIns="91440" bIns="45720" rtlCol="0"/>
+          <a:lstStyle>
+            <a:lvl1pPr algn="r">
+              <a:defRPr sz="1200"/>
+            </a:lvl1pPr>
+          </a:lstStyle>
+          <a:p>
+            <a:fld id="{81CB8AC1-BFE5-454E-95C4-32A7AFC57045}" type="datetimeFigureOut">
+              <a:rPr lang="pt-BR" smtClean="0"/>
+              <a:t>16/01/2015</a:t>
+            </a:fld>
+            <a:endParaRPr lang="pt-BR"/>
+          </a:p>
+        </p:txBody>
+      </p:sp>
+      <p:sp>
+        <p:nvSpPr>
+          <p:cNvPr id="4" name="Espaço Reservado para Rodapé 3"/>
+          <p:cNvSpPr>
+            <a:spLocks noGrp="1"/>
+          </p:cNvSpPr>
+          <p:nvPr>
+            <p:ph type="ftr" sz="quarter" idx="2"/>
+          </p:nvPr>
+        </p:nvSpPr>
+        <p:spPr>
+          <a:xfrm>
+            <a:off x="0" y="8685213"/>
+            <a:ext cx="2971800" cy="457200"/>
+          </a:xfrm>
+          <a:prstGeom prst="rect">
+            <a:avLst/>
+          </a:prstGeom>
+        </p:spPr>
+        <p:txBody>
+          <a:bodyPr vert="horz" lIns="91440" tIns="45720" rIns="91440" bIns="45720" rtlCol="0" anchor="b"/>
+          <a:lstStyle>
+            <a:lvl1pPr algn="l">
+              <a:defRPr sz="1200"/>
+            </a:lvl1pPr>
+          </a:lstStyle>
+          <a:p>
+            <a:endParaRPr lang="pt-BR"/>
+          </a:p>
+        </p:txBody>
+      </p:sp>
+      <p:sp>
+        <p:nvSpPr>
+          <p:cNvPr id="5" name="Espaço Reservado para Número de Slide 4"/>
+          <p:cNvSpPr>
+            <a:spLocks noGrp="1"/>
+          </p:cNvSpPr>
+          <p:nvPr>
+            <p:ph type="sldNum" sz="quarter" idx="3"/>
+          </p:nvPr>
+        </p:nvSpPr>
+        <p:spPr>
+          <a:xfrm>
+            <a:off x="3884613" y="8685213"/>
+            <a:ext cx="2971800" cy="457200"/>
+          </a:xfrm>
+          <a:prstGeom prst="rect">
+            <a:avLst/>
+          </a:prstGeom>
+        </p:spPr>
+        <p:txBody>
+          <a:bodyPr vert="horz" lIns="91440" tIns="45720" rIns="91440" bIns="45720" rtlCol="0" anchor="b"/>
+          <a:lstStyle>
+            <a:lvl1pPr algn="r">
+              <a:defRPr sz="1200"/>
+            </a:lvl1pPr>
+          </a:lstStyle>
+          <a:p>
+            <a:fld id="{956928E6-D46A-459A-86C9-DD244B2BC24F}" type="slidenum">
+              <a:rPr lang="pt-BR" smtClean="0"/>
+              <a:t>‹nº›</a:t>
+            </a:fld>
+            <a:endParaRPr lang="pt-BR"/>
+          </a:p>
+        </p:txBody>
+      </p:sp>
+    </p:spTree>
+    <p:extLst>
+      <p:ext uri="{BB962C8B-B14F-4D97-AF65-F5344CB8AC3E}">
+        <p14:creationId xmlns:p14="http://schemas.microsoft.com/office/powerpoint/2010/main" val="3707337343"/>
+      </p:ext>
+    </p:extLst>
+  </p:cSld>
+  <p:clrMap bg1="lt1" tx1="dk1" bg2="lt2" tx2="dk2" accent1="accent1" accent2="accent2" accent3="accent3" accent4="accent4" accent5="accent5" accent6="accent6" hlink="hlink" folHlink="folHlink"/>
+</p:handoutMaster>
+</file>
+
+<file path=ppt/notesMasters/notesMaster1.xml><?xml version="1.0" encoding="utf-8"?>
+<p:notesMaster xmlns:a="http://schemas.openxmlformats.org/drawingml/2006/main" xmlns:r="http://schemas.openxmlformats.org/officeDocument/2006/relationships" xmlns:p="http://schemas.openxmlformats.org/presentationml/2006/main">
+  <p:cSld>
+    <p:bg>
+      <p:bgRef idx="1001">
+        <a:schemeClr val="bg1"/>
+      </p:bgRef>
+    </p:bg>
+    <p:spTree>
+      <p:nvGrpSpPr>
+        <p:cNvPr id="1" name=""/>
+        <p:cNvGrpSpPr/>
+        <p:nvPr/>
+      </p:nvGrpSpPr>
+      <p:grpSpPr>
+        <a:xfrm>
+          <a:off x="0" y="0"/>
+          <a:ext cx="0" cy="0"/>
+          <a:chOff x="0" y="0"/>
+          <a:chExt cx="0" cy="0"/>
+        </a:xfrm>
+      </p:grpSpPr>
+      <p:sp>
+        <p:nvSpPr>
+          <p:cNvPr id="2" name="Espaço Reservado para Cabeçalho 1"/>
+          <p:cNvSpPr>
+            <a:spLocks noGrp="1"/>
+          </p:cNvSpPr>
+          <p:nvPr>
+            <p:ph type="hdr" sz="quarter"/>
+          </p:nvPr>
+        </p:nvSpPr>
+        <p:spPr>
+          <a:xfrm>
+            <a:off x="0" y="0"/>
+            <a:ext cx="2971800" cy="457200"/>
+          </a:xfrm>
+          <a:prstGeom prst="rect">
+            <a:avLst/>
+          </a:prstGeom>
+        </p:spPr>
+        <p:txBody>
+          <a:bodyPr vert="horz" lIns="91440" tIns="45720" rIns="91440" bIns="45720" rtlCol="0"/>
+          <a:lstStyle>
+            <a:lvl1pPr algn="l">
+              <a:defRPr sz="1200"/>
+            </a:lvl1pPr>
+          </a:lstStyle>
+          <a:p>
+            <a:endParaRPr lang="pt-BR"/>
+          </a:p>
+        </p:txBody>
+      </p:sp>
+      <p:sp>
+        <p:nvSpPr>
+          <p:cNvPr id="3" name="Espaço Reservado para Data 2"/>
+          <p:cNvSpPr>
+            <a:spLocks noGrp="1"/>
+          </p:cNvSpPr>
+          <p:nvPr>
+            <p:ph type="dt" idx="1"/>
+          </p:nvPr>
+        </p:nvSpPr>
+        <p:spPr>
+          <a:xfrm>
+            <a:off x="3884613" y="0"/>
+            <a:ext cx="2971800" cy="457200"/>
+          </a:xfrm>
+          <a:prstGeom prst="rect">
+            <a:avLst/>
+          </a:prstGeom>
+        </p:spPr>
+        <p:txBody>
+          <a:bodyPr vert="horz" lIns="91440" tIns="45720" rIns="91440" bIns="45720" rtlCol="0"/>
+          <a:lstStyle>
+            <a:lvl1pPr algn="r">
+              <a:defRPr sz="1200"/>
+            </a:lvl1pPr>
+          </a:lstStyle>
+          <a:p>
+            <a:fld id="{37C24106-CC9B-470B-957F-22461D4CD350}" type="datetimeFigureOut">
+              <a:rPr lang="pt-BR" smtClean="0"/>
+              <a:t>16/01/2015</a:t>
+            </a:fld>
+            <a:endParaRPr lang="pt-BR"/>
+          </a:p>
+        </p:txBody>
+      </p:sp>
+      <p:sp>
+        <p:nvSpPr>
+          <p:cNvPr id="4" name="Espaço Reservado para Imagem de Slide 3"/>
+          <p:cNvSpPr>
+            <a:spLocks noGrp="1" noRot="1" noChangeAspect="1"/>
+          </p:cNvSpPr>
+          <p:nvPr>
+            <p:ph type="sldImg" idx="2"/>
+          </p:nvPr>
+        </p:nvSpPr>
+        <p:spPr>
+          <a:xfrm>
+            <a:off x="381000" y="685800"/>
+            <a:ext cx="6096000" cy="3429000"/>
+          </a:xfrm>
+          <a:prstGeom prst="rect">
+            <a:avLst/>
+          </a:prstGeom>
+          <a:noFill/>
+          <a:ln w="12700">
+            <a:solidFill>
+              <a:prstClr val="black"/>
+            </a:solidFill>
+          </a:ln>
+        </p:spPr>
+        <p:txBody>
+          <a:bodyPr vert="horz" lIns="91440" tIns="45720" rIns="91440" bIns="45720" rtlCol="0" anchor="ctr"/>
+          <a:lstStyle/>
+          <a:p>
+            <a:endParaRPr lang="pt-BR"/>
+          </a:p>
+        </p:txBody>
+      </p:sp>
+      <p:sp>
+        <p:nvSpPr>
+          <p:cNvPr id="5" name="Espaço Reservado para Anotações 4"/>
+          <p:cNvSpPr>
+            <a:spLocks noGrp="1"/>
+          </p:cNvSpPr>
+          <p:nvPr>
+            <p:ph type="body" sz="quarter" idx="3"/>
+          </p:nvPr>
+        </p:nvSpPr>
+        <p:spPr>
+          <a:xfrm>
+            <a:off x="685800" y="4343400"/>
+            <a:ext cx="5486400" cy="4114800"/>
+          </a:xfrm>
+          <a:prstGeom prst="rect">
+            <a:avLst/>
+          </a:prstGeom>
+        </p:spPr>
+        <p:txBody>
+          <a:bodyPr vert="horz" lIns="91440" tIns="45720" rIns="91440" bIns="45720" rtlCol="0"/>
+          <a:lstStyle/>
+          <a:p>
+            <a:pPr lvl="0"/>
+            <a:r>
+              <a:rPr lang="pt-BR" smtClean="0"/>
+              <a:t>Clique para editar o texto mestre</a:t>
+            </a:r>
+          </a:p>
+          <a:p>
+            <a:pPr lvl="1"/>
+            <a:r>
+              <a:rPr lang="pt-BR" smtClean="0"/>
+              <a:t>Segundo nível</a:t>
+            </a:r>
+          </a:p>
+          <a:p>
+            <a:pPr lvl="2"/>
+            <a:r>
+              <a:rPr lang="pt-BR" smtClean="0"/>
+              <a:t>Terceiro nível</a:t>
+            </a:r>
+          </a:p>
+          <a:p>
+            <a:pPr lvl="3"/>
+            <a:r>
+              <a:rPr lang="pt-BR" smtClean="0"/>
+              <a:t>Quarto nível</a:t>
+            </a:r>
+          </a:p>
+          <a:p>
+            <a:pPr lvl="4"/>
+            <a:r>
+              <a:rPr lang="pt-BR" smtClean="0"/>
+              <a:t>Quinto nível</a:t>
+            </a:r>
+            <a:endParaRPr lang="pt-BR"/>
+          </a:p>
+        </p:txBody>
+      </p:sp>
+      <p:sp>
+        <p:nvSpPr>
+          <p:cNvPr id="6" name="Espaço Reservado para Rodapé 5"/>
+          <p:cNvSpPr>
+            <a:spLocks noGrp="1"/>
+          </p:cNvSpPr>
+          <p:nvPr>
+            <p:ph type="ftr" sz="quarter" idx="4"/>
+          </p:nvPr>
+        </p:nvSpPr>
+        <p:spPr>
+          <a:xfrm>
+            <a:off x="0" y="8685213"/>
+            <a:ext cx="2971800" cy="457200"/>
+          </a:xfrm>
+          <a:prstGeom prst="rect">
+            <a:avLst/>
+          </a:prstGeom>
+        </p:spPr>
+        <p:txBody>
+          <a:bodyPr vert="horz" lIns="91440" tIns="45720" rIns="91440" bIns="45720" rtlCol="0" anchor="b"/>
+          <a:lstStyle>
+            <a:lvl1pPr algn="l">
+              <a:defRPr sz="1200"/>
+            </a:lvl1pPr>
+          </a:lstStyle>
+          <a:p>
+            <a:endParaRPr lang="pt-BR"/>
+          </a:p>
+        </p:txBody>
+      </p:sp>
+      <p:sp>
+        <p:nvSpPr>
+          <p:cNvPr id="7" name="Espaço Reservado para Número de Slide 6"/>
+          <p:cNvSpPr>
+            <a:spLocks noGrp="1"/>
+          </p:cNvSpPr>
+          <p:nvPr>
+            <p:ph type="sldNum" sz="quarter" idx="5"/>
+          </p:nvPr>
+        </p:nvSpPr>
+        <p:spPr>
+          <a:xfrm>
+            <a:off x="3884613" y="8685213"/>
+            <a:ext cx="2971800" cy="457200"/>
+          </a:xfrm>
+          <a:prstGeom prst="rect">
+            <a:avLst/>
+          </a:prstGeom>
+        </p:spPr>
+        <p:txBody>
+          <a:bodyPr vert="horz" lIns="91440" tIns="45720" rIns="91440" bIns="45720" rtlCol="0" anchor="b"/>
+          <a:lstStyle>
+            <a:lvl1pPr algn="r">
+              <a:defRPr sz="1200"/>
+            </a:lvl1pPr>
+          </a:lstStyle>
+          <a:p>
+            <a:fld id="{2FA843F4-F032-49BC-99C6-552752716277}" type="slidenum">
+              <a:rPr lang="pt-BR" smtClean="0"/>
+              <a:t>‹nº›</a:t>
+            </a:fld>
+            <a:endParaRPr lang="pt-BR"/>
+          </a:p>
+        </p:txBody>
+      </p:sp>
+    </p:spTree>
+    <p:extLst>
+      <p:ext uri="{BB962C8B-B14F-4D97-AF65-F5344CB8AC3E}">
+        <p14:creationId xmlns:p14="http://schemas.microsoft.com/office/powerpoint/2010/main" val="405603124"/>
+      </p:ext>
+    </p:extLst>
+  </p:cSld>
+  <p:clrMap bg1="lt1" tx1="dk1" bg2="lt2" tx2="dk2" accent1="accent1" accent2="accent2" accent3="accent3" accent4="accent4" accent5="accent5" accent6="accent6" hlink="hlink" folHlink="folHlink"/>
+  <p:notesStyle>
+    <a:lvl1pPr marL="0" algn="l" defTabSz="914400" rtl="0" eaLnBrk="1" latinLnBrk="0" hangingPunct="1">
+      <a:defRPr sz="1200" kern="1200">
+        <a:solidFill>
+          <a:schemeClr val="tx1"/>
+        </a:solidFill>
+        <a:latin typeface="+mn-lt"/>
+        <a:ea typeface="+mn-ea"/>
+        <a:cs typeface="+mn-cs"/>
+      </a:defRPr>
+    </a:lvl1pPr>
+    <a:lvl2pPr marL="457200" algn="l" defTabSz="914400" rtl="0" eaLnBrk="1" latinLnBrk="0" hangingPunct="1">
+      <a:defRPr sz="1200" kern="1200">
+        <a:solidFill>
+          <a:schemeClr val="tx1"/>
+        </a:solidFill>
+        <a:latin typeface="+mn-lt"/>
+        <a:ea typeface="+mn-ea"/>
+        <a:cs typeface="+mn-cs"/>
+      </a:defRPr>
+    </a:lvl2pPr>
+    <a:lvl3pPr marL="914400" algn="l" defTabSz="914400" rtl="0" eaLnBrk="1" latinLnBrk="0" hangingPunct="1">
+      <a:defRPr sz="1200" kern="1200">
+        <a:solidFill>
+          <a:schemeClr val="tx1"/>
+        </a:solidFill>
+        <a:latin typeface="+mn-lt"/>
+        <a:ea typeface="+mn-ea"/>
+        <a:cs typeface="+mn-cs"/>
+      </a:defRPr>
+    </a:lvl3pPr>
+    <a:lvl4pPr marL="1371600" algn="l" defTabSz="914400" rtl="0" eaLnBrk="1" latinLnBrk="0" hangingPunct="1">
+      <a:defRPr sz="1200" kern="1200">
+        <a:solidFill>
+          <a:schemeClr val="tx1"/>
+        </a:solidFill>
+        <a:latin typeface="+mn-lt"/>
+        <a:ea typeface="+mn-ea"/>
+        <a:cs typeface="+mn-cs"/>
+      </a:defRPr>
+    </a:lvl4pPr>
+    <a:lvl5pPr marL="1828800" algn="l" defTabSz="914400" rtl="0" eaLnBrk="1" latinLnBrk="0" hangingPunct="1">
+      <a:defRPr sz="1200" kern="1200">
+        <a:solidFill>
+          <a:schemeClr val="tx1"/>
+        </a:solidFill>
+        <a:latin typeface="+mn-lt"/>
+        <a:ea typeface="+mn-ea"/>
+        <a:cs typeface="+mn-cs"/>
+      </a:defRPr>
+    </a:lvl5pPr>
+    <a:lvl6pPr marL="2286000" algn="l" defTabSz="914400" rtl="0" eaLnBrk="1" latinLnBrk="0" hangingPunct="1">
+      <a:defRPr sz="1200" kern="1200">
+        <a:solidFill>
+          <a:schemeClr val="tx1"/>
+        </a:solidFill>
+        <a:latin typeface="+mn-lt"/>
+        <a:ea typeface="+mn-ea"/>
+        <a:cs typeface="+mn-cs"/>
+      </a:defRPr>
+    </a:lvl6pPr>
+    <a:lvl7pPr marL="2743200" algn="l" defTabSz="914400" rtl="0" eaLnBrk="1" latinLnBrk="0" hangingPunct="1">
+      <a:defRPr sz="1200" kern="1200">
+        <a:solidFill>
+          <a:schemeClr val="tx1"/>
+        </a:solidFill>
+        <a:latin typeface="+mn-lt"/>
+        <a:ea typeface="+mn-ea"/>
+        <a:cs typeface="+mn-cs"/>
+      </a:defRPr>
+    </a:lvl7pPr>
+    <a:lvl8pPr marL="3200400" algn="l" defTabSz="914400" rtl="0" eaLnBrk="1" latinLnBrk="0" hangingPunct="1">
+      <a:defRPr sz="1200" kern="1200">
+        <a:solidFill>
+          <a:schemeClr val="tx1"/>
+        </a:solidFill>
+        <a:latin typeface="+mn-lt"/>
+        <a:ea typeface="+mn-ea"/>
+        <a:cs typeface="+mn-cs"/>
+      </a:defRPr>
+    </a:lvl8pPr>
+    <a:lvl9pPr marL="3657600" algn="l" defTabSz="914400" rtl="0" eaLnBrk="1" latinLnBrk="0" hangingPunct="1">
+      <a:defRPr sz="1200" kern="1200">
+        <a:solidFill>
+          <a:schemeClr val="tx1"/>
+        </a:solidFill>
+        <a:latin typeface="+mn-lt"/>
+        <a:ea typeface="+mn-ea"/>
+        <a:cs typeface="+mn-cs"/>
+      </a:defRPr>
+    </a:lvl9pPr>
+  </p:notesStyle>
+</p:notesMaster>
+</file>
+
 <file path=ppt/slideLayouts/slideLayout1.xml><?xml version="1.0" encoding="utf-8"?>
-<p:sldLayout xmlns:a="http://schemas.openxmlformats.org/drawingml/2006/main" xmlns:r="http://schemas.openxmlformats.org/officeDocument/2006/relationships" xmlns:p="http://schemas.openxmlformats.org/presentationml/2006/main" type="title" preserve="1">
+<p:sldLayout xmlns:a="http://schemas.openxmlformats.org/drawingml/2006/main" xmlns:r="http://schemas.openxmlformats.org/officeDocument/2006/relationships" xmlns:p="http://schemas.openxmlformats.org/presentationml/2006/main" preserve="1" userDrawn="1">
   <p:cSld name="Slide de título">
     <p:spTree>
       <p:nvGrpSpPr>
@@ -123,58 +648,33 @@
       </p:grpSpPr>
       <p:sp>
         <p:nvSpPr>
-          <p:cNvPr id="2" name="Título 1"/>
-          <p:cNvSpPr>
-            <a:spLocks noGrp="1"/>
-          </p:cNvSpPr>
-          <p:nvPr>
-            <p:ph type="ctrTitle"/>
-          </p:nvPr>
-        </p:nvSpPr>
-        <p:spPr>
-          <a:xfrm>
-            <a:off x="685800" y="2130425"/>
-            <a:ext cx="7772400" cy="1470025"/>
-          </a:xfrm>
-        </p:spPr>
-        <p:txBody>
-          <a:bodyPr/>
-          <a:lstStyle/>
-          <a:p>
-            <a:r>
-              <a:rPr lang="pt-BR" smtClean="0"/>
-              <a:t>Clique para editar o estilo do título mestre</a:t>
-            </a:r>
-            <a:endParaRPr lang="pt-BR"/>
-          </a:p>
-        </p:txBody>
-      </p:sp>
-      <p:sp>
-        <p:nvSpPr>
           <p:cNvPr id="3" name="Subtítulo 2"/>
           <p:cNvSpPr>
             <a:spLocks noGrp="1"/>
           </p:cNvSpPr>
           <p:nvPr>
-            <p:ph type="subTitle" idx="1"/>
+            <p:ph type="subTitle" idx="1" hasCustomPrompt="1"/>
           </p:nvPr>
         </p:nvSpPr>
         <p:spPr>
           <a:xfrm>
-            <a:off x="1371600" y="3886200"/>
-            <a:ext cx="6400800" cy="1752600"/>
-          </a:xfrm>
-        </p:spPr>
-        <p:txBody>
-          <a:bodyPr/>
+            <a:off x="3078576" y="1563638"/>
+            <a:ext cx="5832648" cy="1872208"/>
+          </a:xfrm>
+          <a:prstGeom prst="rect">
+            <a:avLst/>
+          </a:prstGeom>
+        </p:spPr>
+        <p:txBody>
+          <a:bodyPr>
+            <a:normAutofit/>
+          </a:bodyPr>
           <a:lstStyle>
             <a:lvl1pPr marL="0" indent="0" algn="ctr">
               <a:buNone/>
-              <a:defRPr>
+              <a:defRPr sz="1400" baseline="0">
                 <a:solidFill>
-                  <a:schemeClr val="tx1">
-                    <a:tint val="75000"/>
-                  </a:schemeClr>
+                  <a:schemeClr val="tx1"/>
                 </a:solidFill>
               </a:defRPr>
             </a:lvl1pPr>
@@ -261,88 +761,213 @@
           </a:lstStyle>
           <a:p>
             <a:r>
-              <a:rPr lang="pt-BR" smtClean="0"/>
-              <a:t>Clique para editar o estilo do subtítulo mestre</a:t>
-            </a:r>
-            <a:endParaRPr lang="pt-BR"/>
-          </a:p>
-        </p:txBody>
-      </p:sp>
-      <p:sp>
-        <p:nvSpPr>
-          <p:cNvPr id="4" name="Espaço Reservado para Data 3"/>
-          <p:cNvSpPr>
-            <a:spLocks noGrp="1"/>
-          </p:cNvSpPr>
-          <p:nvPr>
-            <p:ph type="dt" sz="half" idx="10"/>
-          </p:nvPr>
-        </p:nvSpPr>
-        <p:spPr/>
-        <p:txBody>
-          <a:bodyPr/>
-          <a:lstStyle/>
-          <a:p>
-            <a:fld id="{2E700DB3-DBF0-4086-B675-117E7A9610B8}" type="datetimeFigureOut">
-              <a:rPr lang="pt-BR" smtClean="0"/>
-              <a:t>20/9/2006</a:t>
-            </a:fld>
-            <a:endParaRPr lang="pt-BR"/>
-          </a:p>
-        </p:txBody>
-      </p:sp>
-      <p:sp>
-        <p:nvSpPr>
-          <p:cNvPr id="5" name="Espaço Reservado para Rodapé 4"/>
-          <p:cNvSpPr>
-            <a:spLocks noGrp="1"/>
-          </p:cNvSpPr>
-          <p:nvPr>
-            <p:ph type="ftr" sz="quarter" idx="11"/>
-          </p:nvPr>
-        </p:nvSpPr>
-        <p:spPr/>
-        <p:txBody>
-          <a:bodyPr/>
-          <a:lstStyle/>
-          <a:p>
-            <a:endParaRPr lang="pt-BR"/>
-          </a:p>
-        </p:txBody>
-      </p:sp>
-      <p:sp>
-        <p:nvSpPr>
-          <p:cNvPr id="6" name="Espaço Reservado para Número de Slide 5"/>
-          <p:cNvSpPr>
-            <a:spLocks noGrp="1"/>
-          </p:cNvSpPr>
-          <p:nvPr>
-            <p:ph type="sldNum" sz="quarter" idx="12"/>
-          </p:nvPr>
-        </p:nvSpPr>
-        <p:spPr/>
-        <p:txBody>
-          <a:bodyPr/>
-          <a:lstStyle/>
-          <a:p>
-            <a:fld id="{2119D8CF-8DEC-4D9F-84EE-ADF04DFF3391}" type="slidenum">
-              <a:rPr lang="pt-BR" smtClean="0"/>
-              <a:t>‹nº›</a:t>
-            </a:fld>
-            <a:endParaRPr lang="pt-BR"/>
-          </a:p>
-        </p:txBody>
-      </p:sp>
+              <a:rPr lang="en-US" noProof="0" dirty="0" smtClean="0"/>
+              <a:t>Author’s Name</a:t>
+            </a:r>
+          </a:p>
+          <a:p>
+            <a:r>
+              <a:rPr lang="en-US" noProof="0" dirty="0" smtClean="0"/>
+              <a:t>author.email@ime.usp.br</a:t>
+            </a:r>
+          </a:p>
+          <a:p>
+            <a:endParaRPr lang="en-US" noProof="0" dirty="0" smtClean="0"/>
+          </a:p>
+          <a:p>
+            <a:r>
+              <a:rPr lang="en-US" noProof="0" dirty="0" smtClean="0"/>
+              <a:t>MSc/PhD Student</a:t>
+            </a:r>
+          </a:p>
+          <a:p>
+            <a:r>
+              <a:rPr lang="en-US" noProof="0" dirty="0" smtClean="0"/>
+              <a:t>Department of Computer Science</a:t>
+            </a:r>
+          </a:p>
+          <a:p>
+            <a:endParaRPr lang="en-US" noProof="0" dirty="0" smtClean="0"/>
+          </a:p>
+          <a:p>
+            <a:r>
+              <a:rPr lang="en-US" noProof="0" dirty="0" smtClean="0"/>
+              <a:t>Presentation Date</a:t>
+            </a:r>
+            <a:endParaRPr lang="en-US" noProof="0" dirty="0"/>
+          </a:p>
+        </p:txBody>
+      </p:sp>
+      <p:sp>
+        <p:nvSpPr>
+          <p:cNvPr id="7" name="Retângulo de cantos arredondados 6"/>
+          <p:cNvSpPr/>
+          <p:nvPr userDrawn="1"/>
+        </p:nvSpPr>
+        <p:spPr>
+          <a:xfrm>
+            <a:off x="3078576" y="267494"/>
+            <a:ext cx="5832648" cy="1080120"/>
+          </a:xfrm>
+          <a:prstGeom prst="roundRect">
+            <a:avLst/>
+          </a:prstGeom>
+        </p:spPr>
+        <p:style>
+          <a:lnRef idx="1">
+            <a:schemeClr val="accent6"/>
+          </a:lnRef>
+          <a:fillRef idx="3">
+            <a:schemeClr val="accent6"/>
+          </a:fillRef>
+          <a:effectRef idx="2">
+            <a:schemeClr val="accent6"/>
+          </a:effectRef>
+          <a:fontRef idx="minor">
+            <a:schemeClr val="lt1"/>
+          </a:fontRef>
+        </p:style>
+        <p:txBody>
+          <a:bodyPr rtlCol="0" anchor="ctr"/>
+          <a:lstStyle/>
+          <a:p>
+            <a:pPr algn="ctr"/>
+            <a:r>
+              <a:rPr lang="en-US" sz="3600" noProof="0" dirty="0" smtClean="0"/>
+              <a:t>Presentation Title</a:t>
+            </a:r>
+            <a:endParaRPr lang="en-US" sz="4400" noProof="0" dirty="0" smtClean="0"/>
+          </a:p>
+          <a:p>
+            <a:pPr algn="ctr"/>
+            <a:r>
+              <a:rPr lang="en-US" sz="1600" noProof="0" dirty="0" smtClean="0"/>
+              <a:t>Presentation Subtitle</a:t>
+            </a:r>
+          </a:p>
+          <a:p>
+            <a:pPr algn="ctr"/>
+            <a:endParaRPr lang="en-US" noProof="0" dirty="0"/>
+          </a:p>
+        </p:txBody>
+      </p:sp>
+      <p:pic>
+        <p:nvPicPr>
+          <p:cNvPr id="8" name="Imagem 7"/>
+          <p:cNvPicPr>
+            <a:picLocks noChangeAspect="1"/>
+          </p:cNvPicPr>
+          <p:nvPr userDrawn="1"/>
+        </p:nvPicPr>
+        <p:blipFill>
+          <a:blip r:embed="rId2">
+            <a:clrChange>
+              <a:clrFrom>
+                <a:srgbClr val="FFFFFF"/>
+              </a:clrFrom>
+              <a:clrTo>
+                <a:srgbClr val="FFFFFF">
+                  <a:alpha val="0"/>
+                </a:srgbClr>
+              </a:clrTo>
+            </a:clrChange>
+            <a:extLst>
+              <a:ext uri="{28A0092B-C50C-407E-A947-70E740481C1C}">
+                <a14:useLocalDpi xmlns:a14="http://schemas.microsoft.com/office/drawing/2010/main" val="0"/>
+              </a:ext>
+            </a:extLst>
+          </a:blip>
+          <a:stretch>
+            <a:fillRect/>
+          </a:stretch>
+        </p:blipFill>
+        <p:spPr>
+          <a:xfrm>
+            <a:off x="107504" y="1491630"/>
+            <a:ext cx="2899064" cy="2571750"/>
+          </a:xfrm>
+          <a:prstGeom prst="rect">
+            <a:avLst/>
+          </a:prstGeom>
+        </p:spPr>
+      </p:pic>
+      <p:pic>
+        <p:nvPicPr>
+          <p:cNvPr id="9" name="Imagem 8"/>
+          <p:cNvPicPr>
+            <a:picLocks noChangeAspect="1"/>
+          </p:cNvPicPr>
+          <p:nvPr userDrawn="1"/>
+        </p:nvPicPr>
+        <p:blipFill>
+          <a:blip r:embed="rId3" cstate="print">
+            <a:extLst>
+              <a:ext uri="{28A0092B-C50C-407E-A947-70E740481C1C}">
+                <a14:useLocalDpi xmlns:a14="http://schemas.microsoft.com/office/drawing/2010/main" val="0"/>
+              </a:ext>
+            </a:extLst>
+          </a:blip>
+          <a:stretch>
+            <a:fillRect/>
+          </a:stretch>
+        </p:blipFill>
+        <p:spPr>
+          <a:xfrm>
+            <a:off x="4329597" y="3579862"/>
+            <a:ext cx="3330604" cy="688688"/>
+          </a:xfrm>
+          <a:prstGeom prst="rect">
+            <a:avLst/>
+          </a:prstGeom>
+        </p:spPr>
+      </p:pic>
+      <p:pic>
+        <p:nvPicPr>
+          <p:cNvPr id="10" name="Imagem 9"/>
+          <p:cNvPicPr>
+            <a:picLocks noChangeAspect="1"/>
+          </p:cNvPicPr>
+          <p:nvPr userDrawn="1"/>
+        </p:nvPicPr>
+        <p:blipFill>
+          <a:blip r:embed="rId4">
+            <a:extLst>
+              <a:ext uri="{28A0092B-C50C-407E-A947-70E740481C1C}">
+                <a14:useLocalDpi xmlns:a14="http://schemas.microsoft.com/office/drawing/2010/main" val="0"/>
+              </a:ext>
+            </a:extLst>
+          </a:blip>
+          <a:stretch>
+            <a:fillRect/>
+          </a:stretch>
+        </p:blipFill>
+        <p:spPr>
+          <a:xfrm>
+            <a:off x="4477943" y="4290922"/>
+            <a:ext cx="3033911" cy="736464"/>
+          </a:xfrm>
+          <a:prstGeom prst="rect">
+            <a:avLst/>
+          </a:prstGeom>
+        </p:spPr>
+      </p:pic>
     </p:spTree>
   </p:cSld>
   <p:clrMapOvr>
     <a:masterClrMapping/>
   </p:clrMapOvr>
+  <p:timing>
+    <p:tnLst>
+      <p:par>
+        <p:cTn id="1" dur="indefinite" restart="never" nodeType="tmRoot"/>
+      </p:par>
+    </p:tnLst>
+  </p:timing>
 </p:sldLayout>
 </file>
 
 <file path=ppt/slideLayouts/slideLayout10.xml><?xml version="1.0" encoding="utf-8"?>
-<p:sldLayout xmlns:a="http://schemas.openxmlformats.org/drawingml/2006/main" xmlns:r="http://schemas.openxmlformats.org/officeDocument/2006/relationships" xmlns:p="http://schemas.openxmlformats.org/presentationml/2006/main" type="vertTx" preserve="1">
+<p:sldLayout xmlns:a="http://schemas.openxmlformats.org/drawingml/2006/main" xmlns:r="http://schemas.openxmlformats.org/officeDocument/2006/relationships" xmlns:p="http://schemas.openxmlformats.org/presentationml/2006/main" preserve="1" userDrawn="1">
   <p:cSld name="Título e texto vertical">
     <p:spTree>
       <p:nvGrpSpPr>
@@ -360,29 +985,6 @@
       </p:grpSpPr>
       <p:sp>
         <p:nvSpPr>
-          <p:cNvPr id="2" name="Título 1"/>
-          <p:cNvSpPr>
-            <a:spLocks noGrp="1"/>
-          </p:cNvSpPr>
-          <p:nvPr>
-            <p:ph type="title"/>
-          </p:nvPr>
-        </p:nvSpPr>
-        <p:spPr/>
-        <p:txBody>
-          <a:bodyPr/>
-          <a:lstStyle/>
-          <a:p>
-            <a:r>
-              <a:rPr lang="pt-BR" smtClean="0"/>
-              <a:t>Clique para editar o estilo do título mestre</a:t>
-            </a:r>
-            <a:endParaRPr lang="pt-BR"/>
-          </a:p>
-        </p:txBody>
-      </p:sp>
-      <p:sp>
-        <p:nvSpPr>
           <p:cNvPr id="3" name="Espaço Reservado para Texto Vertical 2"/>
           <p:cNvSpPr>
             <a:spLocks noGrp="1"/>
@@ -391,110 +993,438 @@
             <p:ph type="body" orient="vert" idx="1"/>
           </p:nvPr>
         </p:nvSpPr>
-        <p:spPr/>
+        <p:spPr>
+          <a:xfrm>
+            <a:off x="457200" y="1200151"/>
+            <a:ext cx="8229600" cy="3394472"/>
+          </a:xfrm>
+          <a:prstGeom prst="rect">
+            <a:avLst/>
+          </a:prstGeom>
+        </p:spPr>
         <p:txBody>
           <a:bodyPr vert="eaVert"/>
-          <a:lstStyle/>
+          <a:lstStyle>
+            <a:lvl1pPr marL="342900" indent="-342900">
+              <a:buClr>
+                <a:srgbClr val="E67D17"/>
+              </a:buClr>
+              <a:buFont typeface="Wingdings" panose="05000000000000000000" pitchFamily="2" charset="2"/>
+              <a:buChar char="§"/>
+              <a:defRPr/>
+            </a:lvl1pPr>
+            <a:lvl2pPr>
+              <a:buClr>
+                <a:srgbClr val="E67D17"/>
+              </a:buClr>
+              <a:defRPr/>
+            </a:lvl2pPr>
+            <a:lvl3pPr>
+              <a:buClr>
+                <a:srgbClr val="E67D17"/>
+              </a:buClr>
+              <a:defRPr/>
+            </a:lvl3pPr>
+            <a:lvl4pPr>
+              <a:buClr>
+                <a:srgbClr val="E67D17"/>
+              </a:buClr>
+              <a:defRPr/>
+            </a:lvl4pPr>
+            <a:lvl5pPr>
+              <a:buClr>
+                <a:srgbClr val="E67D17"/>
+              </a:buClr>
+              <a:defRPr/>
+            </a:lvl5pPr>
+          </a:lstStyle>
           <a:p>
             <a:pPr lvl="0"/>
             <a:r>
-              <a:rPr lang="pt-BR" smtClean="0"/>
+              <a:rPr lang="pt-BR" dirty="0" smtClean="0"/>
               <a:t>Clique para editar os estilos do texto mestre</a:t>
             </a:r>
           </a:p>
           <a:p>
             <a:pPr lvl="1"/>
             <a:r>
-              <a:rPr lang="pt-BR" smtClean="0"/>
+              <a:rPr lang="pt-BR" dirty="0" smtClean="0"/>
               <a:t>Segundo nível</a:t>
             </a:r>
           </a:p>
           <a:p>
             <a:pPr lvl="2"/>
             <a:r>
-              <a:rPr lang="pt-BR" smtClean="0"/>
+              <a:rPr lang="pt-BR" dirty="0" smtClean="0"/>
               <a:t>Terceiro nível</a:t>
             </a:r>
           </a:p>
           <a:p>
             <a:pPr lvl="3"/>
             <a:r>
-              <a:rPr lang="pt-BR" smtClean="0"/>
+              <a:rPr lang="pt-BR" dirty="0" smtClean="0"/>
               <a:t>Quarto nível</a:t>
             </a:r>
           </a:p>
           <a:p>
             <a:pPr lvl="4"/>
             <a:r>
-              <a:rPr lang="pt-BR" smtClean="0"/>
+              <a:rPr lang="pt-BR" dirty="0" smtClean="0"/>
               <a:t>Quinto nível</a:t>
             </a:r>
+            <a:endParaRPr lang="pt-BR" dirty="0"/>
+          </a:p>
+        </p:txBody>
+      </p:sp>
+      <p:sp>
+        <p:nvSpPr>
+          <p:cNvPr id="7" name="Retângulo 6"/>
+          <p:cNvSpPr/>
+          <p:nvPr userDrawn="1"/>
+        </p:nvSpPr>
+        <p:spPr>
+          <a:xfrm>
+            <a:off x="0" y="4803998"/>
+            <a:ext cx="9144000" cy="299518"/>
+          </a:xfrm>
+          <a:prstGeom prst="rect">
+            <a:avLst/>
+          </a:prstGeom>
+          <a:solidFill>
+            <a:srgbClr val="333333"/>
+          </a:solidFill>
+          <a:ln>
+            <a:noFill/>
+          </a:ln>
+        </p:spPr>
+        <p:style>
+          <a:lnRef idx="2">
+            <a:schemeClr val="accent1">
+              <a:shade val="50000"/>
+            </a:schemeClr>
+          </a:lnRef>
+          <a:fillRef idx="1">
+            <a:schemeClr val="accent1"/>
+          </a:fillRef>
+          <a:effectRef idx="0">
+            <a:schemeClr val="accent1"/>
+          </a:effectRef>
+          <a:fontRef idx="minor">
+            <a:schemeClr val="lt1"/>
+          </a:fontRef>
+        </p:style>
+        <p:txBody>
+          <a:bodyPr rtlCol="0" anchor="ctr"/>
+          <a:lstStyle/>
+          <a:p>
+            <a:pPr algn="ctr"/>
             <a:endParaRPr lang="pt-BR"/>
           </a:p>
         </p:txBody>
       </p:sp>
       <p:sp>
         <p:nvSpPr>
-          <p:cNvPr id="4" name="Espaço Reservado para Data 3"/>
+          <p:cNvPr id="8" name="Título 1"/>
           <p:cNvSpPr>
             <a:spLocks noGrp="1"/>
           </p:cNvSpPr>
           <p:nvPr>
-            <p:ph type="dt" sz="half" idx="10"/>
+            <p:ph type="title"/>
           </p:nvPr>
         </p:nvSpPr>
-        <p:spPr/>
-        <p:txBody>
-          <a:bodyPr/>
-          <a:lstStyle/>
-          <a:p>
-            <a:fld id="{2E700DB3-DBF0-4086-B675-117E7A9610B8}" type="datetimeFigureOut">
-              <a:rPr lang="pt-BR" smtClean="0"/>
-              <a:t>20/9/2006</a:t>
-            </a:fld>
+        <p:spPr>
+          <a:xfrm>
+            <a:off x="0" y="627534"/>
+            <a:ext cx="9144000" cy="411510"/>
+          </a:xfrm>
+          <a:prstGeom prst="rect">
+            <a:avLst/>
+          </a:prstGeom>
+          <a:gradFill flip="none" rotWithShape="1">
+            <a:gsLst>
+              <a:gs pos="100000">
+                <a:srgbClr val="E67D17"/>
+              </a:gs>
+              <a:gs pos="0">
+                <a:srgbClr val="333333"/>
+              </a:gs>
+            </a:gsLst>
+            <a:lin ang="10800000" scaled="1"/>
+            <a:tileRect/>
+          </a:gradFill>
+          <a:effectLst>
+            <a:outerShdw blurRad="50800" dist="38100" dir="5400000" algn="t" rotWithShape="0">
+              <a:prstClr val="black">
+                <a:alpha val="40000"/>
+              </a:prstClr>
+            </a:outerShdw>
+          </a:effectLst>
+        </p:spPr>
+        <p:txBody>
+          <a:bodyPr lIns="72000" tIns="0" rIns="0" bIns="0">
+            <a:noAutofit/>
+          </a:bodyPr>
+          <a:lstStyle>
+            <a:lvl1pPr marL="180000" algn="l">
+              <a:defRPr sz="2800">
+                <a:solidFill>
+                  <a:schemeClr val="bg1"/>
+                </a:solidFill>
+              </a:defRPr>
+            </a:lvl1pPr>
+          </a:lstStyle>
+          <a:p>
+            <a:r>
+              <a:rPr lang="pt-BR" dirty="0" smtClean="0"/>
+              <a:t>Clique para editar o estilo do título mestre</a:t>
+            </a:r>
+            <a:endParaRPr lang="pt-BR" dirty="0"/>
+          </a:p>
+        </p:txBody>
+      </p:sp>
+      <p:sp>
+        <p:nvSpPr>
+          <p:cNvPr id="9" name="Retângulo 8"/>
+          <p:cNvSpPr/>
+          <p:nvPr userDrawn="1"/>
+        </p:nvSpPr>
+        <p:spPr>
+          <a:xfrm>
+            <a:off x="0" y="0"/>
+            <a:ext cx="4572000" cy="627534"/>
+          </a:xfrm>
+          <a:prstGeom prst="rect">
+            <a:avLst/>
+          </a:prstGeom>
+          <a:solidFill>
+            <a:srgbClr val="333333"/>
+          </a:solidFill>
+          <a:ln>
+            <a:noFill/>
+          </a:ln>
+        </p:spPr>
+        <p:style>
+          <a:lnRef idx="2">
+            <a:schemeClr val="accent1">
+              <a:shade val="50000"/>
+            </a:schemeClr>
+          </a:lnRef>
+          <a:fillRef idx="1">
+            <a:schemeClr val="accent1"/>
+          </a:fillRef>
+          <a:effectRef idx="0">
+            <a:schemeClr val="accent1"/>
+          </a:effectRef>
+          <a:fontRef idx="minor">
+            <a:schemeClr val="lt1"/>
+          </a:fontRef>
+        </p:style>
+        <p:txBody>
+          <a:bodyPr rtlCol="0" anchor="ctr"/>
+          <a:lstStyle/>
+          <a:p>
+            <a:pPr algn="ctr"/>
             <a:endParaRPr lang="pt-BR"/>
           </a:p>
         </p:txBody>
       </p:sp>
       <p:sp>
         <p:nvSpPr>
-          <p:cNvPr id="5" name="Espaço Reservado para Rodapé 4"/>
-          <p:cNvSpPr>
-            <a:spLocks noGrp="1"/>
-          </p:cNvSpPr>
-          <p:nvPr>
-            <p:ph type="ftr" sz="quarter" idx="11"/>
-          </p:nvPr>
-        </p:nvSpPr>
-        <p:spPr/>
-        <p:txBody>
-          <a:bodyPr/>
-          <a:lstStyle/>
-          <a:p>
+          <p:cNvPr id="10" name="Retângulo 9"/>
+          <p:cNvSpPr/>
+          <p:nvPr userDrawn="1"/>
+        </p:nvSpPr>
+        <p:spPr>
+          <a:xfrm>
+            <a:off x="4572000" y="0"/>
+            <a:ext cx="4572000" cy="627534"/>
+          </a:xfrm>
+          <a:prstGeom prst="rect">
+            <a:avLst/>
+          </a:prstGeom>
+          <a:solidFill>
+            <a:srgbClr val="E67D17"/>
+          </a:solidFill>
+          <a:ln>
+            <a:noFill/>
+          </a:ln>
+        </p:spPr>
+        <p:style>
+          <a:lnRef idx="2">
+            <a:schemeClr val="accent1">
+              <a:shade val="50000"/>
+            </a:schemeClr>
+          </a:lnRef>
+          <a:fillRef idx="1">
+            <a:schemeClr val="accent1"/>
+          </a:fillRef>
+          <a:effectRef idx="0">
+            <a:schemeClr val="accent1"/>
+          </a:effectRef>
+          <a:fontRef idx="minor">
+            <a:schemeClr val="lt1"/>
+          </a:fontRef>
+        </p:style>
+        <p:txBody>
+          <a:bodyPr rtlCol="0" anchor="ctr"/>
+          <a:lstStyle/>
+          <a:p>
+            <a:pPr algn="ctr"/>
             <a:endParaRPr lang="pt-BR"/>
           </a:p>
         </p:txBody>
       </p:sp>
       <p:sp>
         <p:nvSpPr>
-          <p:cNvPr id="6" name="Espaço Reservado para Número de Slide 5"/>
-          <p:cNvSpPr>
-            <a:spLocks noGrp="1"/>
-          </p:cNvSpPr>
-          <p:nvPr>
-            <p:ph type="sldNum" sz="quarter" idx="12"/>
-          </p:nvPr>
-        </p:nvSpPr>
-        <p:spPr/>
-        <p:txBody>
-          <a:bodyPr/>
-          <a:lstStyle/>
-          <a:p>
-            <a:fld id="{2119D8CF-8DEC-4D9F-84EE-ADF04DFF3391}" type="slidenum">
-              <a:rPr lang="pt-BR" smtClean="0"/>
+          <p:cNvPr id="11" name="CaixaDeTexto 10"/>
+          <p:cNvSpPr txBox="1"/>
+          <p:nvPr userDrawn="1"/>
+        </p:nvSpPr>
+        <p:spPr>
+          <a:xfrm>
+            <a:off x="0" y="4806967"/>
+            <a:ext cx="2843808" cy="153888"/>
+          </a:xfrm>
+          <a:prstGeom prst="rect">
+            <a:avLst/>
+          </a:prstGeom>
+          <a:noFill/>
+        </p:spPr>
+        <p:txBody>
+          <a:bodyPr wrap="square" lIns="72000" tIns="0" rIns="0" bIns="0" rtlCol="0">
+            <a:spAutoFit/>
+          </a:bodyPr>
+          <a:lstStyle/>
+          <a:p>
+            <a:r>
+              <a:rPr lang="en-US" sz="1000" noProof="0" dirty="0" smtClean="0">
+                <a:solidFill>
+                  <a:schemeClr val="bg1"/>
+                </a:solidFill>
+              </a:rPr>
+              <a:t>Presentation Date</a:t>
+            </a:r>
+            <a:endParaRPr lang="en-US" sz="1000" noProof="0" dirty="0">
+              <a:solidFill>
+                <a:schemeClr val="bg1"/>
+              </a:solidFill>
+            </a:endParaRPr>
+          </a:p>
+        </p:txBody>
+      </p:sp>
+      <p:sp>
+        <p:nvSpPr>
+          <p:cNvPr id="12" name="CaixaDeTexto 11"/>
+          <p:cNvSpPr txBox="1"/>
+          <p:nvPr userDrawn="1"/>
+        </p:nvSpPr>
+        <p:spPr>
+          <a:xfrm>
+            <a:off x="0" y="4952898"/>
+            <a:ext cx="2843808" cy="153888"/>
+          </a:xfrm>
+          <a:prstGeom prst="rect">
+            <a:avLst/>
+          </a:prstGeom>
+          <a:noFill/>
+        </p:spPr>
+        <p:txBody>
+          <a:bodyPr wrap="square" lIns="72000" tIns="0" rIns="0" bIns="0" rtlCol="0">
+            <a:spAutoFit/>
+          </a:bodyPr>
+          <a:lstStyle/>
+          <a:p>
+            <a:r>
+              <a:rPr lang="en-US" sz="1000" noProof="0" dirty="0" smtClean="0">
+                <a:solidFill>
+                  <a:schemeClr val="bg1"/>
+                </a:solidFill>
+              </a:rPr>
+              <a:t>Author’s Name – Presentation Title</a:t>
+            </a:r>
+            <a:endParaRPr lang="en-US" sz="1000" noProof="0" dirty="0">
+              <a:solidFill>
+                <a:schemeClr val="bg1"/>
+              </a:solidFill>
+            </a:endParaRPr>
+          </a:p>
+        </p:txBody>
+      </p:sp>
+      <p:sp>
+        <p:nvSpPr>
+          <p:cNvPr id="13" name="CaixaDeTexto 12"/>
+          <p:cNvSpPr txBox="1"/>
+          <p:nvPr userDrawn="1"/>
+        </p:nvSpPr>
+        <p:spPr>
+          <a:xfrm>
+            <a:off x="6300192" y="4806967"/>
+            <a:ext cx="2843808" cy="153888"/>
+          </a:xfrm>
+          <a:prstGeom prst="rect">
+            <a:avLst/>
+          </a:prstGeom>
+          <a:noFill/>
+        </p:spPr>
+        <p:txBody>
+          <a:bodyPr wrap="square" lIns="0" tIns="0" rIns="72000" bIns="0" rtlCol="0">
+            <a:spAutoFit/>
+          </a:bodyPr>
+          <a:lstStyle/>
+          <a:p>
+            <a:pPr algn="r"/>
+            <a:fld id="{85F39ACD-A041-4DE4-BA50-0C1576C5C808}" type="slidenum">
+              <a:rPr lang="en-US" sz="1000" noProof="0" smtClean="0">
+                <a:solidFill>
+                  <a:schemeClr val="bg1"/>
+                </a:solidFill>
+              </a:rPr>
               <a:t>‹nº›</a:t>
             </a:fld>
-            <a:endParaRPr lang="pt-BR"/>
+            <a:endParaRPr lang="en-US" sz="1000" noProof="0" dirty="0">
+              <a:solidFill>
+                <a:schemeClr val="bg1"/>
+              </a:solidFill>
+            </a:endParaRPr>
+          </a:p>
+        </p:txBody>
+      </p:sp>
+      <p:sp>
+        <p:nvSpPr>
+          <p:cNvPr id="14" name="CaixaDeTexto 13"/>
+          <p:cNvSpPr txBox="1"/>
+          <p:nvPr userDrawn="1"/>
+        </p:nvSpPr>
+        <p:spPr>
+          <a:xfrm>
+            <a:off x="6300192" y="4952898"/>
+            <a:ext cx="2843808" cy="153888"/>
+          </a:xfrm>
+          <a:prstGeom prst="rect">
+            <a:avLst/>
+          </a:prstGeom>
+          <a:noFill/>
+        </p:spPr>
+        <p:txBody>
+          <a:bodyPr wrap="square" lIns="0" tIns="0" rIns="72000" bIns="0" rtlCol="0">
+            <a:spAutoFit/>
+          </a:bodyPr>
+          <a:lstStyle/>
+          <a:p>
+            <a:pPr algn="r"/>
+            <a:r>
+              <a:rPr lang="en-US" sz="1000" noProof="0" dirty="0" smtClean="0">
+                <a:solidFill>
+                  <a:schemeClr val="bg1"/>
+                </a:solidFill>
+              </a:rPr>
+              <a:t>LIDET (IME - USP)</a:t>
+            </a:r>
+            <a:endParaRPr lang="en-US" sz="1000" noProof="0" dirty="0">
+              <a:solidFill>
+                <a:schemeClr val="bg1"/>
+              </a:solidFill>
+            </a:endParaRPr>
           </a:p>
         </p:txBody>
       </p:sp>
@@ -535,19 +1465,30 @@
         </p:nvSpPr>
         <p:spPr>
           <a:xfrm>
-            <a:off x="6629400" y="274638"/>
-            <a:ext cx="2057400" cy="5851525"/>
-          </a:xfrm>
+            <a:off x="6629400" y="771549"/>
+            <a:ext cx="2057400" cy="3823073"/>
+          </a:xfrm>
+          <a:prstGeom prst="rect">
+            <a:avLst/>
+          </a:prstGeom>
         </p:spPr>
         <p:txBody>
           <a:bodyPr vert="eaVert"/>
-          <a:lstStyle/>
-          <a:p>
-            <a:r>
-              <a:rPr lang="pt-BR" smtClean="0"/>
+          <a:lstStyle>
+            <a:lvl1pPr>
+              <a:defRPr>
+                <a:solidFill>
+                  <a:srgbClr val="E67D17"/>
+                </a:solidFill>
+              </a:defRPr>
+            </a:lvl1pPr>
+          </a:lstStyle>
+          <a:p>
+            <a:r>
+              <a:rPr lang="pt-BR" dirty="0" smtClean="0"/>
               <a:t>Clique para editar o estilo do título mestre</a:t>
             </a:r>
-            <a:endParaRPr lang="pt-BR"/>
+            <a:endParaRPr lang="pt-BR" dirty="0"/>
           </a:p>
         </p:txBody>
       </p:sp>
@@ -563,43 +1504,84 @@
         </p:nvSpPr>
         <p:spPr>
           <a:xfrm>
-            <a:off x="457200" y="274638"/>
-            <a:ext cx="6019800" cy="5851525"/>
-          </a:xfrm>
+            <a:off x="457200" y="771549"/>
+            <a:ext cx="6019800" cy="3823073"/>
+          </a:xfrm>
+          <a:prstGeom prst="rect">
+            <a:avLst/>
+          </a:prstGeom>
         </p:spPr>
         <p:txBody>
           <a:bodyPr vert="eaVert"/>
-          <a:lstStyle/>
-          <a:p>
-            <a:pPr lvl="0"/>
+          <a:lstStyle>
+            <a:lvl1pPr>
+              <a:defRPr lang="pt-BR" smtClean="0"/>
+            </a:lvl1pPr>
+            <a:lvl2pPr>
+              <a:defRPr lang="pt-BR" smtClean="0"/>
+            </a:lvl2pPr>
+            <a:lvl3pPr>
+              <a:defRPr lang="pt-BR" smtClean="0"/>
+            </a:lvl3pPr>
+            <a:lvl4pPr>
+              <a:defRPr lang="pt-BR" smtClean="0"/>
+            </a:lvl4pPr>
+            <a:lvl5pPr>
+              <a:defRPr lang="pt-BR"/>
+            </a:lvl5pPr>
+          </a:lstStyle>
+          <a:p>
+            <a:pPr lvl="0">
+              <a:buClr>
+                <a:srgbClr val="E67D17"/>
+              </a:buClr>
+              <a:buFont typeface="Wingdings" panose="05000000000000000000" pitchFamily="2" charset="2"/>
+              <a:buChar char="§"/>
+            </a:pPr>
             <a:r>
               <a:rPr lang="pt-BR" smtClean="0"/>
               <a:t>Clique para editar os estilos do texto mestre</a:t>
             </a:r>
           </a:p>
           <a:p>
-            <a:pPr lvl="1"/>
+            <a:pPr lvl="1">
+              <a:buClr>
+                <a:srgbClr val="E67D17"/>
+              </a:buClr>
+            </a:pPr>
             <a:r>
               <a:rPr lang="pt-BR" smtClean="0"/>
               <a:t>Segundo nível</a:t>
             </a:r>
           </a:p>
           <a:p>
-            <a:pPr lvl="2"/>
+            <a:pPr lvl="2">
+              <a:buClr>
+                <a:srgbClr val="E67D17"/>
+              </a:buClr>
+            </a:pPr>
             <a:r>
               <a:rPr lang="pt-BR" smtClean="0"/>
               <a:t>Terceiro nível</a:t>
             </a:r>
           </a:p>
           <a:p>
-            <a:pPr lvl="3"/>
+            <a:pPr lvl="3">
+              <a:buClr>
+                <a:srgbClr val="E67D17"/>
+              </a:buClr>
+            </a:pPr>
             <a:r>
               <a:rPr lang="pt-BR" smtClean="0"/>
               <a:t>Quarto nível</a:t>
             </a:r>
           </a:p>
           <a:p>
-            <a:pPr lvl="4"/>
+            <a:pPr lvl="4">
+              <a:buClr>
+                <a:srgbClr val="E67D17"/>
+              </a:buClr>
+            </a:pPr>
             <a:r>
               <a:rPr lang="pt-BR" smtClean="0"/>
               <a:t>Quinto nível</a:t>
@@ -610,66 +1592,293 @@
       </p:sp>
       <p:sp>
         <p:nvSpPr>
-          <p:cNvPr id="4" name="Espaço Reservado para Data 3"/>
-          <p:cNvSpPr>
-            <a:spLocks noGrp="1"/>
-          </p:cNvSpPr>
-          <p:nvPr>
-            <p:ph type="dt" sz="half" idx="10"/>
-          </p:nvPr>
-        </p:nvSpPr>
-        <p:spPr/>
-        <p:txBody>
-          <a:bodyPr/>
-          <a:lstStyle/>
-          <a:p>
-            <a:fld id="{2E700DB3-DBF0-4086-B675-117E7A9610B8}" type="datetimeFigureOut">
-              <a:rPr lang="pt-BR" smtClean="0"/>
-              <a:t>20/9/2006</a:t>
-            </a:fld>
+          <p:cNvPr id="7" name="Retângulo 6"/>
+          <p:cNvSpPr/>
+          <p:nvPr userDrawn="1"/>
+        </p:nvSpPr>
+        <p:spPr>
+          <a:xfrm>
+            <a:off x="0" y="4803998"/>
+            <a:ext cx="9144000" cy="299518"/>
+          </a:xfrm>
+          <a:prstGeom prst="rect">
+            <a:avLst/>
+          </a:prstGeom>
+          <a:solidFill>
+            <a:srgbClr val="333333"/>
+          </a:solidFill>
+          <a:ln>
+            <a:noFill/>
+          </a:ln>
+        </p:spPr>
+        <p:style>
+          <a:lnRef idx="2">
+            <a:schemeClr val="accent1">
+              <a:shade val="50000"/>
+            </a:schemeClr>
+          </a:lnRef>
+          <a:fillRef idx="1">
+            <a:schemeClr val="accent1"/>
+          </a:fillRef>
+          <a:effectRef idx="0">
+            <a:schemeClr val="accent1"/>
+          </a:effectRef>
+          <a:fontRef idx="minor">
+            <a:schemeClr val="lt1"/>
+          </a:fontRef>
+        </p:style>
+        <p:txBody>
+          <a:bodyPr rtlCol="0" anchor="ctr"/>
+          <a:lstStyle/>
+          <a:p>
+            <a:pPr algn="ctr"/>
             <a:endParaRPr lang="pt-BR"/>
           </a:p>
         </p:txBody>
       </p:sp>
       <p:sp>
         <p:nvSpPr>
-          <p:cNvPr id="5" name="Espaço Reservado para Rodapé 4"/>
-          <p:cNvSpPr>
-            <a:spLocks noGrp="1"/>
-          </p:cNvSpPr>
-          <p:nvPr>
-            <p:ph type="ftr" sz="quarter" idx="11"/>
-          </p:nvPr>
-        </p:nvSpPr>
-        <p:spPr/>
-        <p:txBody>
-          <a:bodyPr/>
-          <a:lstStyle/>
-          <a:p>
+          <p:cNvPr id="8" name="Retângulo 7"/>
+          <p:cNvSpPr/>
+          <p:nvPr userDrawn="1"/>
+        </p:nvSpPr>
+        <p:spPr>
+          <a:xfrm>
+            <a:off x="0" y="0"/>
+            <a:ext cx="4572000" cy="627534"/>
+          </a:xfrm>
+          <a:prstGeom prst="rect">
+            <a:avLst/>
+          </a:prstGeom>
+          <a:solidFill>
+            <a:srgbClr val="333333"/>
+          </a:solidFill>
+          <a:ln>
+            <a:noFill/>
+          </a:ln>
+        </p:spPr>
+        <p:style>
+          <a:lnRef idx="2">
+            <a:schemeClr val="accent1">
+              <a:shade val="50000"/>
+            </a:schemeClr>
+          </a:lnRef>
+          <a:fillRef idx="1">
+            <a:schemeClr val="accent1"/>
+          </a:fillRef>
+          <a:effectRef idx="0">
+            <a:schemeClr val="accent1"/>
+          </a:effectRef>
+          <a:fontRef idx="minor">
+            <a:schemeClr val="lt1"/>
+          </a:fontRef>
+        </p:style>
+        <p:txBody>
+          <a:bodyPr rtlCol="0" anchor="ctr"/>
+          <a:lstStyle/>
+          <a:p>
+            <a:pPr algn="ctr"/>
             <a:endParaRPr lang="pt-BR"/>
           </a:p>
         </p:txBody>
       </p:sp>
       <p:sp>
         <p:nvSpPr>
-          <p:cNvPr id="6" name="Espaço Reservado para Número de Slide 5"/>
-          <p:cNvSpPr>
-            <a:spLocks noGrp="1"/>
-          </p:cNvSpPr>
-          <p:nvPr>
-            <p:ph type="sldNum" sz="quarter" idx="12"/>
-          </p:nvPr>
-        </p:nvSpPr>
-        <p:spPr/>
-        <p:txBody>
-          <a:bodyPr/>
-          <a:lstStyle/>
-          <a:p>
-            <a:fld id="{2119D8CF-8DEC-4D9F-84EE-ADF04DFF3391}" type="slidenum">
-              <a:rPr lang="pt-BR" smtClean="0"/>
+          <p:cNvPr id="9" name="Retângulo 8"/>
+          <p:cNvSpPr/>
+          <p:nvPr userDrawn="1"/>
+        </p:nvSpPr>
+        <p:spPr>
+          <a:xfrm>
+            <a:off x="4572000" y="0"/>
+            <a:ext cx="4572000" cy="627534"/>
+          </a:xfrm>
+          <a:prstGeom prst="rect">
+            <a:avLst/>
+          </a:prstGeom>
+          <a:solidFill>
+            <a:srgbClr val="E67D17"/>
+          </a:solidFill>
+          <a:ln>
+            <a:noFill/>
+          </a:ln>
+        </p:spPr>
+        <p:style>
+          <a:lnRef idx="2">
+            <a:schemeClr val="accent1">
+              <a:shade val="50000"/>
+            </a:schemeClr>
+          </a:lnRef>
+          <a:fillRef idx="1">
+            <a:schemeClr val="accent1"/>
+          </a:fillRef>
+          <a:effectRef idx="0">
+            <a:schemeClr val="accent1"/>
+          </a:effectRef>
+          <a:fontRef idx="minor">
+            <a:schemeClr val="lt1"/>
+          </a:fontRef>
+        </p:style>
+        <p:txBody>
+          <a:bodyPr rtlCol="0" anchor="ctr"/>
+          <a:lstStyle/>
+          <a:p>
+            <a:pPr algn="ctr"/>
+            <a:endParaRPr lang="pt-BR"/>
+          </a:p>
+        </p:txBody>
+      </p:sp>
+      <p:sp>
+        <p:nvSpPr>
+          <p:cNvPr id="10" name="CaixaDeTexto 9"/>
+          <p:cNvSpPr txBox="1"/>
+          <p:nvPr userDrawn="1"/>
+        </p:nvSpPr>
+        <p:spPr>
+          <a:xfrm>
+            <a:off x="0" y="4806967"/>
+            <a:ext cx="2843808" cy="153888"/>
+          </a:xfrm>
+          <a:prstGeom prst="rect">
+            <a:avLst/>
+          </a:prstGeom>
+          <a:noFill/>
+        </p:spPr>
+        <p:txBody>
+          <a:bodyPr wrap="square" lIns="72000" tIns="0" rIns="0" bIns="0" rtlCol="0">
+            <a:spAutoFit/>
+          </a:bodyPr>
+          <a:lstStyle/>
+          <a:p>
+            <a:r>
+              <a:rPr lang="en-US" sz="1000" noProof="0" dirty="0" smtClean="0">
+                <a:solidFill>
+                  <a:schemeClr val="bg1"/>
+                </a:solidFill>
+              </a:rPr>
+              <a:t>Presentation Date</a:t>
+            </a:r>
+            <a:endParaRPr lang="en-US" sz="1000" noProof="0" dirty="0">
+              <a:solidFill>
+                <a:schemeClr val="bg1"/>
+              </a:solidFill>
+            </a:endParaRPr>
+          </a:p>
+        </p:txBody>
+      </p:sp>
+      <p:sp>
+        <p:nvSpPr>
+          <p:cNvPr id="11" name="CaixaDeTexto 10"/>
+          <p:cNvSpPr txBox="1"/>
+          <p:nvPr userDrawn="1"/>
+        </p:nvSpPr>
+        <p:spPr>
+          <a:xfrm>
+            <a:off x="0" y="4952898"/>
+            <a:ext cx="2843808" cy="153888"/>
+          </a:xfrm>
+          <a:prstGeom prst="rect">
+            <a:avLst/>
+          </a:prstGeom>
+          <a:noFill/>
+        </p:spPr>
+        <p:txBody>
+          <a:bodyPr wrap="square" lIns="72000" tIns="0" rIns="0" bIns="0" rtlCol="0">
+            <a:spAutoFit/>
+          </a:bodyPr>
+          <a:lstStyle/>
+          <a:p>
+            <a:r>
+              <a:rPr lang="en-US" sz="1000" noProof="0" dirty="0" smtClean="0">
+                <a:solidFill>
+                  <a:schemeClr val="bg1"/>
+                </a:solidFill>
+              </a:rPr>
+              <a:t>Author’s Name – Presentation Title</a:t>
+            </a:r>
+            <a:endParaRPr lang="en-US" sz="1000" noProof="0" dirty="0">
+              <a:solidFill>
+                <a:schemeClr val="bg1"/>
+              </a:solidFill>
+            </a:endParaRPr>
+          </a:p>
+        </p:txBody>
+      </p:sp>
+      <p:sp>
+        <p:nvSpPr>
+          <p:cNvPr id="12" name="CaixaDeTexto 11"/>
+          <p:cNvSpPr txBox="1"/>
+          <p:nvPr userDrawn="1"/>
+        </p:nvSpPr>
+        <p:spPr>
+          <a:xfrm>
+            <a:off x="6300192" y="4806967"/>
+            <a:ext cx="2843808" cy="153888"/>
+          </a:xfrm>
+          <a:prstGeom prst="rect">
+            <a:avLst/>
+          </a:prstGeom>
+          <a:noFill/>
+        </p:spPr>
+        <p:txBody>
+          <a:bodyPr wrap="square" lIns="0" tIns="0" rIns="72000" bIns="0" rtlCol="0">
+            <a:spAutoFit/>
+          </a:bodyPr>
+          <a:lstStyle/>
+          <a:p>
+            <a:pPr algn="r"/>
+            <a:fld id="{85F39ACD-A041-4DE4-BA50-0C1576C5C808}" type="slidenum">
+              <a:rPr lang="en-US" sz="1000" noProof="0" smtClean="0">
+                <a:solidFill>
+                  <a:schemeClr val="bg1"/>
+                </a:solidFill>
+              </a:rPr>
               <a:t>‹nº›</a:t>
             </a:fld>
-            <a:endParaRPr lang="pt-BR"/>
+            <a:endParaRPr lang="en-US" sz="1000" noProof="0" dirty="0">
+              <a:solidFill>
+                <a:schemeClr val="bg1"/>
+              </a:solidFill>
+            </a:endParaRPr>
+          </a:p>
+        </p:txBody>
+      </p:sp>
+      <p:sp>
+        <p:nvSpPr>
+          <p:cNvPr id="13" name="CaixaDeTexto 12"/>
+          <p:cNvSpPr txBox="1"/>
+          <p:nvPr userDrawn="1"/>
+        </p:nvSpPr>
+        <p:spPr>
+          <a:xfrm>
+            <a:off x="6300192" y="4952898"/>
+            <a:ext cx="2843808" cy="153888"/>
+          </a:xfrm>
+          <a:prstGeom prst="rect">
+            <a:avLst/>
+          </a:prstGeom>
+          <a:noFill/>
+        </p:spPr>
+        <p:txBody>
+          <a:bodyPr wrap="square" lIns="0" tIns="0" rIns="72000" bIns="0" rtlCol="0">
+            <a:spAutoFit/>
+          </a:bodyPr>
+          <a:lstStyle/>
+          <a:p>
+            <a:pPr algn="r"/>
+            <a:r>
+              <a:rPr lang="en-US" sz="1000" noProof="0" dirty="0" smtClean="0">
+                <a:solidFill>
+                  <a:schemeClr val="bg1"/>
+                </a:solidFill>
+              </a:rPr>
+              <a:t>LIDET (IME - USP)</a:t>
+            </a:r>
+            <a:endParaRPr lang="en-US" sz="1000" noProof="0" dirty="0">
+              <a:solidFill>
+                <a:schemeClr val="bg1"/>
+              </a:solidFill>
+            </a:endParaRPr>
           </a:p>
         </p:txBody>
       </p:sp>
@@ -700,6 +1909,52 @@
       </p:grpSpPr>
       <p:sp>
         <p:nvSpPr>
+          <p:cNvPr id="9" name="Retângulo 8"/>
+          <p:cNvSpPr/>
+          <p:nvPr userDrawn="1"/>
+        </p:nvSpPr>
+        <p:spPr>
+          <a:xfrm>
+            <a:off x="0" y="4803998"/>
+            <a:ext cx="9144000" cy="299518"/>
+          </a:xfrm>
+          <a:prstGeom prst="rect">
+            <a:avLst/>
+          </a:prstGeom>
+          <a:solidFill>
+            <a:srgbClr val="333333"/>
+          </a:solidFill>
+          <a:ln>
+            <a:noFill/>
+          </a:ln>
+        </p:spPr>
+        <p:style>
+          <a:lnRef idx="2">
+            <a:schemeClr val="accent1">
+              <a:shade val="50000"/>
+            </a:schemeClr>
+          </a:lnRef>
+          <a:fillRef idx="1">
+            <a:schemeClr val="accent1"/>
+          </a:fillRef>
+          <a:effectRef idx="0">
+            <a:schemeClr val="accent1"/>
+          </a:effectRef>
+          <a:fontRef idx="minor">
+            <a:schemeClr val="lt1"/>
+          </a:fontRef>
+        </p:style>
+        <p:txBody>
+          <a:bodyPr rtlCol="0" anchor="ctr"/>
+          <a:lstStyle/>
+          <a:p>
+            <a:pPr algn="ctr"/>
+            <a:endParaRPr lang="pt-BR"/>
+          </a:p>
+        </p:txBody>
+      </p:sp>
+      <p:sp>
+        <p:nvSpPr>
           <p:cNvPr id="2" name="Título 1"/>
           <p:cNvSpPr>
             <a:spLocks noGrp="1"/>
@@ -708,16 +1963,53 @@
             <p:ph type="title"/>
           </p:nvPr>
         </p:nvSpPr>
-        <p:spPr/>
-        <p:txBody>
-          <a:bodyPr/>
-          <a:lstStyle/>
-          <a:p>
-            <a:r>
-              <a:rPr lang="pt-BR" smtClean="0"/>
+        <p:spPr>
+          <a:xfrm>
+            <a:off x="0" y="627534"/>
+            <a:ext cx="9144000" cy="411510"/>
+          </a:xfrm>
+          <a:prstGeom prst="rect">
+            <a:avLst/>
+          </a:prstGeom>
+          <a:gradFill flip="none" rotWithShape="1">
+            <a:gsLst>
+              <a:gs pos="100000">
+                <a:srgbClr val="E67D17"/>
+              </a:gs>
+              <a:gs pos="0">
+                <a:srgbClr val="333333"/>
+              </a:gs>
+            </a:gsLst>
+            <a:lin ang="10800000" scaled="1"/>
+            <a:tileRect/>
+          </a:gradFill>
+          <a:effectLst>
+            <a:outerShdw blurRad="50800" dist="38100" dir="5400000" algn="t" rotWithShape="0">
+              <a:prstClr val="black">
+                <a:alpha val="40000"/>
+              </a:prstClr>
+            </a:outerShdw>
+          </a:effectLst>
+        </p:spPr>
+        <p:txBody>
+          <a:bodyPr lIns="72000" tIns="0" rIns="0" bIns="0">
+            <a:noAutofit/>
+          </a:bodyPr>
+          <a:lstStyle>
+            <a:lvl1pPr marL="180000" algn="l">
+              <a:defRPr sz="2800">
+                <a:solidFill>
+                  <a:schemeClr val="bg1"/>
+                </a:solidFill>
+              </a:defRPr>
+            </a:lvl1pPr>
+          </a:lstStyle>
+          <a:p>
+            <a:r>
+              <a:rPr lang="pt-BR" dirty="0" smtClean="0"/>
               <a:t>Clique para editar o estilo do título mestre</a:t>
             </a:r>
-            <a:endParaRPr lang="pt-BR"/>
+            <a:endParaRPr lang="pt-BR" dirty="0"/>
           </a:p>
         </p:txBody>
       </p:sp>
@@ -731,110 +2023,332 @@
             <p:ph idx="1"/>
           </p:nvPr>
         </p:nvSpPr>
-        <p:spPr/>
+        <p:spPr>
+          <a:xfrm>
+            <a:off x="457200" y="1200151"/>
+            <a:ext cx="8229600" cy="3394472"/>
+          </a:xfrm>
+          <a:prstGeom prst="rect">
+            <a:avLst/>
+          </a:prstGeom>
+        </p:spPr>
         <p:txBody>
           <a:bodyPr/>
-          <a:lstStyle/>
+          <a:lstStyle>
+            <a:lvl1pPr marL="342900" indent="-342900">
+              <a:buClr>
+                <a:srgbClr val="E67D17"/>
+              </a:buClr>
+              <a:buFont typeface="Wingdings" panose="05000000000000000000" pitchFamily="2" charset="2"/>
+              <a:buChar char="§"/>
+              <a:defRPr/>
+            </a:lvl1pPr>
+            <a:lvl2pPr>
+              <a:buClr>
+                <a:srgbClr val="E67D17"/>
+              </a:buClr>
+              <a:defRPr/>
+            </a:lvl2pPr>
+            <a:lvl3pPr>
+              <a:buClr>
+                <a:srgbClr val="E67D17"/>
+              </a:buClr>
+              <a:defRPr/>
+            </a:lvl3pPr>
+            <a:lvl4pPr>
+              <a:buClr>
+                <a:srgbClr val="E67D17"/>
+              </a:buClr>
+              <a:defRPr/>
+            </a:lvl4pPr>
+            <a:lvl5pPr>
+              <a:buClr>
+                <a:srgbClr val="E67D17"/>
+              </a:buClr>
+              <a:defRPr/>
+            </a:lvl5pPr>
+          </a:lstStyle>
           <a:p>
             <a:pPr lvl="0"/>
             <a:r>
-              <a:rPr lang="pt-BR" smtClean="0"/>
+              <a:rPr lang="pt-BR" dirty="0" smtClean="0"/>
               <a:t>Clique para editar os estilos do texto mestre</a:t>
             </a:r>
           </a:p>
           <a:p>
             <a:pPr lvl="1"/>
             <a:r>
-              <a:rPr lang="pt-BR" smtClean="0"/>
+              <a:rPr lang="pt-BR" dirty="0" smtClean="0"/>
               <a:t>Segundo nível</a:t>
             </a:r>
           </a:p>
           <a:p>
             <a:pPr lvl="2"/>
             <a:r>
-              <a:rPr lang="pt-BR" smtClean="0"/>
+              <a:rPr lang="pt-BR" dirty="0" smtClean="0"/>
               <a:t>Terceiro nível</a:t>
             </a:r>
           </a:p>
           <a:p>
             <a:pPr lvl="3"/>
             <a:r>
-              <a:rPr lang="pt-BR" smtClean="0"/>
+              <a:rPr lang="pt-BR" dirty="0" smtClean="0"/>
               <a:t>Quarto nível</a:t>
             </a:r>
           </a:p>
           <a:p>
             <a:pPr lvl="4"/>
             <a:r>
-              <a:rPr lang="pt-BR" smtClean="0"/>
+              <a:rPr lang="pt-BR" dirty="0" smtClean="0"/>
               <a:t>Quinto nível</a:t>
             </a:r>
+            <a:endParaRPr lang="pt-BR" dirty="0"/>
+          </a:p>
+        </p:txBody>
+      </p:sp>
+      <p:sp>
+        <p:nvSpPr>
+          <p:cNvPr id="7" name="Retângulo 6"/>
+          <p:cNvSpPr/>
+          <p:nvPr userDrawn="1"/>
+        </p:nvSpPr>
+        <p:spPr>
+          <a:xfrm>
+            <a:off x="0" y="0"/>
+            <a:ext cx="4572000" cy="627534"/>
+          </a:xfrm>
+          <a:prstGeom prst="rect">
+            <a:avLst/>
+          </a:prstGeom>
+          <a:solidFill>
+            <a:srgbClr val="333333"/>
+          </a:solidFill>
+          <a:ln>
+            <a:noFill/>
+          </a:ln>
+        </p:spPr>
+        <p:style>
+          <a:lnRef idx="2">
+            <a:schemeClr val="accent1">
+              <a:shade val="50000"/>
+            </a:schemeClr>
+          </a:lnRef>
+          <a:fillRef idx="1">
+            <a:schemeClr val="accent1"/>
+          </a:fillRef>
+          <a:effectRef idx="0">
+            <a:schemeClr val="accent1"/>
+          </a:effectRef>
+          <a:fontRef idx="minor">
+            <a:schemeClr val="lt1"/>
+          </a:fontRef>
+        </p:style>
+        <p:txBody>
+          <a:bodyPr rtlCol="0" anchor="ctr"/>
+          <a:lstStyle/>
+          <a:p>
+            <a:pPr algn="ctr"/>
             <a:endParaRPr lang="pt-BR"/>
           </a:p>
         </p:txBody>
       </p:sp>
       <p:sp>
         <p:nvSpPr>
-          <p:cNvPr id="4" name="Espaço Reservado para Data 3"/>
-          <p:cNvSpPr>
-            <a:spLocks noGrp="1"/>
-          </p:cNvSpPr>
-          <p:nvPr>
-            <p:ph type="dt" sz="half" idx="10"/>
-          </p:nvPr>
-        </p:nvSpPr>
-        <p:spPr/>
-        <p:txBody>
-          <a:bodyPr/>
-          <a:lstStyle/>
-          <a:p>
-            <a:fld id="{2E700DB3-DBF0-4086-B675-117E7A9610B8}" type="datetimeFigureOut">
-              <a:rPr lang="pt-BR" smtClean="0"/>
-              <a:t>20/9/2006</a:t>
-            </a:fld>
+          <p:cNvPr id="8" name="Retângulo 7"/>
+          <p:cNvSpPr/>
+          <p:nvPr userDrawn="1"/>
+        </p:nvSpPr>
+        <p:spPr>
+          <a:xfrm>
+            <a:off x="4572000" y="0"/>
+            <a:ext cx="4572000" cy="627534"/>
+          </a:xfrm>
+          <a:prstGeom prst="rect">
+            <a:avLst/>
+          </a:prstGeom>
+          <a:solidFill>
+            <a:srgbClr val="E67D17"/>
+          </a:solidFill>
+          <a:ln>
+            <a:noFill/>
+          </a:ln>
+        </p:spPr>
+        <p:style>
+          <a:lnRef idx="2">
+            <a:schemeClr val="accent1">
+              <a:shade val="50000"/>
+            </a:schemeClr>
+          </a:lnRef>
+          <a:fillRef idx="1">
+            <a:schemeClr val="accent1"/>
+          </a:fillRef>
+          <a:effectRef idx="0">
+            <a:schemeClr val="accent1"/>
+          </a:effectRef>
+          <a:fontRef idx="minor">
+            <a:schemeClr val="lt1"/>
+          </a:fontRef>
+        </p:style>
+        <p:txBody>
+          <a:bodyPr rtlCol="0" anchor="ctr"/>
+          <a:lstStyle/>
+          <a:p>
+            <a:pPr algn="ctr"/>
             <a:endParaRPr lang="pt-BR"/>
           </a:p>
         </p:txBody>
       </p:sp>
       <p:sp>
         <p:nvSpPr>
-          <p:cNvPr id="5" name="Espaço Reservado para Rodapé 4"/>
-          <p:cNvSpPr>
-            <a:spLocks noGrp="1"/>
-          </p:cNvSpPr>
-          <p:nvPr>
-            <p:ph type="ftr" sz="quarter" idx="11"/>
-          </p:nvPr>
-        </p:nvSpPr>
-        <p:spPr/>
-        <p:txBody>
-          <a:bodyPr/>
-          <a:lstStyle/>
-          <a:p>
-            <a:endParaRPr lang="pt-BR"/>
-          </a:p>
-        </p:txBody>
-      </p:sp>
-      <p:sp>
-        <p:nvSpPr>
-          <p:cNvPr id="6" name="Espaço Reservado para Número de Slide 5"/>
-          <p:cNvSpPr>
-            <a:spLocks noGrp="1"/>
-          </p:cNvSpPr>
-          <p:nvPr>
-            <p:ph type="sldNum" sz="quarter" idx="12"/>
-          </p:nvPr>
-        </p:nvSpPr>
-        <p:spPr/>
-        <p:txBody>
-          <a:bodyPr/>
-          <a:lstStyle/>
-          <a:p>
-            <a:fld id="{2119D8CF-8DEC-4D9F-84EE-ADF04DFF3391}" type="slidenum">
-              <a:rPr lang="pt-BR" smtClean="0"/>
+          <p:cNvPr id="10" name="CaixaDeTexto 9"/>
+          <p:cNvSpPr txBox="1"/>
+          <p:nvPr userDrawn="1"/>
+        </p:nvSpPr>
+        <p:spPr>
+          <a:xfrm>
+            <a:off x="0" y="4806967"/>
+            <a:ext cx="2843808" cy="153888"/>
+          </a:xfrm>
+          <a:prstGeom prst="rect">
+            <a:avLst/>
+          </a:prstGeom>
+          <a:noFill/>
+        </p:spPr>
+        <p:txBody>
+          <a:bodyPr wrap="square" lIns="72000" tIns="0" rIns="0" bIns="0" rtlCol="0">
+            <a:spAutoFit/>
+          </a:bodyPr>
+          <a:lstStyle/>
+          <a:p>
+            <a:r>
+              <a:rPr lang="en-US" sz="1000" noProof="0" dirty="0" smtClean="0">
+                <a:solidFill>
+                  <a:schemeClr val="bg1"/>
+                </a:solidFill>
+              </a:rPr>
+              <a:t>Presentation Date</a:t>
+            </a:r>
+            <a:endParaRPr lang="en-US" sz="1000" noProof="0" dirty="0">
+              <a:solidFill>
+                <a:schemeClr val="bg1"/>
+              </a:solidFill>
+            </a:endParaRPr>
+          </a:p>
+        </p:txBody>
+      </p:sp>
+      <p:sp>
+        <p:nvSpPr>
+          <p:cNvPr id="11" name="CaixaDeTexto 10"/>
+          <p:cNvSpPr txBox="1"/>
+          <p:nvPr userDrawn="1"/>
+        </p:nvSpPr>
+        <p:spPr>
+          <a:xfrm>
+            <a:off x="0" y="4952898"/>
+            <a:ext cx="2843808" cy="153888"/>
+          </a:xfrm>
+          <a:prstGeom prst="rect">
+            <a:avLst/>
+          </a:prstGeom>
+          <a:noFill/>
+        </p:spPr>
+        <p:txBody>
+          <a:bodyPr wrap="square" lIns="72000" tIns="0" rIns="0" bIns="0" rtlCol="0">
+            <a:spAutoFit/>
+          </a:bodyPr>
+          <a:lstStyle/>
+          <a:p>
+            <a:r>
+              <a:rPr lang="en-US" sz="1000" noProof="0" dirty="0" smtClean="0">
+                <a:solidFill>
+                  <a:schemeClr val="bg1"/>
+                </a:solidFill>
+              </a:rPr>
+              <a:t>Author’s Name – Presentation Title</a:t>
+            </a:r>
+            <a:endParaRPr lang="en-US" sz="1000" noProof="0" dirty="0">
+              <a:solidFill>
+                <a:schemeClr val="bg1"/>
+              </a:solidFill>
+            </a:endParaRPr>
+          </a:p>
+        </p:txBody>
+      </p:sp>
+      <p:sp>
+        <p:nvSpPr>
+          <p:cNvPr id="14" name="CaixaDeTexto 13"/>
+          <p:cNvSpPr txBox="1"/>
+          <p:nvPr userDrawn="1"/>
+        </p:nvSpPr>
+        <p:spPr>
+          <a:xfrm>
+            <a:off x="6300192" y="4806967"/>
+            <a:ext cx="2843808" cy="153888"/>
+          </a:xfrm>
+          <a:prstGeom prst="rect">
+            <a:avLst/>
+          </a:prstGeom>
+          <a:noFill/>
+        </p:spPr>
+        <p:txBody>
+          <a:bodyPr wrap="square" lIns="0" tIns="0" rIns="72000" bIns="0" rtlCol="0">
+            <a:spAutoFit/>
+          </a:bodyPr>
+          <a:lstStyle/>
+          <a:p>
+            <a:pPr algn="r"/>
+            <a:fld id="{85F39ACD-A041-4DE4-BA50-0C1576C5C808}" type="slidenum">
+              <a:rPr lang="en-US" sz="1000" noProof="0" smtClean="0">
+                <a:solidFill>
+                  <a:schemeClr val="bg1"/>
+                </a:solidFill>
+              </a:rPr>
               <a:t>‹nº›</a:t>
             </a:fld>
-            <a:endParaRPr lang="pt-BR"/>
+            <a:endParaRPr lang="en-US" sz="1000" noProof="0" dirty="0">
+              <a:solidFill>
+                <a:schemeClr val="bg1"/>
+              </a:solidFill>
+            </a:endParaRPr>
+          </a:p>
+        </p:txBody>
+      </p:sp>
+      <p:sp>
+        <p:nvSpPr>
+          <p:cNvPr id="15" name="CaixaDeTexto 14"/>
+          <p:cNvSpPr txBox="1"/>
+          <p:nvPr userDrawn="1"/>
+        </p:nvSpPr>
+        <p:spPr>
+          <a:xfrm>
+            <a:off x="6300192" y="4952898"/>
+            <a:ext cx="2843808" cy="153888"/>
+          </a:xfrm>
+          <a:prstGeom prst="rect">
+            <a:avLst/>
+          </a:prstGeom>
+          <a:noFill/>
+        </p:spPr>
+        <p:txBody>
+          <a:bodyPr wrap="square" lIns="0" tIns="0" rIns="72000" bIns="0" rtlCol="0">
+            <a:spAutoFit/>
+          </a:bodyPr>
+          <a:lstStyle/>
+          <a:p>
+            <a:pPr algn="r"/>
+            <a:r>
+              <a:rPr lang="en-US" sz="1000" noProof="0" dirty="0" smtClean="0">
+                <a:solidFill>
+                  <a:schemeClr val="bg1"/>
+                </a:solidFill>
+              </a:rPr>
+              <a:t>LIDET (IME - USP)</a:t>
+            </a:r>
+            <a:endParaRPr lang="en-US" sz="1000" noProof="0" dirty="0">
+              <a:solidFill>
+                <a:schemeClr val="bg1"/>
+              </a:solidFill>
+            </a:endParaRPr>
           </a:p>
         </p:txBody>
       </p:sp>
@@ -847,7 +2361,7 @@
 </file>
 
 <file path=ppt/slideLayouts/slideLayout3.xml><?xml version="1.0" encoding="utf-8"?>
-<p:sldLayout xmlns:a="http://schemas.openxmlformats.org/drawingml/2006/main" xmlns:r="http://schemas.openxmlformats.org/officeDocument/2006/relationships" xmlns:p="http://schemas.openxmlformats.org/presentationml/2006/main" type="secHead" preserve="1">
+<p:sldLayout xmlns:a="http://schemas.openxmlformats.org/drawingml/2006/main" xmlns:r="http://schemas.openxmlformats.org/officeDocument/2006/relationships" xmlns:p="http://schemas.openxmlformats.org/presentationml/2006/main" preserve="1" userDrawn="1">
   <p:cSld name="Cabeçalho da Seção">
     <p:spTree>
       <p:nvGrpSpPr>
@@ -865,217 +2379,233 @@
       </p:grpSpPr>
       <p:sp>
         <p:nvSpPr>
-          <p:cNvPr id="2" name="Título 1"/>
+          <p:cNvPr id="7" name="Retângulo 6"/>
+          <p:cNvSpPr/>
+          <p:nvPr userDrawn="1"/>
+        </p:nvSpPr>
+        <p:spPr>
+          <a:xfrm>
+            <a:off x="0" y="0"/>
+            <a:ext cx="4572000" cy="627534"/>
+          </a:xfrm>
+          <a:prstGeom prst="rect">
+            <a:avLst/>
+          </a:prstGeom>
+          <a:solidFill>
+            <a:srgbClr val="333333"/>
+          </a:solidFill>
+          <a:ln>
+            <a:noFill/>
+          </a:ln>
+        </p:spPr>
+        <p:style>
+          <a:lnRef idx="2">
+            <a:schemeClr val="accent1">
+              <a:shade val="50000"/>
+            </a:schemeClr>
+          </a:lnRef>
+          <a:fillRef idx="1">
+            <a:schemeClr val="accent1"/>
+          </a:fillRef>
+          <a:effectRef idx="0">
+            <a:schemeClr val="accent1"/>
+          </a:effectRef>
+          <a:fontRef idx="minor">
+            <a:schemeClr val="lt1"/>
+          </a:fontRef>
+        </p:style>
+        <p:txBody>
+          <a:bodyPr rtlCol="0" anchor="ctr"/>
+          <a:lstStyle/>
+          <a:p>
+            <a:pPr algn="ctr"/>
+            <a:endParaRPr lang="pt-BR"/>
+          </a:p>
+        </p:txBody>
+      </p:sp>
+      <p:sp>
+        <p:nvSpPr>
+          <p:cNvPr id="8" name="Retângulo 7"/>
+          <p:cNvSpPr/>
+          <p:nvPr userDrawn="1"/>
+        </p:nvSpPr>
+        <p:spPr>
+          <a:xfrm>
+            <a:off x="4572000" y="0"/>
+            <a:ext cx="4572000" cy="627534"/>
+          </a:xfrm>
+          <a:prstGeom prst="rect">
+            <a:avLst/>
+          </a:prstGeom>
+          <a:solidFill>
+            <a:srgbClr val="E67D17"/>
+          </a:solidFill>
+          <a:ln>
+            <a:noFill/>
+          </a:ln>
+        </p:spPr>
+        <p:style>
+          <a:lnRef idx="2">
+            <a:schemeClr val="accent1">
+              <a:shade val="50000"/>
+            </a:schemeClr>
+          </a:lnRef>
+          <a:fillRef idx="1">
+            <a:schemeClr val="accent1"/>
+          </a:fillRef>
+          <a:effectRef idx="0">
+            <a:schemeClr val="accent1"/>
+          </a:effectRef>
+          <a:fontRef idx="minor">
+            <a:schemeClr val="lt1"/>
+          </a:fontRef>
+        </p:style>
+        <p:txBody>
+          <a:bodyPr rtlCol="0" anchor="ctr"/>
+          <a:lstStyle/>
+          <a:p>
+            <a:pPr algn="ctr"/>
+            <a:endParaRPr lang="pt-BR"/>
+          </a:p>
+        </p:txBody>
+      </p:sp>
+      <p:sp>
+        <p:nvSpPr>
+          <p:cNvPr id="9" name="Retângulo de cantos arredondados 8"/>
+          <p:cNvSpPr/>
+          <p:nvPr userDrawn="1"/>
+        </p:nvSpPr>
+        <p:spPr>
+          <a:xfrm>
+            <a:off x="1636190" y="1131590"/>
+            <a:ext cx="5832648" cy="720080"/>
+          </a:xfrm>
+          <a:prstGeom prst="roundRect">
+            <a:avLst/>
+          </a:prstGeom>
+        </p:spPr>
+        <p:style>
+          <a:lnRef idx="1">
+            <a:schemeClr val="accent6"/>
+          </a:lnRef>
+          <a:fillRef idx="3">
+            <a:schemeClr val="accent6"/>
+          </a:fillRef>
+          <a:effectRef idx="2">
+            <a:schemeClr val="accent6"/>
+          </a:effectRef>
+          <a:fontRef idx="minor">
+            <a:schemeClr val="lt1"/>
+          </a:fontRef>
+        </p:style>
+        <p:txBody>
+          <a:bodyPr rtlCol="0" anchor="ctr"/>
+          <a:lstStyle/>
+          <a:p>
+            <a:pPr algn="ctr"/>
+            <a:r>
+              <a:rPr lang="en-US" sz="3200" noProof="0" dirty="0" smtClean="0"/>
+              <a:t>Section Title</a:t>
+            </a:r>
+          </a:p>
+        </p:txBody>
+      </p:sp>
+      <p:sp>
+        <p:nvSpPr>
+          <p:cNvPr id="10" name="Espaço Reservado para Conteúdo 2"/>
           <p:cNvSpPr>
             <a:spLocks noGrp="1"/>
           </p:cNvSpPr>
           <p:nvPr>
-            <p:ph type="title"/>
+            <p:ph idx="1"/>
           </p:nvPr>
         </p:nvSpPr>
         <p:spPr>
           <a:xfrm>
-            <a:off x="722313" y="4406900"/>
-            <a:ext cx="7772400" cy="1362075"/>
-          </a:xfrm>
-        </p:spPr>
-        <p:txBody>
-          <a:bodyPr anchor="t"/>
+            <a:off x="467544" y="2283717"/>
+            <a:ext cx="8219256" cy="2310905"/>
+          </a:xfrm>
+          <a:prstGeom prst="rect">
+            <a:avLst/>
+          </a:prstGeom>
+        </p:spPr>
+        <p:txBody>
+          <a:bodyPr/>
           <a:lstStyle>
-            <a:lvl1pPr algn="l">
-              <a:defRPr sz="4000" b="1" cap="all"/>
-            </a:lvl1pPr>
-          </a:lstStyle>
-          <a:p>
-            <a:r>
-              <a:rPr lang="pt-BR" smtClean="0"/>
-              <a:t>Clique para editar o estilo do título mestre</a:t>
-            </a:r>
-            <a:endParaRPr lang="pt-BR"/>
-          </a:p>
-        </p:txBody>
-      </p:sp>
-      <p:sp>
-        <p:nvSpPr>
-          <p:cNvPr id="3" name="Espaço Reservado para Texto 2"/>
-          <p:cNvSpPr>
-            <a:spLocks noGrp="1"/>
-          </p:cNvSpPr>
-          <p:nvPr>
-            <p:ph type="body" idx="1"/>
-          </p:nvPr>
-        </p:nvSpPr>
-        <p:spPr>
-          <a:xfrm>
-            <a:off x="722313" y="2906713"/>
-            <a:ext cx="7772400" cy="1500187"/>
-          </a:xfrm>
-        </p:spPr>
-        <p:txBody>
-          <a:bodyPr anchor="b"/>
-          <a:lstStyle>
-            <a:lvl1pPr marL="0" indent="0">
-              <a:buNone/>
+            <a:lvl1pPr marL="269875" indent="-269875">
+              <a:buClr>
+                <a:srgbClr val="E67D17"/>
+              </a:buClr>
+              <a:buFont typeface="+mj-lt"/>
+              <a:buAutoNum type="arabicPeriod"/>
               <a:defRPr sz="2000">
                 <a:solidFill>
-                  <a:schemeClr val="tx1">
-                    <a:tint val="75000"/>
-                  </a:schemeClr>
+                  <a:srgbClr val="E67D17"/>
                 </a:solidFill>
               </a:defRPr>
             </a:lvl1pPr>
-            <a:lvl2pPr marL="457200" indent="0">
-              <a:buNone/>
-              <a:defRPr sz="1800">
-                <a:solidFill>
-                  <a:schemeClr val="tx1">
-                    <a:tint val="75000"/>
-                  </a:schemeClr>
-                </a:solidFill>
-              </a:defRPr>
+            <a:lvl2pPr marL="627063" indent="-169863">
+              <a:buClr>
+                <a:srgbClr val="E67D17"/>
+              </a:buClr>
+              <a:buFont typeface="Wingdings" panose="05000000000000000000" pitchFamily="2" charset="2"/>
+              <a:buChar char="§"/>
+              <a:defRPr sz="1800"/>
             </a:lvl2pPr>
-            <a:lvl3pPr marL="914400" indent="0">
-              <a:buNone/>
-              <a:defRPr sz="1600">
-                <a:solidFill>
-                  <a:schemeClr val="tx1">
-                    <a:tint val="75000"/>
-                  </a:schemeClr>
-                </a:solidFill>
-              </a:defRPr>
+            <a:lvl3pPr marL="1077913" indent="-163513">
+              <a:buClr>
+                <a:srgbClr val="E67D17"/>
+              </a:buClr>
+              <a:defRPr sz="1600"/>
             </a:lvl3pPr>
-            <a:lvl4pPr marL="1371600" indent="0">
-              <a:buNone/>
-              <a:defRPr sz="1400">
-                <a:solidFill>
-                  <a:schemeClr val="tx1">
-                    <a:tint val="75000"/>
-                  </a:schemeClr>
-                </a:solidFill>
-              </a:defRPr>
+            <a:lvl4pPr marL="1522413" indent="-150813">
+              <a:buClr>
+                <a:srgbClr val="E67D17"/>
+              </a:buClr>
+              <a:defRPr sz="1400"/>
             </a:lvl4pPr>
-            <a:lvl5pPr marL="1828800" indent="0">
-              <a:buNone/>
-              <a:defRPr sz="1400">
-                <a:solidFill>
-                  <a:schemeClr val="tx1">
-                    <a:tint val="75000"/>
-                  </a:schemeClr>
-                </a:solidFill>
-              </a:defRPr>
+            <a:lvl5pPr marL="1973263" indent="-144463">
+              <a:buClr>
+                <a:srgbClr val="E67D17"/>
+              </a:buClr>
+              <a:defRPr sz="1400"/>
             </a:lvl5pPr>
-            <a:lvl6pPr marL="2286000" indent="0">
-              <a:buNone/>
-              <a:defRPr sz="1400">
-                <a:solidFill>
-                  <a:schemeClr val="tx1">
-                    <a:tint val="75000"/>
-                  </a:schemeClr>
-                </a:solidFill>
-              </a:defRPr>
-            </a:lvl6pPr>
-            <a:lvl7pPr marL="2743200" indent="0">
-              <a:buNone/>
-              <a:defRPr sz="1400">
-                <a:solidFill>
-                  <a:schemeClr val="tx1">
-                    <a:tint val="75000"/>
-                  </a:schemeClr>
-                </a:solidFill>
-              </a:defRPr>
-            </a:lvl7pPr>
-            <a:lvl8pPr marL="3200400" indent="0">
-              <a:buNone/>
-              <a:defRPr sz="1400">
-                <a:solidFill>
-                  <a:schemeClr val="tx1">
-                    <a:tint val="75000"/>
-                  </a:schemeClr>
-                </a:solidFill>
-              </a:defRPr>
-            </a:lvl8pPr>
-            <a:lvl9pPr marL="3657600" indent="0">
-              <a:buNone/>
-              <a:defRPr sz="1400">
-                <a:solidFill>
-                  <a:schemeClr val="tx1">
-                    <a:tint val="75000"/>
-                  </a:schemeClr>
-                </a:solidFill>
-              </a:defRPr>
-            </a:lvl9pPr>
           </a:lstStyle>
           <a:p>
             <a:pPr lvl="0"/>
             <a:r>
-              <a:rPr lang="pt-BR" smtClean="0"/>
+              <a:rPr lang="pt-BR" dirty="0" smtClean="0"/>
               <a:t>Clique para editar os estilos do texto mestre</a:t>
             </a:r>
           </a:p>
-        </p:txBody>
-      </p:sp>
-      <p:sp>
-        <p:nvSpPr>
-          <p:cNvPr id="4" name="Espaço Reservado para Data 3"/>
-          <p:cNvSpPr>
-            <a:spLocks noGrp="1"/>
-          </p:cNvSpPr>
-          <p:nvPr>
-            <p:ph type="dt" sz="half" idx="10"/>
-          </p:nvPr>
-        </p:nvSpPr>
-        <p:spPr/>
-        <p:txBody>
-          <a:bodyPr/>
-          <a:lstStyle/>
-          <a:p>
-            <a:fld id="{2E700DB3-DBF0-4086-B675-117E7A9610B8}" type="datetimeFigureOut">
-              <a:rPr lang="pt-BR" smtClean="0"/>
-              <a:t>20/9/2006</a:t>
-            </a:fld>
-            <a:endParaRPr lang="pt-BR"/>
-          </a:p>
-        </p:txBody>
-      </p:sp>
-      <p:sp>
-        <p:nvSpPr>
-          <p:cNvPr id="5" name="Espaço Reservado para Rodapé 4"/>
-          <p:cNvSpPr>
-            <a:spLocks noGrp="1"/>
-          </p:cNvSpPr>
-          <p:nvPr>
-            <p:ph type="ftr" sz="quarter" idx="11"/>
-          </p:nvPr>
-        </p:nvSpPr>
-        <p:spPr/>
-        <p:txBody>
-          <a:bodyPr/>
-          <a:lstStyle/>
-          <a:p>
-            <a:endParaRPr lang="pt-BR"/>
-          </a:p>
-        </p:txBody>
-      </p:sp>
-      <p:sp>
-        <p:nvSpPr>
-          <p:cNvPr id="6" name="Espaço Reservado para Número de Slide 5"/>
-          <p:cNvSpPr>
-            <a:spLocks noGrp="1"/>
-          </p:cNvSpPr>
-          <p:nvPr>
-            <p:ph type="sldNum" sz="quarter" idx="12"/>
-          </p:nvPr>
-        </p:nvSpPr>
-        <p:spPr/>
-        <p:txBody>
-          <a:bodyPr/>
-          <a:lstStyle/>
-          <a:p>
-            <a:fld id="{2119D8CF-8DEC-4D9F-84EE-ADF04DFF3391}" type="slidenum">
-              <a:rPr lang="pt-BR" smtClean="0"/>
-              <a:t>‹nº›</a:t>
-            </a:fld>
-            <a:endParaRPr lang="pt-BR"/>
+          <a:p>
+            <a:pPr lvl="1"/>
+            <a:r>
+              <a:rPr lang="pt-BR" dirty="0" smtClean="0"/>
+              <a:t>Segundo nível</a:t>
+            </a:r>
+          </a:p>
+          <a:p>
+            <a:pPr lvl="2"/>
+            <a:r>
+              <a:rPr lang="pt-BR" dirty="0" smtClean="0"/>
+              <a:t>Terceiro nível</a:t>
+            </a:r>
+          </a:p>
+          <a:p>
+            <a:pPr lvl="3"/>
+            <a:r>
+              <a:rPr lang="pt-BR" dirty="0" smtClean="0"/>
+              <a:t>Quarto nível</a:t>
+            </a:r>
+          </a:p>
+          <a:p>
+            <a:pPr lvl="4"/>
+            <a:r>
+              <a:rPr lang="pt-BR" dirty="0" smtClean="0"/>
+              <a:t>Quinto nível</a:t>
+            </a:r>
+            <a:endParaRPr lang="pt-BR" dirty="0"/>
           </a:p>
         </p:txBody>
       </p:sp>
@@ -1088,7 +2618,7 @@
 </file>
 
 <file path=ppt/slideLayouts/slideLayout4.xml><?xml version="1.0" encoding="utf-8"?>
-<p:sldLayout xmlns:a="http://schemas.openxmlformats.org/drawingml/2006/main" xmlns:r="http://schemas.openxmlformats.org/officeDocument/2006/relationships" xmlns:p="http://schemas.openxmlformats.org/presentationml/2006/main" type="twoObj" preserve="1">
+<p:sldLayout xmlns:a="http://schemas.openxmlformats.org/drawingml/2006/main" xmlns:r="http://schemas.openxmlformats.org/officeDocument/2006/relationships" xmlns:p="http://schemas.openxmlformats.org/presentationml/2006/main" preserve="1" userDrawn="1">
   <p:cSld name="Duas Partes de Conteúdo">
     <p:spTree>
       <p:nvGrpSpPr>
@@ -1106,29 +2636,6 @@
       </p:grpSpPr>
       <p:sp>
         <p:nvSpPr>
-          <p:cNvPr id="2" name="Título 1"/>
-          <p:cNvSpPr>
-            <a:spLocks noGrp="1"/>
-          </p:cNvSpPr>
-          <p:nvPr>
-            <p:ph type="title"/>
-          </p:nvPr>
-        </p:nvSpPr>
-        <p:spPr/>
-        <p:txBody>
-          <a:bodyPr/>
-          <a:lstStyle/>
-          <a:p>
-            <a:r>
-              <a:rPr lang="pt-BR" smtClean="0"/>
-              <a:t>Clique para editar o estilo do título mestre</a:t>
-            </a:r>
-            <a:endParaRPr lang="pt-BR"/>
-          </a:p>
-        </p:txBody>
-      </p:sp>
-      <p:sp>
-        <p:nvSpPr>
           <p:cNvPr id="3" name="Espaço Reservado para Conteúdo 2"/>
           <p:cNvSpPr>
             <a:spLocks noGrp="1"/>
@@ -1139,76 +2646,89 @@
         </p:nvSpPr>
         <p:spPr>
           <a:xfrm>
-            <a:off x="457200" y="1600200"/>
-            <a:ext cx="4038600" cy="4525963"/>
-          </a:xfrm>
+            <a:off x="457200" y="1200151"/>
+            <a:ext cx="4038600" cy="3394472"/>
+          </a:xfrm>
+          <a:prstGeom prst="rect">
+            <a:avLst/>
+          </a:prstGeom>
         </p:spPr>
         <p:txBody>
           <a:bodyPr/>
           <a:lstStyle>
             <a:lvl1pPr>
-              <a:defRPr sz="2800"/>
+              <a:defRPr lang="pt-BR" dirty="0" smtClean="0"/>
             </a:lvl1pPr>
             <a:lvl2pPr>
-              <a:defRPr sz="2400"/>
+              <a:defRPr lang="pt-BR" dirty="0" smtClean="0"/>
             </a:lvl2pPr>
             <a:lvl3pPr>
-              <a:defRPr sz="2000"/>
+              <a:defRPr lang="pt-BR" dirty="0" smtClean="0"/>
             </a:lvl3pPr>
             <a:lvl4pPr>
-              <a:defRPr sz="1800"/>
+              <a:defRPr lang="pt-BR" dirty="0" smtClean="0"/>
             </a:lvl4pPr>
             <a:lvl5pPr>
-              <a:defRPr sz="1800"/>
+              <a:defRPr lang="pt-BR" dirty="0"/>
             </a:lvl5pPr>
-            <a:lvl6pPr>
-              <a:defRPr sz="1800"/>
-            </a:lvl6pPr>
-            <a:lvl7pPr>
-              <a:defRPr sz="1800"/>
-            </a:lvl7pPr>
-            <a:lvl8pPr>
-              <a:defRPr sz="1800"/>
-            </a:lvl8pPr>
-            <a:lvl9pPr>
-              <a:defRPr sz="1800"/>
-            </a:lvl9pPr>
           </a:lstStyle>
           <a:p>
-            <a:pPr lvl="0"/>
-            <a:r>
-              <a:rPr lang="pt-BR" smtClean="0"/>
+            <a:pPr lvl="0">
+              <a:buClr>
+                <a:srgbClr val="E67D17"/>
+              </a:buClr>
+              <a:buFont typeface="Wingdings" panose="05000000000000000000" pitchFamily="2" charset="2"/>
+              <a:buChar char="§"/>
+            </a:pPr>
+            <a:r>
+              <a:rPr lang="pt-BR" dirty="0" smtClean="0"/>
               <a:t>Clique para editar os estilos do texto mestre</a:t>
             </a:r>
           </a:p>
           <a:p>
-            <a:pPr lvl="1"/>
-            <a:r>
-              <a:rPr lang="pt-BR" smtClean="0"/>
+            <a:pPr lvl="1">
+              <a:buClr>
+                <a:srgbClr val="E67D17"/>
+              </a:buClr>
+            </a:pPr>
+            <a:r>
+              <a:rPr lang="pt-BR" dirty="0" smtClean="0"/>
               <a:t>Segundo nível</a:t>
             </a:r>
           </a:p>
           <a:p>
-            <a:pPr lvl="2"/>
-            <a:r>
-              <a:rPr lang="pt-BR" smtClean="0"/>
+            <a:pPr lvl="2">
+              <a:buClr>
+                <a:srgbClr val="E67D17"/>
+              </a:buClr>
+            </a:pPr>
+            <a:r>
+              <a:rPr lang="pt-BR" dirty="0" smtClean="0"/>
               <a:t>Terceiro nível</a:t>
             </a:r>
           </a:p>
           <a:p>
-            <a:pPr lvl="3"/>
-            <a:r>
-              <a:rPr lang="pt-BR" smtClean="0"/>
+            <a:pPr lvl="3">
+              <a:buClr>
+                <a:srgbClr val="E67D17"/>
+              </a:buClr>
+            </a:pPr>
+            <a:r>
+              <a:rPr lang="pt-BR" dirty="0" smtClean="0"/>
               <a:t>Quarto nível</a:t>
             </a:r>
           </a:p>
           <a:p>
-            <a:pPr lvl="4"/>
-            <a:r>
-              <a:rPr lang="pt-BR" smtClean="0"/>
+            <a:pPr lvl="4">
+              <a:buClr>
+                <a:srgbClr val="E67D17"/>
+              </a:buClr>
+            </a:pPr>
+            <a:r>
+              <a:rPr lang="pt-BR" dirty="0" smtClean="0"/>
               <a:t>Quinto nível</a:t>
             </a:r>
-            <a:endParaRPr lang="pt-BR"/>
+            <a:endParaRPr lang="pt-BR" dirty="0"/>
           </a:p>
         </p:txBody>
       </p:sp>
@@ -1224,71 +2744,84 @@
         </p:nvSpPr>
         <p:spPr>
           <a:xfrm>
-            <a:off x="4648200" y="1600200"/>
-            <a:ext cx="4038600" cy="4525963"/>
-          </a:xfrm>
+            <a:off x="4648200" y="1200151"/>
+            <a:ext cx="4038600" cy="3394472"/>
+          </a:xfrm>
+          <a:prstGeom prst="rect">
+            <a:avLst/>
+          </a:prstGeom>
         </p:spPr>
         <p:txBody>
           <a:bodyPr/>
           <a:lstStyle>
             <a:lvl1pPr>
-              <a:defRPr sz="2800"/>
+              <a:defRPr lang="pt-BR" smtClean="0"/>
             </a:lvl1pPr>
             <a:lvl2pPr>
-              <a:defRPr sz="2400"/>
+              <a:defRPr lang="pt-BR" smtClean="0"/>
             </a:lvl2pPr>
             <a:lvl3pPr>
-              <a:defRPr sz="2000"/>
+              <a:defRPr lang="pt-BR" smtClean="0"/>
             </a:lvl3pPr>
             <a:lvl4pPr>
-              <a:defRPr sz="1800"/>
+              <a:defRPr lang="pt-BR" smtClean="0"/>
             </a:lvl4pPr>
             <a:lvl5pPr>
-              <a:defRPr sz="1800"/>
+              <a:defRPr lang="pt-BR"/>
             </a:lvl5pPr>
-            <a:lvl6pPr>
-              <a:defRPr sz="1800"/>
-            </a:lvl6pPr>
-            <a:lvl7pPr>
-              <a:defRPr sz="1800"/>
-            </a:lvl7pPr>
-            <a:lvl8pPr>
-              <a:defRPr sz="1800"/>
-            </a:lvl8pPr>
-            <a:lvl9pPr>
-              <a:defRPr sz="1800"/>
-            </a:lvl9pPr>
           </a:lstStyle>
           <a:p>
-            <a:pPr lvl="0"/>
+            <a:pPr lvl="0">
+              <a:buClr>
+                <a:srgbClr val="E67D17"/>
+              </a:buClr>
+              <a:buFont typeface="Wingdings" panose="05000000000000000000" pitchFamily="2" charset="2"/>
+              <a:buChar char="§"/>
+            </a:pPr>
             <a:r>
               <a:rPr lang="pt-BR" smtClean="0"/>
               <a:t>Clique para editar os estilos do texto mestre</a:t>
             </a:r>
           </a:p>
           <a:p>
-            <a:pPr lvl="1"/>
+            <a:pPr lvl="1">
+              <a:buClr>
+                <a:srgbClr val="E67D17"/>
+              </a:buClr>
+            </a:pPr>
             <a:r>
               <a:rPr lang="pt-BR" smtClean="0"/>
               <a:t>Segundo nível</a:t>
             </a:r>
           </a:p>
           <a:p>
-            <a:pPr lvl="2"/>
+            <a:pPr lvl="2">
+              <a:buClr>
+                <a:srgbClr val="E67D17"/>
+              </a:buClr>
+            </a:pPr>
             <a:r>
               <a:rPr lang="pt-BR" smtClean="0"/>
               <a:t>Terceiro nível</a:t>
             </a:r>
           </a:p>
           <a:p>
-            <a:pPr lvl="3"/>
+            <a:pPr lvl="3">
+              <a:buClr>
+                <a:srgbClr val="E67D17"/>
+              </a:buClr>
+            </a:pPr>
             <a:r>
               <a:rPr lang="pt-BR" smtClean="0"/>
               <a:t>Quarto nível</a:t>
             </a:r>
           </a:p>
           <a:p>
-            <a:pPr lvl="4"/>
+            <a:pPr lvl="4">
+              <a:buClr>
+                <a:srgbClr val="E67D17"/>
+              </a:buClr>
+            </a:pPr>
             <a:r>
               <a:rPr lang="pt-BR" smtClean="0"/>
               <a:t>Quinto nível</a:t>
@@ -1299,66 +2832,353 @@
       </p:sp>
       <p:sp>
         <p:nvSpPr>
-          <p:cNvPr id="5" name="Espaço Reservado para Data 4"/>
+          <p:cNvPr id="8" name="Retângulo 7"/>
+          <p:cNvSpPr/>
+          <p:nvPr userDrawn="1"/>
+        </p:nvSpPr>
+        <p:spPr>
+          <a:xfrm>
+            <a:off x="0" y="4803998"/>
+            <a:ext cx="9144000" cy="299518"/>
+          </a:xfrm>
+          <a:prstGeom prst="rect">
+            <a:avLst/>
+          </a:prstGeom>
+          <a:solidFill>
+            <a:srgbClr val="333333"/>
+          </a:solidFill>
+          <a:ln>
+            <a:noFill/>
+          </a:ln>
+        </p:spPr>
+        <p:style>
+          <a:lnRef idx="2">
+            <a:schemeClr val="accent1">
+              <a:shade val="50000"/>
+            </a:schemeClr>
+          </a:lnRef>
+          <a:fillRef idx="1">
+            <a:schemeClr val="accent1"/>
+          </a:fillRef>
+          <a:effectRef idx="0">
+            <a:schemeClr val="accent1"/>
+          </a:effectRef>
+          <a:fontRef idx="minor">
+            <a:schemeClr val="lt1"/>
+          </a:fontRef>
+        </p:style>
+        <p:txBody>
+          <a:bodyPr rtlCol="0" anchor="ctr"/>
+          <a:lstStyle/>
+          <a:p>
+            <a:pPr algn="ctr"/>
+            <a:endParaRPr lang="pt-BR"/>
+          </a:p>
+        </p:txBody>
+      </p:sp>
+      <p:sp>
+        <p:nvSpPr>
+          <p:cNvPr id="9" name="Título 1"/>
           <p:cNvSpPr>
             <a:spLocks noGrp="1"/>
           </p:cNvSpPr>
           <p:nvPr>
-            <p:ph type="dt" sz="half" idx="10"/>
+            <p:ph type="title"/>
           </p:nvPr>
         </p:nvSpPr>
-        <p:spPr/>
-        <p:txBody>
-          <a:bodyPr/>
-          <a:lstStyle/>
-          <a:p>
-            <a:fld id="{2E700DB3-DBF0-4086-B675-117E7A9610B8}" type="datetimeFigureOut">
-              <a:rPr lang="pt-BR" smtClean="0"/>
-              <a:t>20/9/2006</a:t>
-            </a:fld>
+        <p:spPr>
+          <a:xfrm>
+            <a:off x="0" y="627534"/>
+            <a:ext cx="9144000" cy="411510"/>
+          </a:xfrm>
+          <a:prstGeom prst="rect">
+            <a:avLst/>
+          </a:prstGeom>
+          <a:gradFill flip="none" rotWithShape="1">
+            <a:gsLst>
+              <a:gs pos="100000">
+                <a:srgbClr val="E67D17"/>
+              </a:gs>
+              <a:gs pos="0">
+                <a:srgbClr val="333333"/>
+              </a:gs>
+            </a:gsLst>
+            <a:lin ang="10800000" scaled="1"/>
+            <a:tileRect/>
+          </a:gradFill>
+          <a:effectLst>
+            <a:outerShdw blurRad="50800" dist="38100" dir="5400000" algn="t" rotWithShape="0">
+              <a:prstClr val="black">
+                <a:alpha val="40000"/>
+              </a:prstClr>
+            </a:outerShdw>
+          </a:effectLst>
+        </p:spPr>
+        <p:txBody>
+          <a:bodyPr lIns="72000" tIns="0" rIns="0" bIns="0">
+            <a:noAutofit/>
+          </a:bodyPr>
+          <a:lstStyle>
+            <a:lvl1pPr marL="180000" algn="l">
+              <a:defRPr sz="2800">
+                <a:solidFill>
+                  <a:schemeClr val="bg1"/>
+                </a:solidFill>
+              </a:defRPr>
+            </a:lvl1pPr>
+          </a:lstStyle>
+          <a:p>
+            <a:r>
+              <a:rPr lang="pt-BR" dirty="0" smtClean="0"/>
+              <a:t>Clique para editar o estilo do título mestre</a:t>
+            </a:r>
+            <a:endParaRPr lang="pt-BR" dirty="0"/>
+          </a:p>
+        </p:txBody>
+      </p:sp>
+      <p:sp>
+        <p:nvSpPr>
+          <p:cNvPr id="10" name="Retângulo 9"/>
+          <p:cNvSpPr/>
+          <p:nvPr userDrawn="1"/>
+        </p:nvSpPr>
+        <p:spPr>
+          <a:xfrm>
+            <a:off x="0" y="0"/>
+            <a:ext cx="4572000" cy="627534"/>
+          </a:xfrm>
+          <a:prstGeom prst="rect">
+            <a:avLst/>
+          </a:prstGeom>
+          <a:solidFill>
+            <a:srgbClr val="333333"/>
+          </a:solidFill>
+          <a:ln>
+            <a:noFill/>
+          </a:ln>
+        </p:spPr>
+        <p:style>
+          <a:lnRef idx="2">
+            <a:schemeClr val="accent1">
+              <a:shade val="50000"/>
+            </a:schemeClr>
+          </a:lnRef>
+          <a:fillRef idx="1">
+            <a:schemeClr val="accent1"/>
+          </a:fillRef>
+          <a:effectRef idx="0">
+            <a:schemeClr val="accent1"/>
+          </a:effectRef>
+          <a:fontRef idx="minor">
+            <a:schemeClr val="lt1"/>
+          </a:fontRef>
+        </p:style>
+        <p:txBody>
+          <a:bodyPr rtlCol="0" anchor="ctr"/>
+          <a:lstStyle/>
+          <a:p>
+            <a:pPr algn="ctr"/>
             <a:endParaRPr lang="pt-BR"/>
           </a:p>
         </p:txBody>
       </p:sp>
       <p:sp>
         <p:nvSpPr>
-          <p:cNvPr id="6" name="Espaço Reservado para Rodapé 5"/>
-          <p:cNvSpPr>
-            <a:spLocks noGrp="1"/>
-          </p:cNvSpPr>
-          <p:nvPr>
-            <p:ph type="ftr" sz="quarter" idx="11"/>
-          </p:nvPr>
-        </p:nvSpPr>
-        <p:spPr/>
-        <p:txBody>
-          <a:bodyPr/>
-          <a:lstStyle/>
-          <a:p>
+          <p:cNvPr id="11" name="Retângulo 10"/>
+          <p:cNvSpPr/>
+          <p:nvPr userDrawn="1"/>
+        </p:nvSpPr>
+        <p:spPr>
+          <a:xfrm>
+            <a:off x="4572000" y="0"/>
+            <a:ext cx="4572000" cy="627534"/>
+          </a:xfrm>
+          <a:prstGeom prst="rect">
+            <a:avLst/>
+          </a:prstGeom>
+          <a:solidFill>
+            <a:srgbClr val="E67D17"/>
+          </a:solidFill>
+          <a:ln>
+            <a:noFill/>
+          </a:ln>
+        </p:spPr>
+        <p:style>
+          <a:lnRef idx="2">
+            <a:schemeClr val="accent1">
+              <a:shade val="50000"/>
+            </a:schemeClr>
+          </a:lnRef>
+          <a:fillRef idx="1">
+            <a:schemeClr val="accent1"/>
+          </a:fillRef>
+          <a:effectRef idx="0">
+            <a:schemeClr val="accent1"/>
+          </a:effectRef>
+          <a:fontRef idx="minor">
+            <a:schemeClr val="lt1"/>
+          </a:fontRef>
+        </p:style>
+        <p:txBody>
+          <a:bodyPr rtlCol="0" anchor="ctr"/>
+          <a:lstStyle/>
+          <a:p>
+            <a:pPr algn="ctr"/>
             <a:endParaRPr lang="pt-BR"/>
           </a:p>
         </p:txBody>
       </p:sp>
       <p:sp>
         <p:nvSpPr>
-          <p:cNvPr id="7" name="Espaço Reservado para Número de Slide 6"/>
-          <p:cNvSpPr>
-            <a:spLocks noGrp="1"/>
-          </p:cNvSpPr>
-          <p:nvPr>
-            <p:ph type="sldNum" sz="quarter" idx="12"/>
-          </p:nvPr>
-        </p:nvSpPr>
-        <p:spPr/>
-        <p:txBody>
-          <a:bodyPr/>
-          <a:lstStyle/>
-          <a:p>
-            <a:fld id="{2119D8CF-8DEC-4D9F-84EE-ADF04DFF3391}" type="slidenum">
-              <a:rPr lang="pt-BR" smtClean="0"/>
+          <p:cNvPr id="12" name="CaixaDeTexto 11"/>
+          <p:cNvSpPr txBox="1"/>
+          <p:nvPr userDrawn="1"/>
+        </p:nvSpPr>
+        <p:spPr>
+          <a:xfrm>
+            <a:off x="0" y="4806967"/>
+            <a:ext cx="2843808" cy="153888"/>
+          </a:xfrm>
+          <a:prstGeom prst="rect">
+            <a:avLst/>
+          </a:prstGeom>
+          <a:noFill/>
+        </p:spPr>
+        <p:txBody>
+          <a:bodyPr wrap="square" lIns="72000" tIns="0" rIns="0" bIns="0" rtlCol="0">
+            <a:spAutoFit/>
+          </a:bodyPr>
+          <a:lstStyle/>
+          <a:p>
+            <a:r>
+              <a:rPr lang="en-US" sz="1000" noProof="0" dirty="0" smtClean="0">
+                <a:solidFill>
+                  <a:schemeClr val="bg1"/>
+                </a:solidFill>
+              </a:rPr>
+              <a:t>Presentation Date</a:t>
+            </a:r>
+            <a:endParaRPr lang="en-US" sz="1000" noProof="0" dirty="0">
+              <a:solidFill>
+                <a:schemeClr val="bg1"/>
+              </a:solidFill>
+            </a:endParaRPr>
+          </a:p>
+        </p:txBody>
+      </p:sp>
+      <p:sp>
+        <p:nvSpPr>
+          <p:cNvPr id="13" name="CaixaDeTexto 12"/>
+          <p:cNvSpPr txBox="1"/>
+          <p:nvPr userDrawn="1"/>
+        </p:nvSpPr>
+        <p:spPr>
+          <a:xfrm>
+            <a:off x="0" y="4952898"/>
+            <a:ext cx="2843808" cy="153888"/>
+          </a:xfrm>
+          <a:prstGeom prst="rect">
+            <a:avLst/>
+          </a:prstGeom>
+          <a:noFill/>
+        </p:spPr>
+        <p:txBody>
+          <a:bodyPr wrap="square" lIns="72000" tIns="0" rIns="0" bIns="0" rtlCol="0">
+            <a:spAutoFit/>
+          </a:bodyPr>
+          <a:lstStyle/>
+          <a:p>
+            <a:r>
+              <a:rPr lang="en-US" sz="1000" noProof="0" dirty="0" smtClean="0">
+                <a:solidFill>
+                  <a:schemeClr val="bg1"/>
+                </a:solidFill>
+              </a:rPr>
+              <a:t>Author’s Name – Presentation Title</a:t>
+            </a:r>
+            <a:endParaRPr lang="en-US" sz="1000" noProof="0" dirty="0">
+              <a:solidFill>
+                <a:schemeClr val="bg1"/>
+              </a:solidFill>
+            </a:endParaRPr>
+          </a:p>
+        </p:txBody>
+      </p:sp>
+      <p:sp>
+        <p:nvSpPr>
+          <p:cNvPr id="14" name="CaixaDeTexto 13"/>
+          <p:cNvSpPr txBox="1"/>
+          <p:nvPr userDrawn="1"/>
+        </p:nvSpPr>
+        <p:spPr>
+          <a:xfrm>
+            <a:off x="6300192" y="4806967"/>
+            <a:ext cx="2843808" cy="153888"/>
+          </a:xfrm>
+          <a:prstGeom prst="rect">
+            <a:avLst/>
+          </a:prstGeom>
+          <a:noFill/>
+        </p:spPr>
+        <p:txBody>
+          <a:bodyPr wrap="square" lIns="0" tIns="0" rIns="72000" bIns="0" rtlCol="0">
+            <a:spAutoFit/>
+          </a:bodyPr>
+          <a:lstStyle/>
+          <a:p>
+            <a:pPr algn="r"/>
+            <a:fld id="{85F39ACD-A041-4DE4-BA50-0C1576C5C808}" type="slidenum">
+              <a:rPr lang="en-US" sz="1000" noProof="0" smtClean="0">
+                <a:solidFill>
+                  <a:schemeClr val="bg1"/>
+                </a:solidFill>
+              </a:rPr>
               <a:t>‹nº›</a:t>
             </a:fld>
-            <a:endParaRPr lang="pt-BR"/>
+            <a:endParaRPr lang="en-US" sz="1000" noProof="0" dirty="0">
+              <a:solidFill>
+                <a:schemeClr val="bg1"/>
+              </a:solidFill>
+            </a:endParaRPr>
+          </a:p>
+        </p:txBody>
+      </p:sp>
+      <p:sp>
+        <p:nvSpPr>
+          <p:cNvPr id="15" name="CaixaDeTexto 14"/>
+          <p:cNvSpPr txBox="1"/>
+          <p:nvPr userDrawn="1"/>
+        </p:nvSpPr>
+        <p:spPr>
+          <a:xfrm>
+            <a:off x="6300192" y="4952898"/>
+            <a:ext cx="2843808" cy="153888"/>
+          </a:xfrm>
+          <a:prstGeom prst="rect">
+            <a:avLst/>
+          </a:prstGeom>
+          <a:noFill/>
+        </p:spPr>
+        <p:txBody>
+          <a:bodyPr wrap="square" lIns="0" tIns="0" rIns="72000" bIns="0" rtlCol="0">
+            <a:spAutoFit/>
+          </a:bodyPr>
+          <a:lstStyle/>
+          <a:p>
+            <a:pPr algn="r"/>
+            <a:r>
+              <a:rPr lang="en-US" sz="1000" noProof="0" dirty="0" smtClean="0">
+                <a:solidFill>
+                  <a:schemeClr val="bg1"/>
+                </a:solidFill>
+              </a:rPr>
+              <a:t>LIDET (IME - USP)</a:t>
+            </a:r>
+            <a:endParaRPr lang="en-US" sz="1000" noProof="0" dirty="0">
+              <a:solidFill>
+                <a:schemeClr val="bg1"/>
+              </a:solidFill>
+            </a:endParaRPr>
           </a:p>
         </p:txBody>
       </p:sp>
@@ -1371,7 +3191,7 @@
 </file>
 
 <file path=ppt/slideLayouts/slideLayout5.xml><?xml version="1.0" encoding="utf-8"?>
-<p:sldLayout xmlns:a="http://schemas.openxmlformats.org/drawingml/2006/main" xmlns:r="http://schemas.openxmlformats.org/officeDocument/2006/relationships" xmlns:p="http://schemas.openxmlformats.org/presentationml/2006/main" type="twoTxTwoObj" preserve="1">
+<p:sldLayout xmlns:a="http://schemas.openxmlformats.org/drawingml/2006/main" xmlns:r="http://schemas.openxmlformats.org/officeDocument/2006/relationships" xmlns:p="http://schemas.openxmlformats.org/presentationml/2006/main" preserve="1" userDrawn="1">
   <p:cSld name="Comparação">
     <p:spTree>
       <p:nvGrpSpPr>
@@ -1389,53 +3209,33 @@
       </p:grpSpPr>
       <p:sp>
         <p:nvSpPr>
-          <p:cNvPr id="2" name="Título 1"/>
-          <p:cNvSpPr>
-            <a:spLocks noGrp="1"/>
-          </p:cNvSpPr>
-          <p:nvPr>
-            <p:ph type="title"/>
-          </p:nvPr>
-        </p:nvSpPr>
-        <p:spPr/>
-        <p:txBody>
-          <a:bodyPr/>
-          <a:lstStyle>
-            <a:lvl1pPr>
-              <a:defRPr/>
-            </a:lvl1pPr>
-          </a:lstStyle>
-          <a:p>
-            <a:r>
-              <a:rPr lang="pt-BR" smtClean="0"/>
-              <a:t>Clique para editar o estilo do título mestre</a:t>
-            </a:r>
-            <a:endParaRPr lang="pt-BR"/>
-          </a:p>
-        </p:txBody>
-      </p:sp>
-      <p:sp>
-        <p:nvSpPr>
           <p:cNvPr id="3" name="Espaço Reservado para Texto 2"/>
           <p:cNvSpPr>
             <a:spLocks noGrp="1"/>
           </p:cNvSpPr>
           <p:nvPr>
-            <p:ph type="body" idx="1"/>
+            <p:ph type="body" idx="1" hasCustomPrompt="1"/>
           </p:nvPr>
         </p:nvSpPr>
         <p:spPr>
           <a:xfrm>
-            <a:off x="457200" y="1535113"/>
-            <a:ext cx="4040188" cy="639762"/>
-          </a:xfrm>
-        </p:spPr>
-        <p:txBody>
-          <a:bodyPr anchor="b"/>
+            <a:off x="457200" y="1151335"/>
+            <a:ext cx="4040188" cy="479822"/>
+          </a:xfrm>
+          <a:prstGeom prst="rect">
+            <a:avLst/>
+          </a:prstGeom>
+        </p:spPr>
+        <p:txBody>
+          <a:bodyPr tIns="0" rIns="0" bIns="0" anchor="ctr" anchorCtr="0"/>
           <a:lstStyle>
             <a:lvl1pPr marL="0" indent="0">
               <a:buNone/>
-              <a:defRPr sz="2400" b="1"/>
+              <a:defRPr sz="1600" b="1">
+                <a:solidFill>
+                  <a:srgbClr val="E67D17"/>
+                </a:solidFill>
+              </a:defRPr>
             </a:lvl1pPr>
             <a:lvl2pPr marL="457200" indent="0">
               <a:buNone/>
@@ -1473,7 +3273,7 @@
           <a:p>
             <a:pPr lvl="0"/>
             <a:r>
-              <a:rPr lang="pt-BR" smtClean="0"/>
+              <a:rPr lang="pt-BR" dirty="0" smtClean="0"/>
               <a:t>Clique para editar os estilos do texto mestre</a:t>
             </a:r>
           </a:p>
@@ -1491,76 +3291,89 @@
         </p:nvSpPr>
         <p:spPr>
           <a:xfrm>
-            <a:off x="457200" y="2174875"/>
-            <a:ext cx="4040188" cy="3951288"/>
-          </a:xfrm>
+            <a:off x="457200" y="1631156"/>
+            <a:ext cx="4040188" cy="2963466"/>
+          </a:xfrm>
+          <a:prstGeom prst="rect">
+            <a:avLst/>
+          </a:prstGeom>
         </p:spPr>
         <p:txBody>
           <a:bodyPr/>
           <a:lstStyle>
             <a:lvl1pPr>
-              <a:defRPr sz="2400"/>
+              <a:defRPr lang="pt-BR" sz="2800" smtClean="0"/>
             </a:lvl1pPr>
             <a:lvl2pPr>
-              <a:defRPr sz="2000"/>
+              <a:defRPr lang="pt-BR" sz="2400" smtClean="0"/>
             </a:lvl2pPr>
             <a:lvl3pPr>
-              <a:defRPr sz="1800"/>
+              <a:defRPr lang="pt-BR" sz="2000" smtClean="0"/>
             </a:lvl3pPr>
             <a:lvl4pPr>
-              <a:defRPr sz="1600"/>
+              <a:defRPr lang="pt-BR" sz="1800" smtClean="0"/>
             </a:lvl4pPr>
             <a:lvl5pPr>
-              <a:defRPr sz="1600"/>
+              <a:defRPr lang="pt-BR" sz="1800"/>
             </a:lvl5pPr>
-            <a:lvl6pPr>
-              <a:defRPr sz="1600"/>
-            </a:lvl6pPr>
-            <a:lvl7pPr>
-              <a:defRPr sz="1600"/>
-            </a:lvl7pPr>
-            <a:lvl8pPr>
-              <a:defRPr sz="1600"/>
-            </a:lvl8pPr>
-            <a:lvl9pPr>
-              <a:defRPr sz="1600"/>
-            </a:lvl9pPr>
           </a:lstStyle>
           <a:p>
-            <a:pPr lvl="0"/>
-            <a:r>
-              <a:rPr lang="pt-BR" smtClean="0"/>
+            <a:pPr lvl="0">
+              <a:buClr>
+                <a:srgbClr val="E67D17"/>
+              </a:buClr>
+              <a:buFont typeface="Wingdings" panose="05000000000000000000" pitchFamily="2" charset="2"/>
+              <a:buChar char="§"/>
+            </a:pPr>
+            <a:r>
+              <a:rPr lang="pt-BR" dirty="0" smtClean="0"/>
               <a:t>Clique para editar os estilos do texto mestre</a:t>
             </a:r>
           </a:p>
           <a:p>
-            <a:pPr lvl="1"/>
-            <a:r>
-              <a:rPr lang="pt-BR" smtClean="0"/>
+            <a:pPr lvl="1">
+              <a:buClr>
+                <a:srgbClr val="E67D17"/>
+              </a:buClr>
+            </a:pPr>
+            <a:r>
+              <a:rPr lang="pt-BR" dirty="0" smtClean="0"/>
               <a:t>Segundo nível</a:t>
             </a:r>
           </a:p>
           <a:p>
-            <a:pPr lvl="2"/>
-            <a:r>
-              <a:rPr lang="pt-BR" smtClean="0"/>
+            <a:pPr lvl="2">
+              <a:buClr>
+                <a:srgbClr val="E67D17"/>
+              </a:buClr>
+            </a:pPr>
+            <a:r>
+              <a:rPr lang="pt-BR" dirty="0" smtClean="0"/>
               <a:t>Terceiro nível</a:t>
             </a:r>
           </a:p>
           <a:p>
-            <a:pPr lvl="3"/>
-            <a:r>
-              <a:rPr lang="pt-BR" smtClean="0"/>
+            <a:pPr lvl="3">
+              <a:buClr>
+                <a:srgbClr val="E67D17"/>
+              </a:buClr>
+            </a:pPr>
+            <a:r>
+              <a:rPr lang="pt-BR" dirty="0" smtClean="0"/>
               <a:t>Quarto nível</a:t>
             </a:r>
           </a:p>
           <a:p>
-            <a:pPr lvl="4"/>
-            <a:r>
-              <a:rPr lang="pt-BR" smtClean="0"/>
+            <a:pPr lvl="4">
+              <a:buClr>
+                <a:srgbClr val="E67D17"/>
+              </a:buClr>
+            </a:pPr>
+            <a:r>
+              <a:rPr lang="pt-BR" dirty="0" smtClean="0"/>
               <a:t>Quinto nível</a:t>
             </a:r>
-            <a:endParaRPr lang="pt-BR"/>
+            <a:endParaRPr lang="pt-BR" dirty="0"/>
           </a:p>
         </p:txBody>
       </p:sp>
@@ -1576,16 +3389,23 @@
         </p:nvSpPr>
         <p:spPr>
           <a:xfrm>
-            <a:off x="4645025" y="1535113"/>
-            <a:ext cx="4041775" cy="639762"/>
-          </a:xfrm>
-        </p:spPr>
-        <p:txBody>
-          <a:bodyPr anchor="b"/>
+            <a:off x="4645026" y="1151335"/>
+            <a:ext cx="4041775" cy="479822"/>
+          </a:xfrm>
+          <a:prstGeom prst="rect">
+            <a:avLst/>
+          </a:prstGeom>
+        </p:spPr>
+        <p:txBody>
+          <a:bodyPr tIns="0" rIns="0" bIns="0" anchor="ctr" anchorCtr="0"/>
           <a:lstStyle>
             <a:lvl1pPr marL="0" indent="0">
               <a:buNone/>
-              <a:defRPr sz="2400" b="1"/>
+              <a:defRPr sz="1600" b="1">
+                <a:solidFill>
+                  <a:srgbClr val="E67D17"/>
+                </a:solidFill>
+              </a:defRPr>
             </a:lvl1pPr>
             <a:lvl2pPr marL="457200" indent="0">
               <a:buNone/>
@@ -1623,7 +3443,7 @@
           <a:p>
             <a:pPr lvl="0"/>
             <a:r>
-              <a:rPr lang="pt-BR" smtClean="0"/>
+              <a:rPr lang="pt-BR" dirty="0" smtClean="0"/>
               <a:t>Clique para editar os estilos do texto mestre</a:t>
             </a:r>
           </a:p>
@@ -1641,71 +3461,84 @@
         </p:nvSpPr>
         <p:spPr>
           <a:xfrm>
-            <a:off x="4645025" y="2174875"/>
-            <a:ext cx="4041775" cy="3951288"/>
-          </a:xfrm>
+            <a:off x="4645026" y="1631156"/>
+            <a:ext cx="4041775" cy="2963466"/>
+          </a:xfrm>
+          <a:prstGeom prst="rect">
+            <a:avLst/>
+          </a:prstGeom>
         </p:spPr>
         <p:txBody>
           <a:bodyPr/>
           <a:lstStyle>
             <a:lvl1pPr>
-              <a:defRPr sz="2400"/>
+              <a:defRPr lang="pt-BR" sz="2800" smtClean="0"/>
             </a:lvl1pPr>
             <a:lvl2pPr>
-              <a:defRPr sz="2000"/>
+              <a:defRPr lang="pt-BR" sz="2400" smtClean="0"/>
             </a:lvl2pPr>
             <a:lvl3pPr>
-              <a:defRPr sz="1800"/>
+              <a:defRPr lang="pt-BR" sz="2000" smtClean="0"/>
             </a:lvl3pPr>
             <a:lvl4pPr>
-              <a:defRPr sz="1600"/>
+              <a:defRPr lang="pt-BR" sz="1800" smtClean="0"/>
             </a:lvl4pPr>
             <a:lvl5pPr>
-              <a:defRPr sz="1600"/>
+              <a:defRPr lang="pt-BR" sz="1800"/>
             </a:lvl5pPr>
-            <a:lvl6pPr>
-              <a:defRPr sz="1600"/>
-            </a:lvl6pPr>
-            <a:lvl7pPr>
-              <a:defRPr sz="1600"/>
-            </a:lvl7pPr>
-            <a:lvl8pPr>
-              <a:defRPr sz="1600"/>
-            </a:lvl8pPr>
-            <a:lvl9pPr>
-              <a:defRPr sz="1600"/>
-            </a:lvl9pPr>
           </a:lstStyle>
           <a:p>
-            <a:pPr lvl="0"/>
+            <a:pPr lvl="0">
+              <a:buClr>
+                <a:srgbClr val="E67D17"/>
+              </a:buClr>
+              <a:buFont typeface="Wingdings" panose="05000000000000000000" pitchFamily="2" charset="2"/>
+              <a:buChar char="§"/>
+            </a:pPr>
             <a:r>
               <a:rPr lang="pt-BR" smtClean="0"/>
               <a:t>Clique para editar os estilos do texto mestre</a:t>
             </a:r>
           </a:p>
           <a:p>
-            <a:pPr lvl="1"/>
+            <a:pPr lvl="1">
+              <a:buClr>
+                <a:srgbClr val="E67D17"/>
+              </a:buClr>
+            </a:pPr>
             <a:r>
               <a:rPr lang="pt-BR" smtClean="0"/>
               <a:t>Segundo nível</a:t>
             </a:r>
           </a:p>
           <a:p>
-            <a:pPr lvl="2"/>
+            <a:pPr lvl="2">
+              <a:buClr>
+                <a:srgbClr val="E67D17"/>
+              </a:buClr>
+            </a:pPr>
             <a:r>
               <a:rPr lang="pt-BR" smtClean="0"/>
               <a:t>Terceiro nível</a:t>
             </a:r>
           </a:p>
           <a:p>
-            <a:pPr lvl="3"/>
+            <a:pPr lvl="3">
+              <a:buClr>
+                <a:srgbClr val="E67D17"/>
+              </a:buClr>
+            </a:pPr>
             <a:r>
               <a:rPr lang="pt-BR" smtClean="0"/>
               <a:t>Quarto nível</a:t>
             </a:r>
           </a:p>
           <a:p>
-            <a:pPr lvl="4"/>
+            <a:pPr lvl="4">
+              <a:buClr>
+                <a:srgbClr val="E67D17"/>
+              </a:buClr>
+            </a:pPr>
             <a:r>
               <a:rPr lang="pt-BR" smtClean="0"/>
               <a:t>Quinto nível</a:t>
@@ -1716,66 +3549,353 @@
       </p:sp>
       <p:sp>
         <p:nvSpPr>
-          <p:cNvPr id="7" name="Espaço Reservado para Data 6"/>
+          <p:cNvPr id="10" name="Retângulo 9"/>
+          <p:cNvSpPr/>
+          <p:nvPr userDrawn="1"/>
+        </p:nvSpPr>
+        <p:spPr>
+          <a:xfrm>
+            <a:off x="0" y="4803998"/>
+            <a:ext cx="9144000" cy="299518"/>
+          </a:xfrm>
+          <a:prstGeom prst="rect">
+            <a:avLst/>
+          </a:prstGeom>
+          <a:solidFill>
+            <a:srgbClr val="333333"/>
+          </a:solidFill>
+          <a:ln>
+            <a:noFill/>
+          </a:ln>
+        </p:spPr>
+        <p:style>
+          <a:lnRef idx="2">
+            <a:schemeClr val="accent1">
+              <a:shade val="50000"/>
+            </a:schemeClr>
+          </a:lnRef>
+          <a:fillRef idx="1">
+            <a:schemeClr val="accent1"/>
+          </a:fillRef>
+          <a:effectRef idx="0">
+            <a:schemeClr val="accent1"/>
+          </a:effectRef>
+          <a:fontRef idx="minor">
+            <a:schemeClr val="lt1"/>
+          </a:fontRef>
+        </p:style>
+        <p:txBody>
+          <a:bodyPr rtlCol="0" anchor="ctr"/>
+          <a:lstStyle/>
+          <a:p>
+            <a:pPr algn="ctr"/>
+            <a:endParaRPr lang="pt-BR"/>
+          </a:p>
+        </p:txBody>
+      </p:sp>
+      <p:sp>
+        <p:nvSpPr>
+          <p:cNvPr id="11" name="Título 1"/>
           <p:cNvSpPr>
             <a:spLocks noGrp="1"/>
           </p:cNvSpPr>
           <p:nvPr>
-            <p:ph type="dt" sz="half" idx="10"/>
+            <p:ph type="title"/>
           </p:nvPr>
         </p:nvSpPr>
-        <p:spPr/>
-        <p:txBody>
-          <a:bodyPr/>
-          <a:lstStyle/>
-          <a:p>
-            <a:fld id="{2E700DB3-DBF0-4086-B675-117E7A9610B8}" type="datetimeFigureOut">
-              <a:rPr lang="pt-BR" smtClean="0"/>
-              <a:t>20/9/2006</a:t>
-            </a:fld>
+        <p:spPr>
+          <a:xfrm>
+            <a:off x="0" y="627534"/>
+            <a:ext cx="9144000" cy="411510"/>
+          </a:xfrm>
+          <a:prstGeom prst="rect">
+            <a:avLst/>
+          </a:prstGeom>
+          <a:gradFill flip="none" rotWithShape="1">
+            <a:gsLst>
+              <a:gs pos="100000">
+                <a:srgbClr val="E67D17"/>
+              </a:gs>
+              <a:gs pos="0">
+                <a:srgbClr val="333333"/>
+              </a:gs>
+            </a:gsLst>
+            <a:lin ang="10800000" scaled="1"/>
+            <a:tileRect/>
+          </a:gradFill>
+          <a:effectLst>
+            <a:outerShdw blurRad="50800" dist="38100" dir="5400000" algn="t" rotWithShape="0">
+              <a:prstClr val="black">
+                <a:alpha val="40000"/>
+              </a:prstClr>
+            </a:outerShdw>
+          </a:effectLst>
+        </p:spPr>
+        <p:txBody>
+          <a:bodyPr lIns="72000" tIns="0" rIns="0" bIns="0">
+            <a:noAutofit/>
+          </a:bodyPr>
+          <a:lstStyle>
+            <a:lvl1pPr marL="180000" algn="l">
+              <a:defRPr sz="2800">
+                <a:solidFill>
+                  <a:schemeClr val="bg1"/>
+                </a:solidFill>
+              </a:defRPr>
+            </a:lvl1pPr>
+          </a:lstStyle>
+          <a:p>
+            <a:r>
+              <a:rPr lang="pt-BR" dirty="0" smtClean="0"/>
+              <a:t>Clique para editar o estilo do título mestre</a:t>
+            </a:r>
+            <a:endParaRPr lang="pt-BR" dirty="0"/>
+          </a:p>
+        </p:txBody>
+      </p:sp>
+      <p:sp>
+        <p:nvSpPr>
+          <p:cNvPr id="12" name="Retângulo 11"/>
+          <p:cNvSpPr/>
+          <p:nvPr userDrawn="1"/>
+        </p:nvSpPr>
+        <p:spPr>
+          <a:xfrm>
+            <a:off x="0" y="0"/>
+            <a:ext cx="4572000" cy="627534"/>
+          </a:xfrm>
+          <a:prstGeom prst="rect">
+            <a:avLst/>
+          </a:prstGeom>
+          <a:solidFill>
+            <a:srgbClr val="333333"/>
+          </a:solidFill>
+          <a:ln>
+            <a:noFill/>
+          </a:ln>
+        </p:spPr>
+        <p:style>
+          <a:lnRef idx="2">
+            <a:schemeClr val="accent1">
+              <a:shade val="50000"/>
+            </a:schemeClr>
+          </a:lnRef>
+          <a:fillRef idx="1">
+            <a:schemeClr val="accent1"/>
+          </a:fillRef>
+          <a:effectRef idx="0">
+            <a:schemeClr val="accent1"/>
+          </a:effectRef>
+          <a:fontRef idx="minor">
+            <a:schemeClr val="lt1"/>
+          </a:fontRef>
+        </p:style>
+        <p:txBody>
+          <a:bodyPr rtlCol="0" anchor="ctr"/>
+          <a:lstStyle/>
+          <a:p>
+            <a:pPr algn="ctr"/>
             <a:endParaRPr lang="pt-BR"/>
           </a:p>
         </p:txBody>
       </p:sp>
       <p:sp>
         <p:nvSpPr>
-          <p:cNvPr id="8" name="Espaço Reservado para Rodapé 7"/>
-          <p:cNvSpPr>
-            <a:spLocks noGrp="1"/>
-          </p:cNvSpPr>
-          <p:nvPr>
-            <p:ph type="ftr" sz="quarter" idx="11"/>
-          </p:nvPr>
-        </p:nvSpPr>
-        <p:spPr/>
-        <p:txBody>
-          <a:bodyPr/>
-          <a:lstStyle/>
-          <a:p>
+          <p:cNvPr id="13" name="Retângulo 12"/>
+          <p:cNvSpPr/>
+          <p:nvPr userDrawn="1"/>
+        </p:nvSpPr>
+        <p:spPr>
+          <a:xfrm>
+            <a:off x="4572000" y="0"/>
+            <a:ext cx="4572000" cy="627534"/>
+          </a:xfrm>
+          <a:prstGeom prst="rect">
+            <a:avLst/>
+          </a:prstGeom>
+          <a:solidFill>
+            <a:srgbClr val="E67D17"/>
+          </a:solidFill>
+          <a:ln>
+            <a:noFill/>
+          </a:ln>
+        </p:spPr>
+        <p:style>
+          <a:lnRef idx="2">
+            <a:schemeClr val="accent1">
+              <a:shade val="50000"/>
+            </a:schemeClr>
+          </a:lnRef>
+          <a:fillRef idx="1">
+            <a:schemeClr val="accent1"/>
+          </a:fillRef>
+          <a:effectRef idx="0">
+            <a:schemeClr val="accent1"/>
+          </a:effectRef>
+          <a:fontRef idx="minor">
+            <a:schemeClr val="lt1"/>
+          </a:fontRef>
+        </p:style>
+        <p:txBody>
+          <a:bodyPr rtlCol="0" anchor="ctr"/>
+          <a:lstStyle/>
+          <a:p>
+            <a:pPr algn="ctr"/>
             <a:endParaRPr lang="pt-BR"/>
           </a:p>
         </p:txBody>
       </p:sp>
       <p:sp>
         <p:nvSpPr>
-          <p:cNvPr id="9" name="Espaço Reservado para Número de Slide 8"/>
-          <p:cNvSpPr>
-            <a:spLocks noGrp="1"/>
-          </p:cNvSpPr>
-          <p:nvPr>
-            <p:ph type="sldNum" sz="quarter" idx="12"/>
-          </p:nvPr>
-        </p:nvSpPr>
-        <p:spPr/>
-        <p:txBody>
-          <a:bodyPr/>
-          <a:lstStyle/>
-          <a:p>
-            <a:fld id="{2119D8CF-8DEC-4D9F-84EE-ADF04DFF3391}" type="slidenum">
-              <a:rPr lang="pt-BR" smtClean="0"/>
+          <p:cNvPr id="14" name="CaixaDeTexto 13"/>
+          <p:cNvSpPr txBox="1"/>
+          <p:nvPr userDrawn="1"/>
+        </p:nvSpPr>
+        <p:spPr>
+          <a:xfrm>
+            <a:off x="0" y="4806967"/>
+            <a:ext cx="2843808" cy="153888"/>
+          </a:xfrm>
+          <a:prstGeom prst="rect">
+            <a:avLst/>
+          </a:prstGeom>
+          <a:noFill/>
+        </p:spPr>
+        <p:txBody>
+          <a:bodyPr wrap="square" lIns="72000" tIns="0" rIns="0" bIns="0" rtlCol="0">
+            <a:spAutoFit/>
+          </a:bodyPr>
+          <a:lstStyle/>
+          <a:p>
+            <a:r>
+              <a:rPr lang="en-US" sz="1000" noProof="0" dirty="0" smtClean="0">
+                <a:solidFill>
+                  <a:schemeClr val="bg1"/>
+                </a:solidFill>
+              </a:rPr>
+              <a:t>Presentation Date</a:t>
+            </a:r>
+            <a:endParaRPr lang="en-US" sz="1000" noProof="0" dirty="0">
+              <a:solidFill>
+                <a:schemeClr val="bg1"/>
+              </a:solidFill>
+            </a:endParaRPr>
+          </a:p>
+        </p:txBody>
+      </p:sp>
+      <p:sp>
+        <p:nvSpPr>
+          <p:cNvPr id="15" name="CaixaDeTexto 14"/>
+          <p:cNvSpPr txBox="1"/>
+          <p:nvPr userDrawn="1"/>
+        </p:nvSpPr>
+        <p:spPr>
+          <a:xfrm>
+            <a:off x="0" y="4952898"/>
+            <a:ext cx="2843808" cy="153888"/>
+          </a:xfrm>
+          <a:prstGeom prst="rect">
+            <a:avLst/>
+          </a:prstGeom>
+          <a:noFill/>
+        </p:spPr>
+        <p:txBody>
+          <a:bodyPr wrap="square" lIns="72000" tIns="0" rIns="0" bIns="0" rtlCol="0">
+            <a:spAutoFit/>
+          </a:bodyPr>
+          <a:lstStyle/>
+          <a:p>
+            <a:r>
+              <a:rPr lang="en-US" sz="1000" noProof="0" dirty="0" smtClean="0">
+                <a:solidFill>
+                  <a:schemeClr val="bg1"/>
+                </a:solidFill>
+              </a:rPr>
+              <a:t>Author’s Name – Presentation Title</a:t>
+            </a:r>
+            <a:endParaRPr lang="en-US" sz="1000" noProof="0" dirty="0">
+              <a:solidFill>
+                <a:schemeClr val="bg1"/>
+              </a:solidFill>
+            </a:endParaRPr>
+          </a:p>
+        </p:txBody>
+      </p:sp>
+      <p:sp>
+        <p:nvSpPr>
+          <p:cNvPr id="16" name="CaixaDeTexto 15"/>
+          <p:cNvSpPr txBox="1"/>
+          <p:nvPr userDrawn="1"/>
+        </p:nvSpPr>
+        <p:spPr>
+          <a:xfrm>
+            <a:off x="6300192" y="4806967"/>
+            <a:ext cx="2843808" cy="153888"/>
+          </a:xfrm>
+          <a:prstGeom prst="rect">
+            <a:avLst/>
+          </a:prstGeom>
+          <a:noFill/>
+        </p:spPr>
+        <p:txBody>
+          <a:bodyPr wrap="square" lIns="0" tIns="0" rIns="72000" bIns="0" rtlCol="0">
+            <a:spAutoFit/>
+          </a:bodyPr>
+          <a:lstStyle/>
+          <a:p>
+            <a:pPr algn="r"/>
+            <a:fld id="{85F39ACD-A041-4DE4-BA50-0C1576C5C808}" type="slidenum">
+              <a:rPr lang="en-US" sz="1000" noProof="0" smtClean="0">
+                <a:solidFill>
+                  <a:schemeClr val="bg1"/>
+                </a:solidFill>
+              </a:rPr>
               <a:t>‹nº›</a:t>
             </a:fld>
-            <a:endParaRPr lang="pt-BR"/>
+            <a:endParaRPr lang="en-US" sz="1000" noProof="0" dirty="0">
+              <a:solidFill>
+                <a:schemeClr val="bg1"/>
+              </a:solidFill>
+            </a:endParaRPr>
+          </a:p>
+        </p:txBody>
+      </p:sp>
+      <p:sp>
+        <p:nvSpPr>
+          <p:cNvPr id="17" name="CaixaDeTexto 16"/>
+          <p:cNvSpPr txBox="1"/>
+          <p:nvPr userDrawn="1"/>
+        </p:nvSpPr>
+        <p:spPr>
+          <a:xfrm>
+            <a:off x="6300192" y="4952898"/>
+            <a:ext cx="2843808" cy="153888"/>
+          </a:xfrm>
+          <a:prstGeom prst="rect">
+            <a:avLst/>
+          </a:prstGeom>
+          <a:noFill/>
+        </p:spPr>
+        <p:txBody>
+          <a:bodyPr wrap="square" lIns="0" tIns="0" rIns="72000" bIns="0" rtlCol="0">
+            <a:spAutoFit/>
+          </a:bodyPr>
+          <a:lstStyle/>
+          <a:p>
+            <a:pPr algn="r"/>
+            <a:r>
+              <a:rPr lang="en-US" sz="1000" noProof="0" dirty="0" smtClean="0">
+                <a:solidFill>
+                  <a:schemeClr val="bg1"/>
+                </a:solidFill>
+              </a:rPr>
+              <a:t>LIDET (IME - USP)</a:t>
+            </a:r>
+            <a:endParaRPr lang="en-US" sz="1000" noProof="0" dirty="0">
+              <a:solidFill>
+                <a:schemeClr val="bg1"/>
+              </a:solidFill>
+            </a:endParaRPr>
           </a:p>
         </p:txBody>
       </p:sp>
@@ -1788,7 +3908,7 @@
 </file>
 
 <file path=ppt/slideLayouts/slideLayout6.xml><?xml version="1.0" encoding="utf-8"?>
-<p:sldLayout xmlns:a="http://schemas.openxmlformats.org/drawingml/2006/main" xmlns:r="http://schemas.openxmlformats.org/officeDocument/2006/relationships" xmlns:p="http://schemas.openxmlformats.org/presentationml/2006/main" type="titleOnly" preserve="1">
+<p:sldLayout xmlns:a="http://schemas.openxmlformats.org/drawingml/2006/main" xmlns:r="http://schemas.openxmlformats.org/officeDocument/2006/relationships" xmlns:p="http://schemas.openxmlformats.org/presentationml/2006/main" preserve="1" userDrawn="1">
   <p:cSld name="Somente título">
     <p:spTree>
       <p:nvGrpSpPr>
@@ -1806,7 +3926,53 @@
       </p:grpSpPr>
       <p:sp>
         <p:nvSpPr>
-          <p:cNvPr id="2" name="Título 1"/>
+          <p:cNvPr id="6" name="Retângulo 5"/>
+          <p:cNvSpPr/>
+          <p:nvPr userDrawn="1"/>
+        </p:nvSpPr>
+        <p:spPr>
+          <a:xfrm>
+            <a:off x="0" y="4803998"/>
+            <a:ext cx="9144000" cy="299518"/>
+          </a:xfrm>
+          <a:prstGeom prst="rect">
+            <a:avLst/>
+          </a:prstGeom>
+          <a:solidFill>
+            <a:srgbClr val="333333"/>
+          </a:solidFill>
+          <a:ln>
+            <a:noFill/>
+          </a:ln>
+        </p:spPr>
+        <p:style>
+          <a:lnRef idx="2">
+            <a:schemeClr val="accent1">
+              <a:shade val="50000"/>
+            </a:schemeClr>
+          </a:lnRef>
+          <a:fillRef idx="1">
+            <a:schemeClr val="accent1"/>
+          </a:fillRef>
+          <a:effectRef idx="0">
+            <a:schemeClr val="accent1"/>
+          </a:effectRef>
+          <a:fontRef idx="minor">
+            <a:schemeClr val="lt1"/>
+          </a:fontRef>
+        </p:style>
+        <p:txBody>
+          <a:bodyPr rtlCol="0" anchor="ctr"/>
+          <a:lstStyle/>
+          <a:p>
+            <a:pPr algn="ctr"/>
+            <a:endParaRPr lang="pt-BR"/>
+          </a:p>
+        </p:txBody>
+      </p:sp>
+      <p:sp>
+        <p:nvSpPr>
+          <p:cNvPr id="7" name="Título 1"/>
           <p:cNvSpPr>
             <a:spLocks noGrp="1"/>
           </p:cNvSpPr>
@@ -1814,81 +3980,299 @@
             <p:ph type="title"/>
           </p:nvPr>
         </p:nvSpPr>
-        <p:spPr/>
-        <p:txBody>
-          <a:bodyPr/>
-          <a:lstStyle/>
-          <a:p>
-            <a:r>
-              <a:rPr lang="pt-BR" smtClean="0"/>
+        <p:spPr>
+          <a:xfrm>
+            <a:off x="0" y="627534"/>
+            <a:ext cx="9144000" cy="411510"/>
+          </a:xfrm>
+          <a:prstGeom prst="rect">
+            <a:avLst/>
+          </a:prstGeom>
+          <a:gradFill flip="none" rotWithShape="1">
+            <a:gsLst>
+              <a:gs pos="100000">
+                <a:srgbClr val="E67D17"/>
+              </a:gs>
+              <a:gs pos="0">
+                <a:srgbClr val="333333"/>
+              </a:gs>
+            </a:gsLst>
+            <a:lin ang="10800000" scaled="1"/>
+            <a:tileRect/>
+          </a:gradFill>
+          <a:effectLst>
+            <a:outerShdw blurRad="50800" dist="38100" dir="5400000" algn="t" rotWithShape="0">
+              <a:prstClr val="black">
+                <a:alpha val="40000"/>
+              </a:prstClr>
+            </a:outerShdw>
+          </a:effectLst>
+        </p:spPr>
+        <p:txBody>
+          <a:bodyPr lIns="72000" tIns="0" rIns="0" bIns="0">
+            <a:noAutofit/>
+          </a:bodyPr>
+          <a:lstStyle>
+            <a:lvl1pPr marL="180000" algn="l">
+              <a:defRPr sz="2800">
+                <a:solidFill>
+                  <a:schemeClr val="bg1"/>
+                </a:solidFill>
+              </a:defRPr>
+            </a:lvl1pPr>
+          </a:lstStyle>
+          <a:p>
+            <a:r>
+              <a:rPr lang="pt-BR" dirty="0" smtClean="0"/>
               <a:t>Clique para editar o estilo do título mestre</a:t>
             </a:r>
+            <a:endParaRPr lang="pt-BR" dirty="0"/>
+          </a:p>
+        </p:txBody>
+      </p:sp>
+      <p:sp>
+        <p:nvSpPr>
+          <p:cNvPr id="8" name="Retângulo 7"/>
+          <p:cNvSpPr/>
+          <p:nvPr userDrawn="1"/>
+        </p:nvSpPr>
+        <p:spPr>
+          <a:xfrm>
+            <a:off x="0" y="0"/>
+            <a:ext cx="4572000" cy="627534"/>
+          </a:xfrm>
+          <a:prstGeom prst="rect">
+            <a:avLst/>
+          </a:prstGeom>
+          <a:solidFill>
+            <a:srgbClr val="333333"/>
+          </a:solidFill>
+          <a:ln>
+            <a:noFill/>
+          </a:ln>
+        </p:spPr>
+        <p:style>
+          <a:lnRef idx="2">
+            <a:schemeClr val="accent1">
+              <a:shade val="50000"/>
+            </a:schemeClr>
+          </a:lnRef>
+          <a:fillRef idx="1">
+            <a:schemeClr val="accent1"/>
+          </a:fillRef>
+          <a:effectRef idx="0">
+            <a:schemeClr val="accent1"/>
+          </a:effectRef>
+          <a:fontRef idx="minor">
+            <a:schemeClr val="lt1"/>
+          </a:fontRef>
+        </p:style>
+        <p:txBody>
+          <a:bodyPr rtlCol="0" anchor="ctr"/>
+          <a:lstStyle/>
+          <a:p>
+            <a:pPr algn="ctr"/>
             <a:endParaRPr lang="pt-BR"/>
           </a:p>
         </p:txBody>
       </p:sp>
       <p:sp>
         <p:nvSpPr>
-          <p:cNvPr id="3" name="Espaço Reservado para Data 2"/>
-          <p:cNvSpPr>
-            <a:spLocks noGrp="1"/>
-          </p:cNvSpPr>
-          <p:nvPr>
-            <p:ph type="dt" sz="half" idx="10"/>
-          </p:nvPr>
-        </p:nvSpPr>
-        <p:spPr/>
-        <p:txBody>
-          <a:bodyPr/>
-          <a:lstStyle/>
-          <a:p>
-            <a:fld id="{2E700DB3-DBF0-4086-B675-117E7A9610B8}" type="datetimeFigureOut">
-              <a:rPr lang="pt-BR" smtClean="0"/>
-              <a:t>20/9/2006</a:t>
-            </a:fld>
+          <p:cNvPr id="9" name="Retângulo 8"/>
+          <p:cNvSpPr/>
+          <p:nvPr userDrawn="1"/>
+        </p:nvSpPr>
+        <p:spPr>
+          <a:xfrm>
+            <a:off x="4572000" y="0"/>
+            <a:ext cx="4572000" cy="627534"/>
+          </a:xfrm>
+          <a:prstGeom prst="rect">
+            <a:avLst/>
+          </a:prstGeom>
+          <a:solidFill>
+            <a:srgbClr val="E67D17"/>
+          </a:solidFill>
+          <a:ln>
+            <a:noFill/>
+          </a:ln>
+        </p:spPr>
+        <p:style>
+          <a:lnRef idx="2">
+            <a:schemeClr val="accent1">
+              <a:shade val="50000"/>
+            </a:schemeClr>
+          </a:lnRef>
+          <a:fillRef idx="1">
+            <a:schemeClr val="accent1"/>
+          </a:fillRef>
+          <a:effectRef idx="0">
+            <a:schemeClr val="accent1"/>
+          </a:effectRef>
+          <a:fontRef idx="minor">
+            <a:schemeClr val="lt1"/>
+          </a:fontRef>
+        </p:style>
+        <p:txBody>
+          <a:bodyPr rtlCol="0" anchor="ctr"/>
+          <a:lstStyle/>
+          <a:p>
+            <a:pPr algn="ctr"/>
             <a:endParaRPr lang="pt-BR"/>
           </a:p>
         </p:txBody>
       </p:sp>
       <p:sp>
         <p:nvSpPr>
-          <p:cNvPr id="4" name="Espaço Reservado para Rodapé 3"/>
-          <p:cNvSpPr>
-            <a:spLocks noGrp="1"/>
-          </p:cNvSpPr>
-          <p:nvPr>
-            <p:ph type="ftr" sz="quarter" idx="11"/>
-          </p:nvPr>
-        </p:nvSpPr>
-        <p:spPr/>
-        <p:txBody>
-          <a:bodyPr/>
-          <a:lstStyle/>
-          <a:p>
-            <a:endParaRPr lang="pt-BR"/>
-          </a:p>
-        </p:txBody>
-      </p:sp>
-      <p:sp>
-        <p:nvSpPr>
-          <p:cNvPr id="5" name="Espaço Reservado para Número de Slide 4"/>
-          <p:cNvSpPr>
-            <a:spLocks noGrp="1"/>
-          </p:cNvSpPr>
-          <p:nvPr>
-            <p:ph type="sldNum" sz="quarter" idx="12"/>
-          </p:nvPr>
-        </p:nvSpPr>
-        <p:spPr/>
-        <p:txBody>
-          <a:bodyPr/>
-          <a:lstStyle/>
-          <a:p>
-            <a:fld id="{2119D8CF-8DEC-4D9F-84EE-ADF04DFF3391}" type="slidenum">
-              <a:rPr lang="pt-BR" smtClean="0"/>
+          <p:cNvPr id="10" name="CaixaDeTexto 9"/>
+          <p:cNvSpPr txBox="1"/>
+          <p:nvPr userDrawn="1"/>
+        </p:nvSpPr>
+        <p:spPr>
+          <a:xfrm>
+            <a:off x="0" y="4806967"/>
+            <a:ext cx="2843808" cy="153888"/>
+          </a:xfrm>
+          <a:prstGeom prst="rect">
+            <a:avLst/>
+          </a:prstGeom>
+          <a:noFill/>
+        </p:spPr>
+        <p:txBody>
+          <a:bodyPr wrap="square" lIns="72000" tIns="0" rIns="0" bIns="0" rtlCol="0">
+            <a:spAutoFit/>
+          </a:bodyPr>
+          <a:lstStyle/>
+          <a:p>
+            <a:r>
+              <a:rPr lang="en-US" sz="1000" noProof="0" dirty="0" smtClean="0">
+                <a:solidFill>
+                  <a:schemeClr val="bg1"/>
+                </a:solidFill>
+              </a:rPr>
+              <a:t>Presentation Date</a:t>
+            </a:r>
+            <a:endParaRPr lang="en-US" sz="1000" noProof="0" dirty="0">
+              <a:solidFill>
+                <a:schemeClr val="bg1"/>
+              </a:solidFill>
+            </a:endParaRPr>
+          </a:p>
+        </p:txBody>
+      </p:sp>
+      <p:sp>
+        <p:nvSpPr>
+          <p:cNvPr id="11" name="CaixaDeTexto 10"/>
+          <p:cNvSpPr txBox="1"/>
+          <p:nvPr userDrawn="1"/>
+        </p:nvSpPr>
+        <p:spPr>
+          <a:xfrm>
+            <a:off x="0" y="4952898"/>
+            <a:ext cx="2843808" cy="153888"/>
+          </a:xfrm>
+          <a:prstGeom prst="rect">
+            <a:avLst/>
+          </a:prstGeom>
+          <a:noFill/>
+        </p:spPr>
+        <p:txBody>
+          <a:bodyPr wrap="square" lIns="72000" tIns="0" rIns="0" bIns="0" rtlCol="0">
+            <a:spAutoFit/>
+          </a:bodyPr>
+          <a:lstStyle/>
+          <a:p>
+            <a:r>
+              <a:rPr lang="en-US" sz="1000" noProof="0" dirty="0" smtClean="0">
+                <a:solidFill>
+                  <a:schemeClr val="bg1"/>
+                </a:solidFill>
+              </a:rPr>
+              <a:t>Author’s Name – Presentation Title</a:t>
+            </a:r>
+            <a:endParaRPr lang="en-US" sz="1000" noProof="0" dirty="0">
+              <a:solidFill>
+                <a:schemeClr val="bg1"/>
+              </a:solidFill>
+            </a:endParaRPr>
+          </a:p>
+        </p:txBody>
+      </p:sp>
+      <p:sp>
+        <p:nvSpPr>
+          <p:cNvPr id="12" name="CaixaDeTexto 11"/>
+          <p:cNvSpPr txBox="1"/>
+          <p:nvPr userDrawn="1"/>
+        </p:nvSpPr>
+        <p:spPr>
+          <a:xfrm>
+            <a:off x="6300192" y="4806967"/>
+            <a:ext cx="2843808" cy="153888"/>
+          </a:xfrm>
+          <a:prstGeom prst="rect">
+            <a:avLst/>
+          </a:prstGeom>
+          <a:noFill/>
+        </p:spPr>
+        <p:txBody>
+          <a:bodyPr wrap="square" lIns="0" tIns="0" rIns="72000" bIns="0" rtlCol="0">
+            <a:spAutoFit/>
+          </a:bodyPr>
+          <a:lstStyle/>
+          <a:p>
+            <a:pPr algn="r"/>
+            <a:fld id="{85F39ACD-A041-4DE4-BA50-0C1576C5C808}" type="slidenum">
+              <a:rPr lang="en-US" sz="1000" noProof="0" smtClean="0">
+                <a:solidFill>
+                  <a:schemeClr val="bg1"/>
+                </a:solidFill>
+              </a:rPr>
               <a:t>‹nº›</a:t>
             </a:fld>
-            <a:endParaRPr lang="pt-BR"/>
+            <a:endParaRPr lang="en-US" sz="1000" noProof="0" dirty="0">
+              <a:solidFill>
+                <a:schemeClr val="bg1"/>
+              </a:solidFill>
+            </a:endParaRPr>
+          </a:p>
+        </p:txBody>
+      </p:sp>
+      <p:sp>
+        <p:nvSpPr>
+          <p:cNvPr id="13" name="CaixaDeTexto 12"/>
+          <p:cNvSpPr txBox="1"/>
+          <p:nvPr userDrawn="1"/>
+        </p:nvSpPr>
+        <p:spPr>
+          <a:xfrm>
+            <a:off x="6300192" y="4952898"/>
+            <a:ext cx="2843808" cy="153888"/>
+          </a:xfrm>
+          <a:prstGeom prst="rect">
+            <a:avLst/>
+          </a:prstGeom>
+          <a:noFill/>
+        </p:spPr>
+        <p:txBody>
+          <a:bodyPr wrap="square" lIns="0" tIns="0" rIns="72000" bIns="0" rtlCol="0">
+            <a:spAutoFit/>
+          </a:bodyPr>
+          <a:lstStyle/>
+          <a:p>
+            <a:pPr algn="r"/>
+            <a:r>
+              <a:rPr lang="en-US" sz="1000" noProof="0" dirty="0" smtClean="0">
+                <a:solidFill>
+                  <a:schemeClr val="bg1"/>
+                </a:solidFill>
+              </a:rPr>
+              <a:t>LIDET (IME - USP)</a:t>
+            </a:r>
+            <a:endParaRPr lang="en-US" sz="1000" noProof="0" dirty="0">
+              <a:solidFill>
+                <a:schemeClr val="bg1"/>
+              </a:solidFill>
+            </a:endParaRPr>
           </a:p>
         </p:txBody>
       </p:sp>
@@ -1919,66 +4303,293 @@
       </p:grpSpPr>
       <p:sp>
         <p:nvSpPr>
-          <p:cNvPr id="2" name="Espaço Reservado para Data 1"/>
-          <p:cNvSpPr>
-            <a:spLocks noGrp="1"/>
-          </p:cNvSpPr>
-          <p:nvPr>
-            <p:ph type="dt" sz="half" idx="10"/>
-          </p:nvPr>
-        </p:nvSpPr>
-        <p:spPr/>
-        <p:txBody>
-          <a:bodyPr/>
-          <a:lstStyle/>
-          <a:p>
-            <a:fld id="{2E700DB3-DBF0-4086-B675-117E7A9610B8}" type="datetimeFigureOut">
-              <a:rPr lang="pt-BR" smtClean="0"/>
-              <a:t>20/9/2006</a:t>
-            </a:fld>
+          <p:cNvPr id="5" name="Retângulo 4"/>
+          <p:cNvSpPr/>
+          <p:nvPr userDrawn="1"/>
+        </p:nvSpPr>
+        <p:spPr>
+          <a:xfrm>
+            <a:off x="0" y="4803998"/>
+            <a:ext cx="9144000" cy="299518"/>
+          </a:xfrm>
+          <a:prstGeom prst="rect">
+            <a:avLst/>
+          </a:prstGeom>
+          <a:solidFill>
+            <a:srgbClr val="333333"/>
+          </a:solidFill>
+          <a:ln>
+            <a:noFill/>
+          </a:ln>
+        </p:spPr>
+        <p:style>
+          <a:lnRef idx="2">
+            <a:schemeClr val="accent1">
+              <a:shade val="50000"/>
+            </a:schemeClr>
+          </a:lnRef>
+          <a:fillRef idx="1">
+            <a:schemeClr val="accent1"/>
+          </a:fillRef>
+          <a:effectRef idx="0">
+            <a:schemeClr val="accent1"/>
+          </a:effectRef>
+          <a:fontRef idx="minor">
+            <a:schemeClr val="lt1"/>
+          </a:fontRef>
+        </p:style>
+        <p:txBody>
+          <a:bodyPr rtlCol="0" anchor="ctr"/>
+          <a:lstStyle/>
+          <a:p>
+            <a:pPr algn="ctr"/>
             <a:endParaRPr lang="pt-BR"/>
           </a:p>
         </p:txBody>
       </p:sp>
       <p:sp>
         <p:nvSpPr>
-          <p:cNvPr id="3" name="Espaço Reservado para Rodapé 2"/>
-          <p:cNvSpPr>
-            <a:spLocks noGrp="1"/>
-          </p:cNvSpPr>
-          <p:nvPr>
-            <p:ph type="ftr" sz="quarter" idx="11"/>
-          </p:nvPr>
-        </p:nvSpPr>
-        <p:spPr/>
-        <p:txBody>
-          <a:bodyPr/>
-          <a:lstStyle/>
-          <a:p>
+          <p:cNvPr id="6" name="Retângulo 5"/>
+          <p:cNvSpPr/>
+          <p:nvPr userDrawn="1"/>
+        </p:nvSpPr>
+        <p:spPr>
+          <a:xfrm>
+            <a:off x="0" y="0"/>
+            <a:ext cx="4572000" cy="627534"/>
+          </a:xfrm>
+          <a:prstGeom prst="rect">
+            <a:avLst/>
+          </a:prstGeom>
+          <a:solidFill>
+            <a:srgbClr val="333333"/>
+          </a:solidFill>
+          <a:ln>
+            <a:noFill/>
+          </a:ln>
+        </p:spPr>
+        <p:style>
+          <a:lnRef idx="2">
+            <a:schemeClr val="accent1">
+              <a:shade val="50000"/>
+            </a:schemeClr>
+          </a:lnRef>
+          <a:fillRef idx="1">
+            <a:schemeClr val="accent1"/>
+          </a:fillRef>
+          <a:effectRef idx="0">
+            <a:schemeClr val="accent1"/>
+          </a:effectRef>
+          <a:fontRef idx="minor">
+            <a:schemeClr val="lt1"/>
+          </a:fontRef>
+        </p:style>
+        <p:txBody>
+          <a:bodyPr rtlCol="0" anchor="ctr"/>
+          <a:lstStyle/>
+          <a:p>
+            <a:pPr algn="ctr"/>
             <a:endParaRPr lang="pt-BR"/>
           </a:p>
         </p:txBody>
       </p:sp>
       <p:sp>
         <p:nvSpPr>
-          <p:cNvPr id="4" name="Espaço Reservado para Número de Slide 3"/>
-          <p:cNvSpPr>
-            <a:spLocks noGrp="1"/>
-          </p:cNvSpPr>
-          <p:nvPr>
-            <p:ph type="sldNum" sz="quarter" idx="12"/>
-          </p:nvPr>
-        </p:nvSpPr>
-        <p:spPr/>
-        <p:txBody>
-          <a:bodyPr/>
-          <a:lstStyle/>
-          <a:p>
-            <a:fld id="{2119D8CF-8DEC-4D9F-84EE-ADF04DFF3391}" type="slidenum">
-              <a:rPr lang="pt-BR" smtClean="0"/>
+          <p:cNvPr id="7" name="Retângulo 6"/>
+          <p:cNvSpPr/>
+          <p:nvPr userDrawn="1"/>
+        </p:nvSpPr>
+        <p:spPr>
+          <a:xfrm>
+            <a:off x="4572000" y="0"/>
+            <a:ext cx="4572000" cy="627534"/>
+          </a:xfrm>
+          <a:prstGeom prst="rect">
+            <a:avLst/>
+          </a:prstGeom>
+          <a:solidFill>
+            <a:srgbClr val="E67D17"/>
+          </a:solidFill>
+          <a:ln>
+            <a:noFill/>
+          </a:ln>
+        </p:spPr>
+        <p:style>
+          <a:lnRef idx="2">
+            <a:schemeClr val="accent1">
+              <a:shade val="50000"/>
+            </a:schemeClr>
+          </a:lnRef>
+          <a:fillRef idx="1">
+            <a:schemeClr val="accent1"/>
+          </a:fillRef>
+          <a:effectRef idx="0">
+            <a:schemeClr val="accent1"/>
+          </a:effectRef>
+          <a:fontRef idx="minor">
+            <a:schemeClr val="lt1"/>
+          </a:fontRef>
+        </p:style>
+        <p:txBody>
+          <a:bodyPr rtlCol="0" anchor="ctr"/>
+          <a:lstStyle/>
+          <a:p>
+            <a:pPr algn="ctr"/>
+            <a:endParaRPr lang="pt-BR"/>
+          </a:p>
+        </p:txBody>
+      </p:sp>
+      <p:sp>
+        <p:nvSpPr>
+          <p:cNvPr id="8" name="CaixaDeTexto 7"/>
+          <p:cNvSpPr txBox="1"/>
+          <p:nvPr userDrawn="1"/>
+        </p:nvSpPr>
+        <p:spPr>
+          <a:xfrm>
+            <a:off x="0" y="4806967"/>
+            <a:ext cx="2843808" cy="153888"/>
+          </a:xfrm>
+          <a:prstGeom prst="rect">
+            <a:avLst/>
+          </a:prstGeom>
+          <a:noFill/>
+        </p:spPr>
+        <p:txBody>
+          <a:bodyPr wrap="square" lIns="72000" tIns="0" rIns="0" bIns="0" rtlCol="0">
+            <a:spAutoFit/>
+          </a:bodyPr>
+          <a:lstStyle/>
+          <a:p>
+            <a:r>
+              <a:rPr lang="en-US" sz="1000" noProof="0" dirty="0" smtClean="0">
+                <a:solidFill>
+                  <a:schemeClr val="bg1"/>
+                </a:solidFill>
+              </a:rPr>
+              <a:t>Presentation Date</a:t>
+            </a:r>
+            <a:endParaRPr lang="en-US" sz="1000" noProof="0" dirty="0">
+              <a:solidFill>
+                <a:schemeClr val="bg1"/>
+              </a:solidFill>
+            </a:endParaRPr>
+          </a:p>
+        </p:txBody>
+      </p:sp>
+      <p:sp>
+        <p:nvSpPr>
+          <p:cNvPr id="9" name="CaixaDeTexto 8"/>
+          <p:cNvSpPr txBox="1"/>
+          <p:nvPr userDrawn="1"/>
+        </p:nvSpPr>
+        <p:spPr>
+          <a:xfrm>
+            <a:off x="0" y="4952898"/>
+            <a:ext cx="2843808" cy="153888"/>
+          </a:xfrm>
+          <a:prstGeom prst="rect">
+            <a:avLst/>
+          </a:prstGeom>
+          <a:noFill/>
+        </p:spPr>
+        <p:txBody>
+          <a:bodyPr wrap="square" lIns="72000" tIns="0" rIns="0" bIns="0" rtlCol="0">
+            <a:spAutoFit/>
+          </a:bodyPr>
+          <a:lstStyle/>
+          <a:p>
+            <a:r>
+              <a:rPr lang="en-US" sz="1000" noProof="0" dirty="0" smtClean="0">
+                <a:solidFill>
+                  <a:schemeClr val="bg1"/>
+                </a:solidFill>
+              </a:rPr>
+              <a:t>Author’s Name – Presentation Title</a:t>
+            </a:r>
+            <a:endParaRPr lang="en-US" sz="1000" noProof="0" dirty="0">
+              <a:solidFill>
+                <a:schemeClr val="bg1"/>
+              </a:solidFill>
+            </a:endParaRPr>
+          </a:p>
+        </p:txBody>
+      </p:sp>
+      <p:sp>
+        <p:nvSpPr>
+          <p:cNvPr id="10" name="CaixaDeTexto 9"/>
+          <p:cNvSpPr txBox="1"/>
+          <p:nvPr userDrawn="1"/>
+        </p:nvSpPr>
+        <p:spPr>
+          <a:xfrm>
+            <a:off x="6300192" y="4806967"/>
+            <a:ext cx="2843808" cy="153888"/>
+          </a:xfrm>
+          <a:prstGeom prst="rect">
+            <a:avLst/>
+          </a:prstGeom>
+          <a:noFill/>
+        </p:spPr>
+        <p:txBody>
+          <a:bodyPr wrap="square" lIns="0" tIns="0" rIns="72000" bIns="0" rtlCol="0">
+            <a:spAutoFit/>
+          </a:bodyPr>
+          <a:lstStyle/>
+          <a:p>
+            <a:pPr algn="r"/>
+            <a:fld id="{85F39ACD-A041-4DE4-BA50-0C1576C5C808}" type="slidenum">
+              <a:rPr lang="en-US" sz="1000" noProof="0" smtClean="0">
+                <a:solidFill>
+                  <a:schemeClr val="bg1"/>
+                </a:solidFill>
+              </a:rPr>
               <a:t>‹nº›</a:t>
             </a:fld>
-            <a:endParaRPr lang="pt-BR"/>
+            <a:endParaRPr lang="en-US" sz="1000" noProof="0" dirty="0">
+              <a:solidFill>
+                <a:schemeClr val="bg1"/>
+              </a:solidFill>
+            </a:endParaRPr>
+          </a:p>
+        </p:txBody>
+      </p:sp>
+      <p:sp>
+        <p:nvSpPr>
+          <p:cNvPr id="11" name="CaixaDeTexto 10"/>
+          <p:cNvSpPr txBox="1"/>
+          <p:nvPr userDrawn="1"/>
+        </p:nvSpPr>
+        <p:spPr>
+          <a:xfrm>
+            <a:off x="6300192" y="4952898"/>
+            <a:ext cx="2843808" cy="153888"/>
+          </a:xfrm>
+          <a:prstGeom prst="rect">
+            <a:avLst/>
+          </a:prstGeom>
+          <a:noFill/>
+        </p:spPr>
+        <p:txBody>
+          <a:bodyPr wrap="square" lIns="0" tIns="0" rIns="72000" bIns="0" rtlCol="0">
+            <a:spAutoFit/>
+          </a:bodyPr>
+          <a:lstStyle/>
+          <a:p>
+            <a:pPr algn="r"/>
+            <a:r>
+              <a:rPr lang="en-US" sz="1000" noProof="0" dirty="0" smtClean="0">
+                <a:solidFill>
+                  <a:schemeClr val="bg1"/>
+                </a:solidFill>
+              </a:rPr>
+              <a:t>LIDET (IME - USP)</a:t>
+            </a:r>
+            <a:endParaRPr lang="en-US" sz="1000" noProof="0" dirty="0">
+              <a:solidFill>
+                <a:schemeClr val="bg1"/>
+              </a:solidFill>
+            </a:endParaRPr>
           </a:p>
         </p:txBody>
       </p:sp>
@@ -2019,23 +4630,30 @@
         </p:nvSpPr>
         <p:spPr>
           <a:xfrm>
-            <a:off x="457200" y="273050"/>
-            <a:ext cx="3008313" cy="1162050"/>
-          </a:xfrm>
+            <a:off x="467544" y="699542"/>
+            <a:ext cx="3008313" cy="871538"/>
+          </a:xfrm>
+          <a:prstGeom prst="rect">
+            <a:avLst/>
+          </a:prstGeom>
         </p:spPr>
         <p:txBody>
           <a:bodyPr anchor="b"/>
           <a:lstStyle>
             <a:lvl1pPr algn="l">
-              <a:defRPr sz="2000" b="1"/>
+              <a:defRPr sz="2000" b="1">
+                <a:solidFill>
+                  <a:srgbClr val="E67D17"/>
+                </a:solidFill>
+              </a:defRPr>
             </a:lvl1pPr>
           </a:lstStyle>
           <a:p>
             <a:r>
-              <a:rPr lang="pt-BR" smtClean="0"/>
+              <a:rPr lang="pt-BR" dirty="0" smtClean="0"/>
               <a:t>Clique para editar o estilo do título mestre</a:t>
             </a:r>
-            <a:endParaRPr lang="pt-BR"/>
+            <a:endParaRPr lang="pt-BR" dirty="0"/>
           </a:p>
         </p:txBody>
       </p:sp>
@@ -2051,76 +4669,89 @@
         </p:nvSpPr>
         <p:spPr>
           <a:xfrm>
-            <a:off x="3575050" y="273050"/>
-            <a:ext cx="5111750" cy="5853113"/>
-          </a:xfrm>
+            <a:off x="3575050" y="699542"/>
+            <a:ext cx="5111750" cy="3895081"/>
+          </a:xfrm>
+          <a:prstGeom prst="rect">
+            <a:avLst/>
+          </a:prstGeom>
         </p:spPr>
         <p:txBody>
           <a:bodyPr/>
           <a:lstStyle>
             <a:lvl1pPr>
-              <a:defRPr sz="3200"/>
+              <a:defRPr lang="pt-BR" dirty="0" smtClean="0"/>
             </a:lvl1pPr>
             <a:lvl2pPr>
-              <a:defRPr sz="2800"/>
+              <a:defRPr lang="pt-BR" dirty="0" smtClean="0"/>
             </a:lvl2pPr>
             <a:lvl3pPr>
-              <a:defRPr sz="2400"/>
+              <a:defRPr lang="pt-BR" dirty="0" smtClean="0"/>
             </a:lvl3pPr>
             <a:lvl4pPr>
-              <a:defRPr sz="2000"/>
+              <a:defRPr lang="pt-BR" dirty="0" smtClean="0"/>
             </a:lvl4pPr>
             <a:lvl5pPr>
-              <a:defRPr sz="2000"/>
+              <a:defRPr lang="pt-BR" dirty="0"/>
             </a:lvl5pPr>
-            <a:lvl6pPr>
-              <a:defRPr sz="2000"/>
-            </a:lvl6pPr>
-            <a:lvl7pPr>
-              <a:defRPr sz="2000"/>
-            </a:lvl7pPr>
-            <a:lvl8pPr>
-              <a:defRPr sz="2000"/>
-            </a:lvl8pPr>
-            <a:lvl9pPr>
-              <a:defRPr sz="2000"/>
-            </a:lvl9pPr>
           </a:lstStyle>
           <a:p>
-            <a:pPr lvl="0"/>
-            <a:r>
-              <a:rPr lang="pt-BR" smtClean="0"/>
+            <a:pPr lvl="0">
+              <a:buClr>
+                <a:srgbClr val="E67D17"/>
+              </a:buClr>
+              <a:buFont typeface="Wingdings" panose="05000000000000000000" pitchFamily="2" charset="2"/>
+              <a:buChar char="§"/>
+            </a:pPr>
+            <a:r>
+              <a:rPr lang="pt-BR" dirty="0" smtClean="0"/>
               <a:t>Clique para editar os estilos do texto mestre</a:t>
             </a:r>
           </a:p>
           <a:p>
-            <a:pPr lvl="1"/>
-            <a:r>
-              <a:rPr lang="pt-BR" smtClean="0"/>
+            <a:pPr lvl="1">
+              <a:buClr>
+                <a:srgbClr val="E67D17"/>
+              </a:buClr>
+            </a:pPr>
+            <a:r>
+              <a:rPr lang="pt-BR" dirty="0" smtClean="0"/>
               <a:t>Segundo nível</a:t>
             </a:r>
           </a:p>
           <a:p>
-            <a:pPr lvl="2"/>
-            <a:r>
-              <a:rPr lang="pt-BR" smtClean="0"/>
+            <a:pPr lvl="2">
+              <a:buClr>
+                <a:srgbClr val="E67D17"/>
+              </a:buClr>
+            </a:pPr>
+            <a:r>
+              <a:rPr lang="pt-BR" dirty="0" smtClean="0"/>
               <a:t>Terceiro nível</a:t>
             </a:r>
           </a:p>
           <a:p>
-            <a:pPr lvl="3"/>
-            <a:r>
-              <a:rPr lang="pt-BR" smtClean="0"/>
+            <a:pPr lvl="3">
+              <a:buClr>
+                <a:srgbClr val="E67D17"/>
+              </a:buClr>
+            </a:pPr>
+            <a:r>
+              <a:rPr lang="pt-BR" dirty="0" smtClean="0"/>
               <a:t>Quarto nível</a:t>
             </a:r>
           </a:p>
           <a:p>
-            <a:pPr lvl="4"/>
-            <a:r>
-              <a:rPr lang="pt-BR" smtClean="0"/>
+            <a:pPr lvl="4">
+              <a:buClr>
+                <a:srgbClr val="E67D17"/>
+              </a:buClr>
+            </a:pPr>
+            <a:r>
+              <a:rPr lang="pt-BR" dirty="0" smtClean="0"/>
               <a:t>Quinto nível</a:t>
             </a:r>
-            <a:endParaRPr lang="pt-BR"/>
+            <a:endParaRPr lang="pt-BR" dirty="0"/>
           </a:p>
         </p:txBody>
       </p:sp>
@@ -2136,9 +4767,12 @@
         </p:nvSpPr>
         <p:spPr>
           <a:xfrm>
-            <a:off x="457200" y="1435100"/>
-            <a:ext cx="3008313" cy="4691063"/>
-          </a:xfrm>
+            <a:off x="457201" y="1563638"/>
+            <a:ext cx="3008313" cy="3030985"/>
+          </a:xfrm>
+          <a:prstGeom prst="rect">
+            <a:avLst/>
+          </a:prstGeom>
         </p:spPr>
         <p:txBody>
           <a:bodyPr/>
@@ -2183,7 +4817,7 @@
           <a:p>
             <a:pPr lvl="0"/>
             <a:r>
-              <a:rPr lang="pt-BR" smtClean="0"/>
+              <a:rPr lang="pt-BR" dirty="0" smtClean="0"/>
               <a:t>Clique para editar os estilos do texto mestre</a:t>
             </a:r>
           </a:p>
@@ -2191,66 +4825,293 @@
       </p:sp>
       <p:sp>
         <p:nvSpPr>
-          <p:cNvPr id="5" name="Espaço Reservado para Data 4"/>
-          <p:cNvSpPr>
-            <a:spLocks noGrp="1"/>
-          </p:cNvSpPr>
-          <p:nvPr>
-            <p:ph type="dt" sz="half" idx="10"/>
-          </p:nvPr>
-        </p:nvSpPr>
-        <p:spPr/>
-        <p:txBody>
-          <a:bodyPr/>
-          <a:lstStyle/>
-          <a:p>
-            <a:fld id="{2E700DB3-DBF0-4086-B675-117E7A9610B8}" type="datetimeFigureOut">
-              <a:rPr lang="pt-BR" smtClean="0"/>
-              <a:t>20/9/2006</a:t>
-            </a:fld>
+          <p:cNvPr id="8" name="Retângulo 7"/>
+          <p:cNvSpPr/>
+          <p:nvPr userDrawn="1"/>
+        </p:nvSpPr>
+        <p:spPr>
+          <a:xfrm>
+            <a:off x="0" y="4803998"/>
+            <a:ext cx="9144000" cy="299518"/>
+          </a:xfrm>
+          <a:prstGeom prst="rect">
+            <a:avLst/>
+          </a:prstGeom>
+          <a:solidFill>
+            <a:srgbClr val="333333"/>
+          </a:solidFill>
+          <a:ln>
+            <a:noFill/>
+          </a:ln>
+        </p:spPr>
+        <p:style>
+          <a:lnRef idx="2">
+            <a:schemeClr val="accent1">
+              <a:shade val="50000"/>
+            </a:schemeClr>
+          </a:lnRef>
+          <a:fillRef idx="1">
+            <a:schemeClr val="accent1"/>
+          </a:fillRef>
+          <a:effectRef idx="0">
+            <a:schemeClr val="accent1"/>
+          </a:effectRef>
+          <a:fontRef idx="minor">
+            <a:schemeClr val="lt1"/>
+          </a:fontRef>
+        </p:style>
+        <p:txBody>
+          <a:bodyPr rtlCol="0" anchor="ctr"/>
+          <a:lstStyle/>
+          <a:p>
+            <a:pPr algn="ctr"/>
             <a:endParaRPr lang="pt-BR"/>
           </a:p>
         </p:txBody>
       </p:sp>
       <p:sp>
         <p:nvSpPr>
-          <p:cNvPr id="6" name="Espaço Reservado para Rodapé 5"/>
-          <p:cNvSpPr>
-            <a:spLocks noGrp="1"/>
-          </p:cNvSpPr>
-          <p:nvPr>
-            <p:ph type="ftr" sz="quarter" idx="11"/>
-          </p:nvPr>
-        </p:nvSpPr>
-        <p:spPr/>
-        <p:txBody>
-          <a:bodyPr/>
-          <a:lstStyle/>
-          <a:p>
+          <p:cNvPr id="9" name="Retângulo 8"/>
+          <p:cNvSpPr/>
+          <p:nvPr userDrawn="1"/>
+        </p:nvSpPr>
+        <p:spPr>
+          <a:xfrm>
+            <a:off x="0" y="0"/>
+            <a:ext cx="4572000" cy="627534"/>
+          </a:xfrm>
+          <a:prstGeom prst="rect">
+            <a:avLst/>
+          </a:prstGeom>
+          <a:solidFill>
+            <a:srgbClr val="333333"/>
+          </a:solidFill>
+          <a:ln>
+            <a:noFill/>
+          </a:ln>
+        </p:spPr>
+        <p:style>
+          <a:lnRef idx="2">
+            <a:schemeClr val="accent1">
+              <a:shade val="50000"/>
+            </a:schemeClr>
+          </a:lnRef>
+          <a:fillRef idx="1">
+            <a:schemeClr val="accent1"/>
+          </a:fillRef>
+          <a:effectRef idx="0">
+            <a:schemeClr val="accent1"/>
+          </a:effectRef>
+          <a:fontRef idx="minor">
+            <a:schemeClr val="lt1"/>
+          </a:fontRef>
+        </p:style>
+        <p:txBody>
+          <a:bodyPr rtlCol="0" anchor="ctr"/>
+          <a:lstStyle/>
+          <a:p>
+            <a:pPr algn="ctr"/>
             <a:endParaRPr lang="pt-BR"/>
           </a:p>
         </p:txBody>
       </p:sp>
       <p:sp>
         <p:nvSpPr>
-          <p:cNvPr id="7" name="Espaço Reservado para Número de Slide 6"/>
-          <p:cNvSpPr>
-            <a:spLocks noGrp="1"/>
-          </p:cNvSpPr>
-          <p:nvPr>
-            <p:ph type="sldNum" sz="quarter" idx="12"/>
-          </p:nvPr>
-        </p:nvSpPr>
-        <p:spPr/>
-        <p:txBody>
-          <a:bodyPr/>
-          <a:lstStyle/>
-          <a:p>
-            <a:fld id="{2119D8CF-8DEC-4D9F-84EE-ADF04DFF3391}" type="slidenum">
-              <a:rPr lang="pt-BR" smtClean="0"/>
+          <p:cNvPr id="10" name="Retângulo 9"/>
+          <p:cNvSpPr/>
+          <p:nvPr userDrawn="1"/>
+        </p:nvSpPr>
+        <p:spPr>
+          <a:xfrm>
+            <a:off x="4572000" y="0"/>
+            <a:ext cx="4572000" cy="627534"/>
+          </a:xfrm>
+          <a:prstGeom prst="rect">
+            <a:avLst/>
+          </a:prstGeom>
+          <a:solidFill>
+            <a:srgbClr val="E67D17"/>
+          </a:solidFill>
+          <a:ln>
+            <a:noFill/>
+          </a:ln>
+        </p:spPr>
+        <p:style>
+          <a:lnRef idx="2">
+            <a:schemeClr val="accent1">
+              <a:shade val="50000"/>
+            </a:schemeClr>
+          </a:lnRef>
+          <a:fillRef idx="1">
+            <a:schemeClr val="accent1"/>
+          </a:fillRef>
+          <a:effectRef idx="0">
+            <a:schemeClr val="accent1"/>
+          </a:effectRef>
+          <a:fontRef idx="minor">
+            <a:schemeClr val="lt1"/>
+          </a:fontRef>
+        </p:style>
+        <p:txBody>
+          <a:bodyPr rtlCol="0" anchor="ctr"/>
+          <a:lstStyle/>
+          <a:p>
+            <a:pPr algn="ctr"/>
+            <a:endParaRPr lang="pt-BR"/>
+          </a:p>
+        </p:txBody>
+      </p:sp>
+      <p:sp>
+        <p:nvSpPr>
+          <p:cNvPr id="11" name="CaixaDeTexto 10"/>
+          <p:cNvSpPr txBox="1"/>
+          <p:nvPr userDrawn="1"/>
+        </p:nvSpPr>
+        <p:spPr>
+          <a:xfrm>
+            <a:off x="0" y="4806967"/>
+            <a:ext cx="2843808" cy="153888"/>
+          </a:xfrm>
+          <a:prstGeom prst="rect">
+            <a:avLst/>
+          </a:prstGeom>
+          <a:noFill/>
+        </p:spPr>
+        <p:txBody>
+          <a:bodyPr wrap="square" lIns="72000" tIns="0" rIns="0" bIns="0" rtlCol="0">
+            <a:spAutoFit/>
+          </a:bodyPr>
+          <a:lstStyle/>
+          <a:p>
+            <a:r>
+              <a:rPr lang="en-US" sz="1000" noProof="0" dirty="0" smtClean="0">
+                <a:solidFill>
+                  <a:schemeClr val="bg1"/>
+                </a:solidFill>
+              </a:rPr>
+              <a:t>Presentation Date</a:t>
+            </a:r>
+            <a:endParaRPr lang="en-US" sz="1000" noProof="0" dirty="0">
+              <a:solidFill>
+                <a:schemeClr val="bg1"/>
+              </a:solidFill>
+            </a:endParaRPr>
+          </a:p>
+        </p:txBody>
+      </p:sp>
+      <p:sp>
+        <p:nvSpPr>
+          <p:cNvPr id="12" name="CaixaDeTexto 11"/>
+          <p:cNvSpPr txBox="1"/>
+          <p:nvPr userDrawn="1"/>
+        </p:nvSpPr>
+        <p:spPr>
+          <a:xfrm>
+            <a:off x="0" y="4952898"/>
+            <a:ext cx="2843808" cy="153888"/>
+          </a:xfrm>
+          <a:prstGeom prst="rect">
+            <a:avLst/>
+          </a:prstGeom>
+          <a:noFill/>
+        </p:spPr>
+        <p:txBody>
+          <a:bodyPr wrap="square" lIns="72000" tIns="0" rIns="0" bIns="0" rtlCol="0">
+            <a:spAutoFit/>
+          </a:bodyPr>
+          <a:lstStyle/>
+          <a:p>
+            <a:r>
+              <a:rPr lang="en-US" sz="1000" noProof="0" dirty="0" smtClean="0">
+                <a:solidFill>
+                  <a:schemeClr val="bg1"/>
+                </a:solidFill>
+              </a:rPr>
+              <a:t>Author’s Name – Presentation Title</a:t>
+            </a:r>
+            <a:endParaRPr lang="en-US" sz="1000" noProof="0" dirty="0">
+              <a:solidFill>
+                <a:schemeClr val="bg1"/>
+              </a:solidFill>
+            </a:endParaRPr>
+          </a:p>
+        </p:txBody>
+      </p:sp>
+      <p:sp>
+        <p:nvSpPr>
+          <p:cNvPr id="13" name="CaixaDeTexto 12"/>
+          <p:cNvSpPr txBox="1"/>
+          <p:nvPr userDrawn="1"/>
+        </p:nvSpPr>
+        <p:spPr>
+          <a:xfrm>
+            <a:off x="6300192" y="4806967"/>
+            <a:ext cx="2843808" cy="153888"/>
+          </a:xfrm>
+          <a:prstGeom prst="rect">
+            <a:avLst/>
+          </a:prstGeom>
+          <a:noFill/>
+        </p:spPr>
+        <p:txBody>
+          <a:bodyPr wrap="square" lIns="0" tIns="0" rIns="72000" bIns="0" rtlCol="0">
+            <a:spAutoFit/>
+          </a:bodyPr>
+          <a:lstStyle/>
+          <a:p>
+            <a:pPr algn="r"/>
+            <a:fld id="{85F39ACD-A041-4DE4-BA50-0C1576C5C808}" type="slidenum">
+              <a:rPr lang="en-US" sz="1000" noProof="0" smtClean="0">
+                <a:solidFill>
+                  <a:schemeClr val="bg1"/>
+                </a:solidFill>
+              </a:rPr>
               <a:t>‹nº›</a:t>
             </a:fld>
-            <a:endParaRPr lang="pt-BR"/>
+            <a:endParaRPr lang="en-US" sz="1000" noProof="0" dirty="0">
+              <a:solidFill>
+                <a:schemeClr val="bg1"/>
+              </a:solidFill>
+            </a:endParaRPr>
+          </a:p>
+        </p:txBody>
+      </p:sp>
+      <p:sp>
+        <p:nvSpPr>
+          <p:cNvPr id="14" name="CaixaDeTexto 13"/>
+          <p:cNvSpPr txBox="1"/>
+          <p:nvPr userDrawn="1"/>
+        </p:nvSpPr>
+        <p:spPr>
+          <a:xfrm>
+            <a:off x="6300192" y="4952898"/>
+            <a:ext cx="2843808" cy="153888"/>
+          </a:xfrm>
+          <a:prstGeom prst="rect">
+            <a:avLst/>
+          </a:prstGeom>
+          <a:noFill/>
+        </p:spPr>
+        <p:txBody>
+          <a:bodyPr wrap="square" lIns="0" tIns="0" rIns="72000" bIns="0" rtlCol="0">
+            <a:spAutoFit/>
+          </a:bodyPr>
+          <a:lstStyle/>
+          <a:p>
+            <a:pPr algn="r"/>
+            <a:r>
+              <a:rPr lang="en-US" sz="1000" noProof="0" dirty="0" smtClean="0">
+                <a:solidFill>
+                  <a:schemeClr val="bg1"/>
+                </a:solidFill>
+              </a:rPr>
+              <a:t>LIDET (IME - USP)</a:t>
+            </a:r>
+            <a:endParaRPr lang="en-US" sz="1000" noProof="0" dirty="0">
+              <a:solidFill>
+                <a:schemeClr val="bg1"/>
+              </a:solidFill>
+            </a:endParaRPr>
           </a:p>
         </p:txBody>
       </p:sp>
@@ -2291,23 +5152,30 @@
         </p:nvSpPr>
         <p:spPr>
           <a:xfrm>
-            <a:off x="1792288" y="4800600"/>
-            <a:ext cx="5486400" cy="566738"/>
-          </a:xfrm>
+            <a:off x="1792288" y="3600450"/>
+            <a:ext cx="5486400" cy="425054"/>
+          </a:xfrm>
+          <a:prstGeom prst="rect">
+            <a:avLst/>
+          </a:prstGeom>
         </p:spPr>
         <p:txBody>
           <a:bodyPr anchor="b"/>
           <a:lstStyle>
             <a:lvl1pPr algn="l">
-              <a:defRPr sz="2000" b="1"/>
+              <a:defRPr sz="2000" b="1">
+                <a:solidFill>
+                  <a:srgbClr val="E67D17"/>
+                </a:solidFill>
+              </a:defRPr>
             </a:lvl1pPr>
           </a:lstStyle>
           <a:p>
             <a:r>
-              <a:rPr lang="pt-BR" smtClean="0"/>
+              <a:rPr lang="pt-BR" dirty="0" smtClean="0"/>
               <a:t>Clique para editar o estilo do título mestre</a:t>
             </a:r>
-            <a:endParaRPr lang="pt-BR"/>
+            <a:endParaRPr lang="pt-BR" dirty="0"/>
           </a:p>
         </p:txBody>
       </p:sp>
@@ -2323,9 +5191,12 @@
         </p:nvSpPr>
         <p:spPr>
           <a:xfrm>
-            <a:off x="1792288" y="612775"/>
-            <a:ext cx="5486400" cy="4114800"/>
-          </a:xfrm>
+            <a:off x="1792288" y="771549"/>
+            <a:ext cx="5486400" cy="2774131"/>
+          </a:xfrm>
+          <a:prstGeom prst="rect">
+            <a:avLst/>
+          </a:prstGeom>
         </p:spPr>
         <p:txBody>
           <a:bodyPr/>
@@ -2384,9 +5255,12 @@
         </p:nvSpPr>
         <p:spPr>
           <a:xfrm>
-            <a:off x="1792288" y="5367338"/>
-            <a:ext cx="5486400" cy="804862"/>
-          </a:xfrm>
+            <a:off x="1792288" y="4025503"/>
+            <a:ext cx="5486400" cy="603647"/>
+          </a:xfrm>
+          <a:prstGeom prst="rect">
+            <a:avLst/>
+          </a:prstGeom>
         </p:spPr>
         <p:txBody>
           <a:bodyPr/>
@@ -2439,66 +5313,293 @@
       </p:sp>
       <p:sp>
         <p:nvSpPr>
-          <p:cNvPr id="5" name="Espaço Reservado para Data 4"/>
-          <p:cNvSpPr>
-            <a:spLocks noGrp="1"/>
-          </p:cNvSpPr>
-          <p:nvPr>
-            <p:ph type="dt" sz="half" idx="10"/>
-          </p:nvPr>
-        </p:nvSpPr>
-        <p:spPr/>
-        <p:txBody>
-          <a:bodyPr/>
-          <a:lstStyle/>
-          <a:p>
-            <a:fld id="{2E700DB3-DBF0-4086-B675-117E7A9610B8}" type="datetimeFigureOut">
-              <a:rPr lang="pt-BR" smtClean="0"/>
-              <a:t>20/9/2006</a:t>
-            </a:fld>
+          <p:cNvPr id="8" name="Retângulo 7"/>
+          <p:cNvSpPr/>
+          <p:nvPr userDrawn="1"/>
+        </p:nvSpPr>
+        <p:spPr>
+          <a:xfrm>
+            <a:off x="0" y="4803998"/>
+            <a:ext cx="9144000" cy="299518"/>
+          </a:xfrm>
+          <a:prstGeom prst="rect">
+            <a:avLst/>
+          </a:prstGeom>
+          <a:solidFill>
+            <a:srgbClr val="333333"/>
+          </a:solidFill>
+          <a:ln>
+            <a:noFill/>
+          </a:ln>
+        </p:spPr>
+        <p:style>
+          <a:lnRef idx="2">
+            <a:schemeClr val="accent1">
+              <a:shade val="50000"/>
+            </a:schemeClr>
+          </a:lnRef>
+          <a:fillRef idx="1">
+            <a:schemeClr val="accent1"/>
+          </a:fillRef>
+          <a:effectRef idx="0">
+            <a:schemeClr val="accent1"/>
+          </a:effectRef>
+          <a:fontRef idx="minor">
+            <a:schemeClr val="lt1"/>
+          </a:fontRef>
+        </p:style>
+        <p:txBody>
+          <a:bodyPr rtlCol="0" anchor="ctr"/>
+          <a:lstStyle/>
+          <a:p>
+            <a:pPr algn="ctr"/>
             <a:endParaRPr lang="pt-BR"/>
           </a:p>
         </p:txBody>
       </p:sp>
       <p:sp>
         <p:nvSpPr>
-          <p:cNvPr id="6" name="Espaço Reservado para Rodapé 5"/>
-          <p:cNvSpPr>
-            <a:spLocks noGrp="1"/>
-          </p:cNvSpPr>
-          <p:nvPr>
-            <p:ph type="ftr" sz="quarter" idx="11"/>
-          </p:nvPr>
-        </p:nvSpPr>
-        <p:spPr/>
-        <p:txBody>
-          <a:bodyPr/>
-          <a:lstStyle/>
-          <a:p>
+          <p:cNvPr id="9" name="Retângulo 8"/>
+          <p:cNvSpPr/>
+          <p:nvPr userDrawn="1"/>
+        </p:nvSpPr>
+        <p:spPr>
+          <a:xfrm>
+            <a:off x="0" y="0"/>
+            <a:ext cx="4572000" cy="627534"/>
+          </a:xfrm>
+          <a:prstGeom prst="rect">
+            <a:avLst/>
+          </a:prstGeom>
+          <a:solidFill>
+            <a:srgbClr val="333333"/>
+          </a:solidFill>
+          <a:ln>
+            <a:noFill/>
+          </a:ln>
+        </p:spPr>
+        <p:style>
+          <a:lnRef idx="2">
+            <a:schemeClr val="accent1">
+              <a:shade val="50000"/>
+            </a:schemeClr>
+          </a:lnRef>
+          <a:fillRef idx="1">
+            <a:schemeClr val="accent1"/>
+          </a:fillRef>
+          <a:effectRef idx="0">
+            <a:schemeClr val="accent1"/>
+          </a:effectRef>
+          <a:fontRef idx="minor">
+            <a:schemeClr val="lt1"/>
+          </a:fontRef>
+        </p:style>
+        <p:txBody>
+          <a:bodyPr rtlCol="0" anchor="ctr"/>
+          <a:lstStyle/>
+          <a:p>
+            <a:pPr algn="ctr"/>
             <a:endParaRPr lang="pt-BR"/>
           </a:p>
         </p:txBody>
       </p:sp>
       <p:sp>
         <p:nvSpPr>
-          <p:cNvPr id="7" name="Espaço Reservado para Número de Slide 6"/>
-          <p:cNvSpPr>
-            <a:spLocks noGrp="1"/>
-          </p:cNvSpPr>
-          <p:nvPr>
-            <p:ph type="sldNum" sz="quarter" idx="12"/>
-          </p:nvPr>
-        </p:nvSpPr>
-        <p:spPr/>
-        <p:txBody>
-          <a:bodyPr/>
-          <a:lstStyle/>
-          <a:p>
-            <a:fld id="{2119D8CF-8DEC-4D9F-84EE-ADF04DFF3391}" type="slidenum">
-              <a:rPr lang="pt-BR" smtClean="0"/>
+          <p:cNvPr id="10" name="Retângulo 9"/>
+          <p:cNvSpPr/>
+          <p:nvPr userDrawn="1"/>
+        </p:nvSpPr>
+        <p:spPr>
+          <a:xfrm>
+            <a:off x="4572000" y="0"/>
+            <a:ext cx="4572000" cy="627534"/>
+          </a:xfrm>
+          <a:prstGeom prst="rect">
+            <a:avLst/>
+          </a:prstGeom>
+          <a:solidFill>
+            <a:srgbClr val="E67D17"/>
+          </a:solidFill>
+          <a:ln>
+            <a:noFill/>
+          </a:ln>
+        </p:spPr>
+        <p:style>
+          <a:lnRef idx="2">
+            <a:schemeClr val="accent1">
+              <a:shade val="50000"/>
+            </a:schemeClr>
+          </a:lnRef>
+          <a:fillRef idx="1">
+            <a:schemeClr val="accent1"/>
+          </a:fillRef>
+          <a:effectRef idx="0">
+            <a:schemeClr val="accent1"/>
+          </a:effectRef>
+          <a:fontRef idx="minor">
+            <a:schemeClr val="lt1"/>
+          </a:fontRef>
+        </p:style>
+        <p:txBody>
+          <a:bodyPr rtlCol="0" anchor="ctr"/>
+          <a:lstStyle/>
+          <a:p>
+            <a:pPr algn="ctr"/>
+            <a:endParaRPr lang="pt-BR"/>
+          </a:p>
+        </p:txBody>
+      </p:sp>
+      <p:sp>
+        <p:nvSpPr>
+          <p:cNvPr id="11" name="CaixaDeTexto 10"/>
+          <p:cNvSpPr txBox="1"/>
+          <p:nvPr userDrawn="1"/>
+        </p:nvSpPr>
+        <p:spPr>
+          <a:xfrm>
+            <a:off x="0" y="4806967"/>
+            <a:ext cx="2843808" cy="153888"/>
+          </a:xfrm>
+          <a:prstGeom prst="rect">
+            <a:avLst/>
+          </a:prstGeom>
+          <a:noFill/>
+        </p:spPr>
+        <p:txBody>
+          <a:bodyPr wrap="square" lIns="72000" tIns="0" rIns="0" bIns="0" rtlCol="0">
+            <a:spAutoFit/>
+          </a:bodyPr>
+          <a:lstStyle/>
+          <a:p>
+            <a:r>
+              <a:rPr lang="en-US" sz="1000" noProof="0" dirty="0" smtClean="0">
+                <a:solidFill>
+                  <a:schemeClr val="bg1"/>
+                </a:solidFill>
+              </a:rPr>
+              <a:t>Presentation Date</a:t>
+            </a:r>
+            <a:endParaRPr lang="en-US" sz="1000" noProof="0" dirty="0">
+              <a:solidFill>
+                <a:schemeClr val="bg1"/>
+              </a:solidFill>
+            </a:endParaRPr>
+          </a:p>
+        </p:txBody>
+      </p:sp>
+      <p:sp>
+        <p:nvSpPr>
+          <p:cNvPr id="12" name="CaixaDeTexto 11"/>
+          <p:cNvSpPr txBox="1"/>
+          <p:nvPr userDrawn="1"/>
+        </p:nvSpPr>
+        <p:spPr>
+          <a:xfrm>
+            <a:off x="0" y="4952898"/>
+            <a:ext cx="2843808" cy="153888"/>
+          </a:xfrm>
+          <a:prstGeom prst="rect">
+            <a:avLst/>
+          </a:prstGeom>
+          <a:noFill/>
+        </p:spPr>
+        <p:txBody>
+          <a:bodyPr wrap="square" lIns="72000" tIns="0" rIns="0" bIns="0" rtlCol="0">
+            <a:spAutoFit/>
+          </a:bodyPr>
+          <a:lstStyle/>
+          <a:p>
+            <a:r>
+              <a:rPr lang="en-US" sz="1000" noProof="0" dirty="0" smtClean="0">
+                <a:solidFill>
+                  <a:schemeClr val="bg1"/>
+                </a:solidFill>
+              </a:rPr>
+              <a:t>Author’s Name – Presentation Title</a:t>
+            </a:r>
+            <a:endParaRPr lang="en-US" sz="1000" noProof="0" dirty="0">
+              <a:solidFill>
+                <a:schemeClr val="bg1"/>
+              </a:solidFill>
+            </a:endParaRPr>
+          </a:p>
+        </p:txBody>
+      </p:sp>
+      <p:sp>
+        <p:nvSpPr>
+          <p:cNvPr id="13" name="CaixaDeTexto 12"/>
+          <p:cNvSpPr txBox="1"/>
+          <p:nvPr userDrawn="1"/>
+        </p:nvSpPr>
+        <p:spPr>
+          <a:xfrm>
+            <a:off x="6300192" y="4806967"/>
+            <a:ext cx="2843808" cy="153888"/>
+          </a:xfrm>
+          <a:prstGeom prst="rect">
+            <a:avLst/>
+          </a:prstGeom>
+          <a:noFill/>
+        </p:spPr>
+        <p:txBody>
+          <a:bodyPr wrap="square" lIns="0" tIns="0" rIns="72000" bIns="0" rtlCol="0">
+            <a:spAutoFit/>
+          </a:bodyPr>
+          <a:lstStyle/>
+          <a:p>
+            <a:pPr algn="r"/>
+            <a:fld id="{85F39ACD-A041-4DE4-BA50-0C1576C5C808}" type="slidenum">
+              <a:rPr lang="en-US" sz="1000" noProof="0" smtClean="0">
+                <a:solidFill>
+                  <a:schemeClr val="bg1"/>
+                </a:solidFill>
+              </a:rPr>
               <a:t>‹nº›</a:t>
             </a:fld>
-            <a:endParaRPr lang="pt-BR"/>
+            <a:endParaRPr lang="en-US" sz="1000" noProof="0" dirty="0">
+              <a:solidFill>
+                <a:schemeClr val="bg1"/>
+              </a:solidFill>
+            </a:endParaRPr>
+          </a:p>
+        </p:txBody>
+      </p:sp>
+      <p:sp>
+        <p:nvSpPr>
+          <p:cNvPr id="14" name="CaixaDeTexto 13"/>
+          <p:cNvSpPr txBox="1"/>
+          <p:nvPr userDrawn="1"/>
+        </p:nvSpPr>
+        <p:spPr>
+          <a:xfrm>
+            <a:off x="6300192" y="4952898"/>
+            <a:ext cx="2843808" cy="153888"/>
+          </a:xfrm>
+          <a:prstGeom prst="rect">
+            <a:avLst/>
+          </a:prstGeom>
+          <a:noFill/>
+        </p:spPr>
+        <p:txBody>
+          <a:bodyPr wrap="square" lIns="0" tIns="0" rIns="72000" bIns="0" rtlCol="0">
+            <a:spAutoFit/>
+          </a:bodyPr>
+          <a:lstStyle/>
+          <a:p>
+            <a:pPr algn="r"/>
+            <a:r>
+              <a:rPr lang="en-US" sz="1000" noProof="0" dirty="0" smtClean="0">
+                <a:solidFill>
+                  <a:schemeClr val="bg1"/>
+                </a:solidFill>
+              </a:rPr>
+              <a:t>LIDET (IME - USP)</a:t>
+            </a:r>
+            <a:endParaRPr lang="en-US" sz="1000" noProof="0" dirty="0">
+              <a:solidFill>
+                <a:schemeClr val="bg1"/>
+              </a:solidFill>
+            </a:endParaRPr>
           </a:p>
         </p:txBody>
       </p:sp>
@@ -2532,220 +5633,6 @@
           <a:chExt cx="0" cy="0"/>
         </a:xfrm>
       </p:grpSpPr>
-      <p:sp>
-        <p:nvSpPr>
-          <p:cNvPr id="2" name="Espaço Reservado para Título 1"/>
-          <p:cNvSpPr>
-            <a:spLocks noGrp="1"/>
-          </p:cNvSpPr>
-          <p:nvPr>
-            <p:ph type="title"/>
-          </p:nvPr>
-        </p:nvSpPr>
-        <p:spPr>
-          <a:xfrm>
-            <a:off x="457200" y="274638"/>
-            <a:ext cx="8229600" cy="1143000"/>
-          </a:xfrm>
-          <a:prstGeom prst="rect">
-            <a:avLst/>
-          </a:prstGeom>
-        </p:spPr>
-        <p:txBody>
-          <a:bodyPr vert="horz" lIns="91440" tIns="45720" rIns="91440" bIns="45720" rtlCol="0" anchor="ctr">
-            <a:normAutofit/>
-          </a:bodyPr>
-          <a:lstStyle/>
-          <a:p>
-            <a:r>
-              <a:rPr lang="pt-BR" smtClean="0"/>
-              <a:t>Clique para editar o estilo do título mestre</a:t>
-            </a:r>
-            <a:endParaRPr lang="pt-BR"/>
-          </a:p>
-        </p:txBody>
-      </p:sp>
-      <p:sp>
-        <p:nvSpPr>
-          <p:cNvPr id="3" name="Espaço Reservado para Texto 2"/>
-          <p:cNvSpPr>
-            <a:spLocks noGrp="1"/>
-          </p:cNvSpPr>
-          <p:nvPr>
-            <p:ph type="body" idx="1"/>
-          </p:nvPr>
-        </p:nvSpPr>
-        <p:spPr>
-          <a:xfrm>
-            <a:off x="457200" y="1600200"/>
-            <a:ext cx="8229600" cy="4525963"/>
-          </a:xfrm>
-          <a:prstGeom prst="rect">
-            <a:avLst/>
-          </a:prstGeom>
-        </p:spPr>
-        <p:txBody>
-          <a:bodyPr vert="horz" lIns="91440" tIns="45720" rIns="91440" bIns="45720" rtlCol="0">
-            <a:normAutofit/>
-          </a:bodyPr>
-          <a:lstStyle/>
-          <a:p>
-            <a:pPr lvl="0"/>
-            <a:r>
-              <a:rPr lang="pt-BR" smtClean="0"/>
-              <a:t>Clique para editar os estilos do texto mestre</a:t>
-            </a:r>
-          </a:p>
-          <a:p>
-            <a:pPr lvl="1"/>
-            <a:r>
-              <a:rPr lang="pt-BR" smtClean="0"/>
-              <a:t>Segundo nível</a:t>
-            </a:r>
-          </a:p>
-          <a:p>
-            <a:pPr lvl="2"/>
-            <a:r>
-              <a:rPr lang="pt-BR" smtClean="0"/>
-              <a:t>Terceiro nível</a:t>
-            </a:r>
-          </a:p>
-          <a:p>
-            <a:pPr lvl="3"/>
-            <a:r>
-              <a:rPr lang="pt-BR" smtClean="0"/>
-              <a:t>Quarto nível</a:t>
-            </a:r>
-          </a:p>
-          <a:p>
-            <a:pPr lvl="4"/>
-            <a:r>
-              <a:rPr lang="pt-BR" smtClean="0"/>
-              <a:t>Quinto nível</a:t>
-            </a:r>
-            <a:endParaRPr lang="pt-BR"/>
-          </a:p>
-        </p:txBody>
-      </p:sp>
-      <p:sp>
-        <p:nvSpPr>
-          <p:cNvPr id="4" name="Espaço Reservado para Data 3"/>
-          <p:cNvSpPr>
-            <a:spLocks noGrp="1"/>
-          </p:cNvSpPr>
-          <p:nvPr>
-            <p:ph type="dt" sz="half" idx="2"/>
-          </p:nvPr>
-        </p:nvSpPr>
-        <p:spPr>
-          <a:xfrm>
-            <a:off x="457200" y="6356350"/>
-            <a:ext cx="2133600" cy="365125"/>
-          </a:xfrm>
-          <a:prstGeom prst="rect">
-            <a:avLst/>
-          </a:prstGeom>
-        </p:spPr>
-        <p:txBody>
-          <a:bodyPr vert="horz" lIns="91440" tIns="45720" rIns="91440" bIns="45720" rtlCol="0" anchor="ctr"/>
-          <a:lstStyle>
-            <a:lvl1pPr algn="l">
-              <a:defRPr sz="1200">
-                <a:solidFill>
-                  <a:schemeClr val="tx1">
-                    <a:tint val="75000"/>
-                  </a:schemeClr>
-                </a:solidFill>
-              </a:defRPr>
-            </a:lvl1pPr>
-          </a:lstStyle>
-          <a:p>
-            <a:fld id="{2E700DB3-DBF0-4086-B675-117E7A9610B8}" type="datetimeFigureOut">
-              <a:rPr lang="pt-BR" smtClean="0"/>
-              <a:t>20/9/2006</a:t>
-            </a:fld>
-            <a:endParaRPr lang="pt-BR"/>
-          </a:p>
-        </p:txBody>
-      </p:sp>
-      <p:sp>
-        <p:nvSpPr>
-          <p:cNvPr id="5" name="Espaço Reservado para Rodapé 4"/>
-          <p:cNvSpPr>
-            <a:spLocks noGrp="1"/>
-          </p:cNvSpPr>
-          <p:nvPr>
-            <p:ph type="ftr" sz="quarter" idx="3"/>
-          </p:nvPr>
-        </p:nvSpPr>
-        <p:spPr>
-          <a:xfrm>
-            <a:off x="3124200" y="6356350"/>
-            <a:ext cx="2895600" cy="365125"/>
-          </a:xfrm>
-          <a:prstGeom prst="rect">
-            <a:avLst/>
-          </a:prstGeom>
-        </p:spPr>
-        <p:txBody>
-          <a:bodyPr vert="horz" lIns="91440" tIns="45720" rIns="91440" bIns="45720" rtlCol="0" anchor="ctr"/>
-          <a:lstStyle>
-            <a:lvl1pPr algn="ctr">
-              <a:defRPr sz="1200">
-                <a:solidFill>
-                  <a:schemeClr val="tx1">
-                    <a:tint val="75000"/>
-                  </a:schemeClr>
-                </a:solidFill>
-              </a:defRPr>
-            </a:lvl1pPr>
-          </a:lstStyle>
-          <a:p>
-            <a:endParaRPr lang="pt-BR"/>
-          </a:p>
-        </p:txBody>
-      </p:sp>
-      <p:sp>
-        <p:nvSpPr>
-          <p:cNvPr id="6" name="Espaço Reservado para Número de Slide 5"/>
-          <p:cNvSpPr>
-            <a:spLocks noGrp="1"/>
-          </p:cNvSpPr>
-          <p:nvPr>
-            <p:ph type="sldNum" sz="quarter" idx="4"/>
-          </p:nvPr>
-        </p:nvSpPr>
-        <p:spPr>
-          <a:xfrm>
-            <a:off x="6553200" y="6356350"/>
-            <a:ext cx="2133600" cy="365125"/>
-          </a:xfrm>
-          <a:prstGeom prst="rect">
-            <a:avLst/>
-          </a:prstGeom>
-        </p:spPr>
-        <p:txBody>
-          <a:bodyPr vert="horz" lIns="91440" tIns="45720" rIns="91440" bIns="45720" rtlCol="0" anchor="ctr"/>
-          <a:lstStyle>
-            <a:lvl1pPr algn="r">
-              <a:defRPr sz="1200">
-                <a:solidFill>
-                  <a:schemeClr val="tx1">
-                    <a:tint val="75000"/>
-                  </a:schemeClr>
-                </a:solidFill>
-              </a:defRPr>
-            </a:lvl1pPr>
-          </a:lstStyle>
-          <a:p>
-            <a:fld id="{2119D8CF-8DEC-4D9F-84EE-ADF04DFF3391}" type="slidenum">
-              <a:rPr lang="pt-BR" smtClean="0"/>
-              <a:t>‹nº›</a:t>
-            </a:fld>
-            <a:endParaRPr lang="pt-BR"/>
-          </a:p>
-        </p:txBody>
-      </p:sp>
     </p:spTree>
   </p:cSld>
   <p:clrMap bg1="lt1" tx1="dk1" bg2="lt2" tx2="dk2" accent1="accent1" accent2="accent2" accent3="accent3" accent4="accent4" accent5="accent5" accent6="accent6" hlink="hlink" folHlink="folHlink"/>
@@ -2762,6 +5649,13 @@
     <p:sldLayoutId id="2147483658" r:id="rId10"/>
     <p:sldLayoutId id="2147483659" r:id="rId11"/>
   </p:sldLayoutIdLst>
+  <p:timing>
+    <p:tnLst>
+      <p:par>
+        <p:cTn id="1" dur="indefinite" restart="never" nodeType="tmRoot"/>
+      </p:par>
+    </p:tnLst>
+  </p:timing>
   <p:txStyles>
     <p:titleStyle>
       <a:lvl1pPr algn="ctr" defTabSz="914400" rtl="0" eaLnBrk="1" latinLnBrk="0" hangingPunct="1">
@@ -3013,6 +5907,130 @@
     </p:otherStyle>
   </p:txStyles>
 </p:sldMaster>
+</file>
+
+<file path=ppt/slides/slide1.xml><?xml version="1.0" encoding="utf-8"?>
+<p:sld xmlns:a="http://schemas.openxmlformats.org/drawingml/2006/main" xmlns:r="http://schemas.openxmlformats.org/officeDocument/2006/relationships" xmlns:p="http://schemas.openxmlformats.org/presentationml/2006/main">
+  <p:cSld>
+    <p:spTree>
+      <p:nvGrpSpPr>
+        <p:cNvPr id="1" name=""/>
+        <p:cNvGrpSpPr/>
+        <p:nvPr/>
+      </p:nvGrpSpPr>
+      <p:grpSpPr>
+        <a:xfrm>
+          <a:off x="0" y="0"/>
+          <a:ext cx="0" cy="0"/>
+          <a:chOff x="0" y="0"/>
+          <a:chExt cx="0" cy="0"/>
+        </a:xfrm>
+      </p:grpSpPr>
+      <p:sp>
+        <p:nvSpPr>
+          <p:cNvPr id="4" name="Subtítulo 3"/>
+          <p:cNvSpPr>
+            <a:spLocks noGrp="1"/>
+          </p:cNvSpPr>
+          <p:nvPr>
+            <p:ph type="subTitle" idx="1"/>
+          </p:nvPr>
+        </p:nvSpPr>
+        <p:spPr/>
+        <p:txBody>
+          <a:bodyPr/>
+          <a:lstStyle/>
+          <a:p>
+            <a:endParaRPr lang="pt-BR"/>
+          </a:p>
+        </p:txBody>
+      </p:sp>
+    </p:spTree>
+    <p:extLst>
+      <p:ext uri="{BB962C8B-B14F-4D97-AF65-F5344CB8AC3E}">
+        <p14:creationId xmlns:p14="http://schemas.microsoft.com/office/powerpoint/2010/main" val="686075025"/>
+      </p:ext>
+    </p:extLst>
+  </p:cSld>
+  <p:clrMapOvr>
+    <a:masterClrMapping/>
+  </p:clrMapOvr>
+  <p:timing>
+    <p:tnLst>
+      <p:par>
+        <p:cTn id="1" dur="indefinite" restart="never" nodeType="tmRoot"/>
+      </p:par>
+    </p:tnLst>
+  </p:timing>
+</p:sld>
+</file>
+
+<file path=ppt/slides/slide2.xml><?xml version="1.0" encoding="utf-8"?>
+<p:sld xmlns:a="http://schemas.openxmlformats.org/drawingml/2006/main" xmlns:r="http://schemas.openxmlformats.org/officeDocument/2006/relationships" xmlns:p="http://schemas.openxmlformats.org/presentationml/2006/main">
+  <p:cSld>
+    <p:spTree>
+      <p:nvGrpSpPr>
+        <p:cNvPr id="1" name=""/>
+        <p:cNvGrpSpPr/>
+        <p:nvPr/>
+      </p:nvGrpSpPr>
+      <p:grpSpPr>
+        <a:xfrm>
+          <a:off x="0" y="0"/>
+          <a:ext cx="0" cy="0"/>
+          <a:chOff x="0" y="0"/>
+          <a:chExt cx="0" cy="0"/>
+        </a:xfrm>
+      </p:grpSpPr>
+      <p:sp>
+        <p:nvSpPr>
+          <p:cNvPr id="2" name="Título 1"/>
+          <p:cNvSpPr>
+            <a:spLocks noGrp="1"/>
+          </p:cNvSpPr>
+          <p:nvPr>
+            <p:ph type="title"/>
+          </p:nvPr>
+        </p:nvSpPr>
+        <p:spPr/>
+        <p:txBody>
+          <a:bodyPr/>
+          <a:lstStyle/>
+          <a:p>
+            <a:endParaRPr lang="pt-BR"/>
+          </a:p>
+        </p:txBody>
+      </p:sp>
+      <p:sp>
+        <p:nvSpPr>
+          <p:cNvPr id="3" name="Espaço Reservado para Conteúdo 2"/>
+          <p:cNvSpPr>
+            <a:spLocks noGrp="1"/>
+          </p:cNvSpPr>
+          <p:nvPr>
+            <p:ph idx="1"/>
+          </p:nvPr>
+        </p:nvSpPr>
+        <p:spPr/>
+        <p:txBody>
+          <a:bodyPr/>
+          <a:lstStyle/>
+          <a:p>
+            <a:endParaRPr lang="pt-BR"/>
+          </a:p>
+        </p:txBody>
+      </p:sp>
+    </p:spTree>
+    <p:extLst>
+      <p:ext uri="{BB962C8B-B14F-4D97-AF65-F5344CB8AC3E}">
+        <p14:creationId xmlns:p14="http://schemas.microsoft.com/office/powerpoint/2010/main" val="3644770902"/>
+      </p:ext>
+    </p:extLst>
+  </p:cSld>
+  <p:clrMapOvr>
+    <a:masterClrMapping/>
+  </p:clrMapOvr>
+</p:sld>
 </file>
 
 <file path=ppt/theme/theme1.xml><?xml version="1.0" encoding="utf-8"?>
@@ -3296,4 +6314,574 @@
   <a:objectDefaults/>
   <a:extraClrSchemeLst/>
 </a:theme>
+</file>
+
+<file path=ppt/theme/theme2.xml><?xml version="1.0" encoding="utf-8"?>
+<a:theme xmlns:a="http://schemas.openxmlformats.org/drawingml/2006/main" name="Tema do Office">
+  <a:themeElements>
+    <a:clrScheme name="Escritório">
+      <a:dk1>
+        <a:sysClr val="windowText" lastClr="000000"/>
+      </a:dk1>
+      <a:lt1>
+        <a:sysClr val="window" lastClr="FFFFFF"/>
+      </a:lt1>
+      <a:dk2>
+        <a:srgbClr val="1F497D"/>
+      </a:dk2>
+      <a:lt2>
+        <a:srgbClr val="EEECE1"/>
+      </a:lt2>
+      <a:accent1>
+        <a:srgbClr val="4F81BD"/>
+      </a:accent1>
+      <a:accent2>
+        <a:srgbClr val="C0504D"/>
+      </a:accent2>
+      <a:accent3>
+        <a:srgbClr val="9BBB59"/>
+      </a:accent3>
+      <a:accent4>
+        <a:srgbClr val="8064A2"/>
+      </a:accent4>
+      <a:accent5>
+        <a:srgbClr val="4BACC6"/>
+      </a:accent5>
+      <a:accent6>
+        <a:srgbClr val="F79646"/>
+      </a:accent6>
+      <a:hlink>
+        <a:srgbClr val="0000FF"/>
+      </a:hlink>
+      <a:folHlink>
+        <a:srgbClr val="800080"/>
+      </a:folHlink>
+    </a:clrScheme>
+    <a:fontScheme name="Escritório">
+      <a:majorFont>
+        <a:latin typeface="Calibri"/>
+        <a:ea typeface=""/>
+        <a:cs typeface=""/>
+        <a:font script="Jpan" typeface="ＭＳ Ｐゴシック"/>
+        <a:font script="Hang" typeface="맑은 고딕"/>
+        <a:font script="Hans" typeface="宋体"/>
+        <a:font script="Hant" typeface="新細明體"/>
+        <a:font script="Arab" typeface="Times New Roman"/>
+        <a:font script="Hebr" typeface="Times New Roman"/>
+        <a:font script="Thai" typeface="Angsana New"/>
+        <a:font script="Ethi" typeface="Nyala"/>
+        <a:font script="Beng" typeface="Vrinda"/>
+        <a:font script="Gujr" typeface="Shruti"/>
+        <a:font script="Khmr" typeface="MoolBoran"/>
+        <a:font script="Knda" typeface="Tunga"/>
+        <a:font script="Guru" typeface="Raavi"/>
+        <a:font script="Cans" typeface="Euphemia"/>
+        <a:font script="Cher" typeface="Plantagenet Cherokee"/>
+        <a:font script="Yiii" typeface="Microsoft Yi Baiti"/>
+        <a:font script="Tibt" typeface="Microsoft Himalaya"/>
+        <a:font script="Thaa" typeface="MV Boli"/>
+        <a:font script="Deva" typeface="Mangal"/>
+        <a:font script="Telu" typeface="Gautami"/>
+        <a:font script="Taml" typeface="Latha"/>
+        <a:font script="Syrc" typeface="Estrangelo Edessa"/>
+        <a:font script="Orya" typeface="Kalinga"/>
+        <a:font script="Mlym" typeface="Kartika"/>
+        <a:font script="Laoo" typeface="DokChampa"/>
+        <a:font script="Sinh" typeface="Iskoola Pota"/>
+        <a:font script="Mong" typeface="Mongolian Baiti"/>
+        <a:font script="Viet" typeface="Times New Roman"/>
+        <a:font script="Uigh" typeface="Microsoft Uighur"/>
+        <a:font script="Geor" typeface="Sylfaen"/>
+      </a:majorFont>
+      <a:minorFont>
+        <a:latin typeface="Calibri"/>
+        <a:ea typeface=""/>
+        <a:cs typeface=""/>
+        <a:font script="Jpan" typeface="ＭＳ Ｐゴシック"/>
+        <a:font script="Hang" typeface="맑은 고딕"/>
+        <a:font script="Hans" typeface="宋体"/>
+        <a:font script="Hant" typeface="新細明體"/>
+        <a:font script="Arab" typeface="Arial"/>
+        <a:font script="Hebr" typeface="Arial"/>
+        <a:font script="Thai" typeface="Cordia New"/>
+        <a:font script="Ethi" typeface="Nyala"/>
+        <a:font script="Beng" typeface="Vrinda"/>
+        <a:font script="Gujr" typeface="Shruti"/>
+        <a:font script="Khmr" typeface="DaunPenh"/>
+        <a:font script="Knda" typeface="Tunga"/>
+        <a:font script="Guru" typeface="Raavi"/>
+        <a:font script="Cans" typeface="Euphemia"/>
+        <a:font script="Cher" typeface="Plantagenet Cherokee"/>
+        <a:font script="Yiii" typeface="Microsoft Yi Baiti"/>
+        <a:font script="Tibt" typeface="Microsoft Himalaya"/>
+        <a:font script="Thaa" typeface="MV Boli"/>
+        <a:font script="Deva" typeface="Mangal"/>
+        <a:font script="Telu" typeface="Gautami"/>
+        <a:font script="Taml" typeface="Latha"/>
+        <a:font script="Syrc" typeface="Estrangelo Edessa"/>
+        <a:font script="Orya" typeface="Kalinga"/>
+        <a:font script="Mlym" typeface="Kartika"/>
+        <a:font script="Laoo" typeface="DokChampa"/>
+        <a:font script="Sinh" typeface="Iskoola Pota"/>
+        <a:font script="Mong" typeface="Mongolian Baiti"/>
+        <a:font script="Viet" typeface="Arial"/>
+        <a:font script="Uigh" typeface="Microsoft Uighur"/>
+        <a:font script="Geor" typeface="Sylfaen"/>
+      </a:minorFont>
+    </a:fontScheme>
+    <a:fmtScheme name="Escritório">
+      <a:fillStyleLst>
+        <a:solidFill>
+          <a:schemeClr val="phClr"/>
+        </a:solidFill>
+        <a:gradFill rotWithShape="1">
+          <a:gsLst>
+            <a:gs pos="0">
+              <a:schemeClr val="phClr">
+                <a:tint val="50000"/>
+                <a:satMod val="300000"/>
+              </a:schemeClr>
+            </a:gs>
+            <a:gs pos="35000">
+              <a:schemeClr val="phClr">
+                <a:tint val="37000"/>
+                <a:satMod val="300000"/>
+              </a:schemeClr>
+            </a:gs>
+            <a:gs pos="100000">
+              <a:schemeClr val="phClr">
+                <a:tint val="15000"/>
+                <a:satMod val="350000"/>
+              </a:schemeClr>
+            </a:gs>
+          </a:gsLst>
+          <a:lin ang="16200000" scaled="1"/>
+        </a:gradFill>
+        <a:gradFill rotWithShape="1">
+          <a:gsLst>
+            <a:gs pos="0">
+              <a:schemeClr val="phClr">
+                <a:shade val="51000"/>
+                <a:satMod val="130000"/>
+              </a:schemeClr>
+            </a:gs>
+            <a:gs pos="80000">
+              <a:schemeClr val="phClr">
+                <a:shade val="93000"/>
+                <a:satMod val="130000"/>
+              </a:schemeClr>
+            </a:gs>
+            <a:gs pos="100000">
+              <a:schemeClr val="phClr">
+                <a:shade val="94000"/>
+                <a:satMod val="135000"/>
+              </a:schemeClr>
+            </a:gs>
+          </a:gsLst>
+          <a:lin ang="16200000" scaled="0"/>
+        </a:gradFill>
+      </a:fillStyleLst>
+      <a:lnStyleLst>
+        <a:ln w="9525" cap="flat" cmpd="sng" algn="ctr">
+          <a:solidFill>
+            <a:schemeClr val="phClr">
+              <a:shade val="95000"/>
+              <a:satMod val="105000"/>
+            </a:schemeClr>
+          </a:solidFill>
+          <a:prstDash val="solid"/>
+        </a:ln>
+        <a:ln w="25400" cap="flat" cmpd="sng" algn="ctr">
+          <a:solidFill>
+            <a:schemeClr val="phClr"/>
+          </a:solidFill>
+          <a:prstDash val="solid"/>
+        </a:ln>
+        <a:ln w="38100" cap="flat" cmpd="sng" algn="ctr">
+          <a:solidFill>
+            <a:schemeClr val="phClr"/>
+          </a:solidFill>
+          <a:prstDash val="solid"/>
+        </a:ln>
+      </a:lnStyleLst>
+      <a:effectStyleLst>
+        <a:effectStyle>
+          <a:effectLst>
+            <a:outerShdw blurRad="40000" dist="20000" dir="5400000" rotWithShape="0">
+              <a:srgbClr val="000000">
+                <a:alpha val="38000"/>
+              </a:srgbClr>
+            </a:outerShdw>
+          </a:effectLst>
+        </a:effectStyle>
+        <a:effectStyle>
+          <a:effectLst>
+            <a:outerShdw blurRad="40000" dist="23000" dir="5400000" rotWithShape="0">
+              <a:srgbClr val="000000">
+                <a:alpha val="35000"/>
+              </a:srgbClr>
+            </a:outerShdw>
+          </a:effectLst>
+        </a:effectStyle>
+        <a:effectStyle>
+          <a:effectLst>
+            <a:outerShdw blurRad="40000" dist="23000" dir="5400000" rotWithShape="0">
+              <a:srgbClr val="000000">
+                <a:alpha val="35000"/>
+              </a:srgbClr>
+            </a:outerShdw>
+          </a:effectLst>
+          <a:scene3d>
+            <a:camera prst="orthographicFront">
+              <a:rot lat="0" lon="0" rev="0"/>
+            </a:camera>
+            <a:lightRig rig="threePt" dir="t">
+              <a:rot lat="0" lon="0" rev="1200000"/>
+            </a:lightRig>
+          </a:scene3d>
+          <a:sp3d>
+            <a:bevelT w="63500" h="25400"/>
+          </a:sp3d>
+        </a:effectStyle>
+      </a:effectStyleLst>
+      <a:bgFillStyleLst>
+        <a:solidFill>
+          <a:schemeClr val="phClr"/>
+        </a:solidFill>
+        <a:gradFill rotWithShape="1">
+          <a:gsLst>
+            <a:gs pos="0">
+              <a:schemeClr val="phClr">
+                <a:tint val="40000"/>
+                <a:satMod val="350000"/>
+              </a:schemeClr>
+            </a:gs>
+            <a:gs pos="40000">
+              <a:schemeClr val="phClr">
+                <a:tint val="45000"/>
+                <a:shade val="99000"/>
+                <a:satMod val="350000"/>
+              </a:schemeClr>
+            </a:gs>
+            <a:gs pos="100000">
+              <a:schemeClr val="phClr">
+                <a:shade val="20000"/>
+                <a:satMod val="255000"/>
+              </a:schemeClr>
+            </a:gs>
+          </a:gsLst>
+          <a:path path="circle">
+            <a:fillToRect l="50000" t="-80000" r="50000" b="180000"/>
+          </a:path>
+        </a:gradFill>
+        <a:gradFill rotWithShape="1">
+          <a:gsLst>
+            <a:gs pos="0">
+              <a:schemeClr val="phClr">
+                <a:tint val="80000"/>
+                <a:satMod val="300000"/>
+              </a:schemeClr>
+            </a:gs>
+            <a:gs pos="100000">
+              <a:schemeClr val="phClr">
+                <a:shade val="30000"/>
+                <a:satMod val="200000"/>
+              </a:schemeClr>
+            </a:gs>
+          </a:gsLst>
+          <a:path path="circle">
+            <a:fillToRect l="50000" t="50000" r="50000" b="50000"/>
+          </a:path>
+        </a:gradFill>
+      </a:bgFillStyleLst>
+    </a:fmtScheme>
+  </a:themeElements>
+  <a:objectDefaults/>
+  <a:extraClrSchemeLst/>
+</a:theme>
+</file>
+
+<file path=ppt/theme/theme3.xml><?xml version="1.0" encoding="utf-8"?>
+<a:theme xmlns:a="http://schemas.openxmlformats.org/drawingml/2006/main" name="Tema do Office">
+  <a:themeElements>
+    <a:clrScheme name="Escritório">
+      <a:dk1>
+        <a:sysClr val="windowText" lastClr="000000"/>
+      </a:dk1>
+      <a:lt1>
+        <a:sysClr val="window" lastClr="FFFFFF"/>
+      </a:lt1>
+      <a:dk2>
+        <a:srgbClr val="1F497D"/>
+      </a:dk2>
+      <a:lt2>
+        <a:srgbClr val="EEECE1"/>
+      </a:lt2>
+      <a:accent1>
+        <a:srgbClr val="4F81BD"/>
+      </a:accent1>
+      <a:accent2>
+        <a:srgbClr val="C0504D"/>
+      </a:accent2>
+      <a:accent3>
+        <a:srgbClr val="9BBB59"/>
+      </a:accent3>
+      <a:accent4>
+        <a:srgbClr val="8064A2"/>
+      </a:accent4>
+      <a:accent5>
+        <a:srgbClr val="4BACC6"/>
+      </a:accent5>
+      <a:accent6>
+        <a:srgbClr val="F79646"/>
+      </a:accent6>
+      <a:hlink>
+        <a:srgbClr val="0000FF"/>
+      </a:hlink>
+      <a:folHlink>
+        <a:srgbClr val="800080"/>
+      </a:folHlink>
+    </a:clrScheme>
+    <a:fontScheme name="Escritório">
+      <a:majorFont>
+        <a:latin typeface="Calibri"/>
+        <a:ea typeface=""/>
+        <a:cs typeface=""/>
+        <a:font script="Jpan" typeface="ＭＳ Ｐゴシック"/>
+        <a:font script="Hang" typeface="맑은 고딕"/>
+        <a:font script="Hans" typeface="宋体"/>
+        <a:font script="Hant" typeface="新細明體"/>
+        <a:font script="Arab" typeface="Times New Roman"/>
+        <a:font script="Hebr" typeface="Times New Roman"/>
+        <a:font script="Thai" typeface="Angsana New"/>
+        <a:font script="Ethi" typeface="Nyala"/>
+        <a:font script="Beng" typeface="Vrinda"/>
+        <a:font script="Gujr" typeface="Shruti"/>
+        <a:font script="Khmr" typeface="MoolBoran"/>
+        <a:font script="Knda" typeface="Tunga"/>
+        <a:font script="Guru" typeface="Raavi"/>
+        <a:font script="Cans" typeface="Euphemia"/>
+        <a:font script="Cher" typeface="Plantagenet Cherokee"/>
+        <a:font script="Yiii" typeface="Microsoft Yi Baiti"/>
+        <a:font script="Tibt" typeface="Microsoft Himalaya"/>
+        <a:font script="Thaa" typeface="MV Boli"/>
+        <a:font script="Deva" typeface="Mangal"/>
+        <a:font script="Telu" typeface="Gautami"/>
+        <a:font script="Taml" typeface="Latha"/>
+        <a:font script="Syrc" typeface="Estrangelo Edessa"/>
+        <a:font script="Orya" typeface="Kalinga"/>
+        <a:font script="Mlym" typeface="Kartika"/>
+        <a:font script="Laoo" typeface="DokChampa"/>
+        <a:font script="Sinh" typeface="Iskoola Pota"/>
+        <a:font script="Mong" typeface="Mongolian Baiti"/>
+        <a:font script="Viet" typeface="Times New Roman"/>
+        <a:font script="Uigh" typeface="Microsoft Uighur"/>
+        <a:font script="Geor" typeface="Sylfaen"/>
+      </a:majorFont>
+      <a:minorFont>
+        <a:latin typeface="Calibri"/>
+        <a:ea typeface=""/>
+        <a:cs typeface=""/>
+        <a:font script="Jpan" typeface="ＭＳ Ｐゴシック"/>
+        <a:font script="Hang" typeface="맑은 고딕"/>
+        <a:font script="Hans" typeface="宋体"/>
+        <a:font script="Hant" typeface="新細明體"/>
+        <a:font script="Arab" typeface="Arial"/>
+        <a:font script="Hebr" typeface="Arial"/>
+        <a:font script="Thai" typeface="Cordia New"/>
+        <a:font script="Ethi" typeface="Nyala"/>
+        <a:font script="Beng" typeface="Vrinda"/>
+        <a:font script="Gujr" typeface="Shruti"/>
+        <a:font script="Khmr" typeface="DaunPenh"/>
+        <a:font script="Knda" typeface="Tunga"/>
+        <a:font script="Guru" typeface="Raavi"/>
+        <a:font script="Cans" typeface="Euphemia"/>
+        <a:font script="Cher" typeface="Plantagenet Cherokee"/>
+        <a:font script="Yiii" typeface="Microsoft Yi Baiti"/>
+        <a:font script="Tibt" typeface="Microsoft Himalaya"/>
+        <a:font script="Thaa" typeface="MV Boli"/>
+        <a:font script="Deva" typeface="Mangal"/>
+        <a:font script="Telu" typeface="Gautami"/>
+        <a:font script="Taml" typeface="Latha"/>
+        <a:font script="Syrc" typeface="Estrangelo Edessa"/>
+        <a:font script="Orya" typeface="Kalinga"/>
+        <a:font script="Mlym" typeface="Kartika"/>
+        <a:font script="Laoo" typeface="DokChampa"/>
+        <a:font script="Sinh" typeface="Iskoola Pota"/>
+        <a:font script="Mong" typeface="Mongolian Baiti"/>
+        <a:font script="Viet" typeface="Arial"/>
+        <a:font script="Uigh" typeface="Microsoft Uighur"/>
+        <a:font script="Geor" typeface="Sylfaen"/>
+      </a:minorFont>
+    </a:fontScheme>
+    <a:fmtScheme name="Escritório">
+      <a:fillStyleLst>
+        <a:solidFill>
+          <a:schemeClr val="phClr"/>
+        </a:solidFill>
+        <a:gradFill rotWithShape="1">
+          <a:gsLst>
+            <a:gs pos="0">
+              <a:schemeClr val="phClr">
+                <a:tint val="50000"/>
+                <a:satMod val="300000"/>
+              </a:schemeClr>
+            </a:gs>
+            <a:gs pos="35000">
+              <a:schemeClr val="phClr">
+                <a:tint val="37000"/>
+                <a:satMod val="300000"/>
+              </a:schemeClr>
+            </a:gs>
+            <a:gs pos="100000">
+              <a:schemeClr val="phClr">
+                <a:tint val="15000"/>
+                <a:satMod val="350000"/>
+              </a:schemeClr>
+            </a:gs>
+          </a:gsLst>
+          <a:lin ang="16200000" scaled="1"/>
+        </a:gradFill>
+        <a:gradFill rotWithShape="1">
+          <a:gsLst>
+            <a:gs pos="0">
+              <a:schemeClr val="phClr">
+                <a:shade val="51000"/>
+                <a:satMod val="130000"/>
+              </a:schemeClr>
+            </a:gs>
+            <a:gs pos="80000">
+              <a:schemeClr val="phClr">
+                <a:shade val="93000"/>
+                <a:satMod val="130000"/>
+              </a:schemeClr>
+            </a:gs>
+            <a:gs pos="100000">
+              <a:schemeClr val="phClr">
+                <a:shade val="94000"/>
+                <a:satMod val="135000"/>
+              </a:schemeClr>
+            </a:gs>
+          </a:gsLst>
+          <a:lin ang="16200000" scaled="0"/>
+        </a:gradFill>
+      </a:fillStyleLst>
+      <a:lnStyleLst>
+        <a:ln w="9525" cap="flat" cmpd="sng" algn="ctr">
+          <a:solidFill>
+            <a:schemeClr val="phClr">
+              <a:shade val="95000"/>
+              <a:satMod val="105000"/>
+            </a:schemeClr>
+          </a:solidFill>
+          <a:prstDash val="solid"/>
+        </a:ln>
+        <a:ln w="25400" cap="flat" cmpd="sng" algn="ctr">
+          <a:solidFill>
+            <a:schemeClr val="phClr"/>
+          </a:solidFill>
+          <a:prstDash val="solid"/>
+        </a:ln>
+        <a:ln w="38100" cap="flat" cmpd="sng" algn="ctr">
+          <a:solidFill>
+            <a:schemeClr val="phClr"/>
+          </a:solidFill>
+          <a:prstDash val="solid"/>
+        </a:ln>
+      </a:lnStyleLst>
+      <a:effectStyleLst>
+        <a:effectStyle>
+          <a:effectLst>
+            <a:outerShdw blurRad="40000" dist="20000" dir="5400000" rotWithShape="0">
+              <a:srgbClr val="000000">
+                <a:alpha val="38000"/>
+              </a:srgbClr>
+            </a:outerShdw>
+          </a:effectLst>
+        </a:effectStyle>
+        <a:effectStyle>
+          <a:effectLst>
+            <a:outerShdw blurRad="40000" dist="23000" dir="5400000" rotWithShape="0">
+              <a:srgbClr val="000000">
+                <a:alpha val="35000"/>
+              </a:srgbClr>
+            </a:outerShdw>
+          </a:effectLst>
+        </a:effectStyle>
+        <a:effectStyle>
+          <a:effectLst>
+            <a:outerShdw blurRad="40000" dist="23000" dir="5400000" rotWithShape="0">
+              <a:srgbClr val="000000">
+                <a:alpha val="35000"/>
+              </a:srgbClr>
+            </a:outerShdw>
+          </a:effectLst>
+          <a:scene3d>
+            <a:camera prst="orthographicFront">
+              <a:rot lat="0" lon="0" rev="0"/>
+            </a:camera>
+            <a:lightRig rig="threePt" dir="t">
+              <a:rot lat="0" lon="0" rev="1200000"/>
+            </a:lightRig>
+          </a:scene3d>
+          <a:sp3d>
+            <a:bevelT w="63500" h="25400"/>
+          </a:sp3d>
+        </a:effectStyle>
+      </a:effectStyleLst>
+      <a:bgFillStyleLst>
+        <a:solidFill>
+          <a:schemeClr val="phClr"/>
+        </a:solidFill>
+        <a:gradFill rotWithShape="1">
+          <a:gsLst>
+            <a:gs pos="0">
+              <a:schemeClr val="phClr">
+                <a:tint val="40000"/>
+                <a:satMod val="350000"/>
+              </a:schemeClr>
+            </a:gs>
+            <a:gs pos="40000">
+              <a:schemeClr val="phClr">
+                <a:tint val="45000"/>
+                <a:shade val="99000"/>
+                <a:satMod val="350000"/>
+              </a:schemeClr>
+            </a:gs>
+            <a:gs pos="100000">
+              <a:schemeClr val="phClr">
+                <a:shade val="20000"/>
+                <a:satMod val="255000"/>
+              </a:schemeClr>
+            </a:gs>
+          </a:gsLst>
+          <a:path path="circle">
+            <a:fillToRect l="50000" t="-80000" r="50000" b="180000"/>
+          </a:path>
+        </a:gradFill>
+        <a:gradFill rotWithShape="1">
+          <a:gsLst>
+            <a:gs pos="0">
+              <a:schemeClr val="phClr">
+                <a:tint val="80000"/>
+                <a:satMod val="300000"/>
+              </a:schemeClr>
+            </a:gs>
+            <a:gs pos="100000">
+              <a:schemeClr val="phClr">
+                <a:shade val="30000"/>
+                <a:satMod val="200000"/>
+              </a:schemeClr>
+            </a:gs>
+          </a:gsLst>
+          <a:path path="circle">
+            <a:fillToRect l="50000" t="50000" r="50000" b="50000"/>
+          </a:path>
+        </a:gradFill>
+      </a:bgFillStyleLst>
+    </a:fmtScheme>
+  </a:themeElements>
+  <a:objectDefaults/>
+  <a:extraClrSchemeLst/>
+</a:theme>
 </file>